--- a/documentatie/prezentare.pptx
+++ b/documentatie/prezentare.pptx
@@ -5,7 +5,7 @@
     <p:sldMasterId id="2147483648" r:id="rId1"/>
   </p:sldMasterIdLst>
   <p:notesMasterIdLst>
-    <p:notesMasterId r:id="rId9"/>
+    <p:notesMasterId r:id="rId10"/>
   </p:notesMasterIdLst>
   <p:sldIdLst>
     <p:sldId id="256" r:id="rId2"/>
@@ -13,8 +13,9 @@
     <p:sldId id="258" r:id="rId4"/>
     <p:sldId id="261" r:id="rId5"/>
     <p:sldId id="259" r:id="rId6"/>
-    <p:sldId id="262" r:id="rId7"/>
-    <p:sldId id="260" r:id="rId8"/>
+    <p:sldId id="263" r:id="rId7"/>
+    <p:sldId id="262" r:id="rId8"/>
+    <p:sldId id="260" r:id="rId9"/>
   </p:sldIdLst>
   <p:sldSz cx="12192000" cy="6858000"/>
   <p:notesSz cx="6858000" cy="9144000"/>
@@ -203,7 +204,7 @@
           <a:p>
             <a:fld id="{79898B34-DB72-4EC0-9230-DB5042BB3EB5}" type="datetimeFigureOut">
               <a:rPr lang="en-US" smtClean="0"/>
-              <a:t>03-Jun-18</a:t>
+              <a:t>6/4/2018</a:t>
             </a:fld>
             <a:endParaRPr lang="en-US"/>
           </a:p>
@@ -576,7 +577,7 @@
           <p:cNvPr id="2" name="Title 1">
             <a:extLst>
               <a:ext uri="{FF2B5EF4-FFF2-40B4-BE49-F238E27FC236}">
-                <a16:creationId xmlns:a16="http://schemas.microsoft.com/office/drawing/2014/main" id="{7B9E3CF1-7C20-4A45-9ED4-E1BB64E3CAD6}"/>
+                <a16:creationId xmlns:a16="http://schemas.microsoft.com/office/drawing/2014/main" xmlns="" id="{7B9E3CF1-7C20-4A45-9ED4-E1BB64E3CAD6}"/>
               </a:ext>
             </a:extLst>
           </p:cNvPr>
@@ -613,7 +614,7 @@
           <p:cNvPr id="3" name="Subtitle 2">
             <a:extLst>
               <a:ext uri="{FF2B5EF4-FFF2-40B4-BE49-F238E27FC236}">
-                <a16:creationId xmlns:a16="http://schemas.microsoft.com/office/drawing/2014/main" id="{9AB8D14F-4E69-44E2-9A85-E4396B858EEE}"/>
+                <a16:creationId xmlns:a16="http://schemas.microsoft.com/office/drawing/2014/main" xmlns="" id="{9AB8D14F-4E69-44E2-9A85-E4396B858EEE}"/>
               </a:ext>
             </a:extLst>
           </p:cNvPr>
@@ -683,7 +684,7 @@
           <p:cNvPr id="4" name="Date Placeholder 3">
             <a:extLst>
               <a:ext uri="{FF2B5EF4-FFF2-40B4-BE49-F238E27FC236}">
-                <a16:creationId xmlns:a16="http://schemas.microsoft.com/office/drawing/2014/main" id="{3F6F0A29-AE56-40F2-8108-5F1BA31A4D78}"/>
+                <a16:creationId xmlns:a16="http://schemas.microsoft.com/office/drawing/2014/main" xmlns="" id="{3F6F0A29-AE56-40F2-8108-5F1BA31A4D78}"/>
               </a:ext>
             </a:extLst>
           </p:cNvPr>
@@ -701,7 +702,7 @@
           <a:p>
             <a:fld id="{2D9985BB-865C-428D-AC2C-ED149ADFC824}" type="datetimeFigureOut">
               <a:rPr lang="en-US" smtClean="0"/>
-              <a:t>03-Jun-18</a:t>
+              <a:t>6/4/2018</a:t>
             </a:fld>
             <a:endParaRPr lang="en-US"/>
           </a:p>
@@ -712,7 +713,7 @@
           <p:cNvPr id="5" name="Footer Placeholder 4">
             <a:extLst>
               <a:ext uri="{FF2B5EF4-FFF2-40B4-BE49-F238E27FC236}">
-                <a16:creationId xmlns:a16="http://schemas.microsoft.com/office/drawing/2014/main" id="{1BFEA6B6-739A-47C2-9A35-58BCD39BB69C}"/>
+                <a16:creationId xmlns:a16="http://schemas.microsoft.com/office/drawing/2014/main" xmlns="" id="{1BFEA6B6-739A-47C2-9A35-58BCD39BB69C}"/>
               </a:ext>
             </a:extLst>
           </p:cNvPr>
@@ -737,7 +738,7 @@
           <p:cNvPr id="6" name="Slide Number Placeholder 5">
             <a:extLst>
               <a:ext uri="{FF2B5EF4-FFF2-40B4-BE49-F238E27FC236}">
-                <a16:creationId xmlns:a16="http://schemas.microsoft.com/office/drawing/2014/main" id="{DA7395C5-E9CE-4384-AEF1-EB3EE492CB2D}"/>
+                <a16:creationId xmlns:a16="http://schemas.microsoft.com/office/drawing/2014/main" xmlns="" id="{DA7395C5-E9CE-4384-AEF1-EB3EE492CB2D}"/>
               </a:ext>
             </a:extLst>
           </p:cNvPr>
@@ -796,7 +797,7 @@
           <p:cNvPr id="2" name="Title 1">
             <a:extLst>
               <a:ext uri="{FF2B5EF4-FFF2-40B4-BE49-F238E27FC236}">
-                <a16:creationId xmlns:a16="http://schemas.microsoft.com/office/drawing/2014/main" id="{BA53B6AF-007F-46B8-8CFB-8F772F862E28}"/>
+                <a16:creationId xmlns:a16="http://schemas.microsoft.com/office/drawing/2014/main" xmlns="" id="{BA53B6AF-007F-46B8-8CFB-8F772F862E28}"/>
               </a:ext>
             </a:extLst>
           </p:cNvPr>
@@ -824,7 +825,7 @@
           <p:cNvPr id="3" name="Vertical Text Placeholder 2">
             <a:extLst>
               <a:ext uri="{FF2B5EF4-FFF2-40B4-BE49-F238E27FC236}">
-                <a16:creationId xmlns:a16="http://schemas.microsoft.com/office/drawing/2014/main" id="{93BAE08B-F0A3-4EBE-828F-281CDCFB408B}"/>
+                <a16:creationId xmlns:a16="http://schemas.microsoft.com/office/drawing/2014/main" xmlns="" id="{93BAE08B-F0A3-4EBE-828F-281CDCFB408B}"/>
               </a:ext>
             </a:extLst>
           </p:cNvPr>
@@ -881,7 +882,7 @@
           <p:cNvPr id="4" name="Date Placeholder 3">
             <a:extLst>
               <a:ext uri="{FF2B5EF4-FFF2-40B4-BE49-F238E27FC236}">
-                <a16:creationId xmlns:a16="http://schemas.microsoft.com/office/drawing/2014/main" id="{13CD550B-C399-4FD0-9A45-37AA3A880D7B}"/>
+                <a16:creationId xmlns:a16="http://schemas.microsoft.com/office/drawing/2014/main" xmlns="" id="{13CD550B-C399-4FD0-9A45-37AA3A880D7B}"/>
               </a:ext>
             </a:extLst>
           </p:cNvPr>
@@ -899,7 +900,7 @@
           <a:p>
             <a:fld id="{2D9985BB-865C-428D-AC2C-ED149ADFC824}" type="datetimeFigureOut">
               <a:rPr lang="en-US" smtClean="0"/>
-              <a:t>03-Jun-18</a:t>
+              <a:t>6/4/2018</a:t>
             </a:fld>
             <a:endParaRPr lang="en-US"/>
           </a:p>
@@ -910,7 +911,7 @@
           <p:cNvPr id="5" name="Footer Placeholder 4">
             <a:extLst>
               <a:ext uri="{FF2B5EF4-FFF2-40B4-BE49-F238E27FC236}">
-                <a16:creationId xmlns:a16="http://schemas.microsoft.com/office/drawing/2014/main" id="{8A8B6443-B379-4718-ADD0-78E11DDAA1E6}"/>
+                <a16:creationId xmlns:a16="http://schemas.microsoft.com/office/drawing/2014/main" xmlns="" id="{8A8B6443-B379-4718-ADD0-78E11DDAA1E6}"/>
               </a:ext>
             </a:extLst>
           </p:cNvPr>
@@ -935,7 +936,7 @@
           <p:cNvPr id="6" name="Slide Number Placeholder 5">
             <a:extLst>
               <a:ext uri="{FF2B5EF4-FFF2-40B4-BE49-F238E27FC236}">
-                <a16:creationId xmlns:a16="http://schemas.microsoft.com/office/drawing/2014/main" id="{084AB879-B42B-4FDC-9ABF-0042C9887905}"/>
+                <a16:creationId xmlns:a16="http://schemas.microsoft.com/office/drawing/2014/main" xmlns="" id="{084AB879-B42B-4FDC-9ABF-0042C9887905}"/>
               </a:ext>
             </a:extLst>
           </p:cNvPr>
@@ -994,7 +995,7 @@
           <p:cNvPr id="2" name="Vertical Title 1">
             <a:extLst>
               <a:ext uri="{FF2B5EF4-FFF2-40B4-BE49-F238E27FC236}">
-                <a16:creationId xmlns:a16="http://schemas.microsoft.com/office/drawing/2014/main" id="{598CB061-8CFA-421F-97BE-65B1E4433606}"/>
+                <a16:creationId xmlns:a16="http://schemas.microsoft.com/office/drawing/2014/main" xmlns="" id="{598CB061-8CFA-421F-97BE-65B1E4433606}"/>
               </a:ext>
             </a:extLst>
           </p:cNvPr>
@@ -1027,7 +1028,7 @@
           <p:cNvPr id="3" name="Vertical Text Placeholder 2">
             <a:extLst>
               <a:ext uri="{FF2B5EF4-FFF2-40B4-BE49-F238E27FC236}">
-                <a16:creationId xmlns:a16="http://schemas.microsoft.com/office/drawing/2014/main" id="{95D2C40A-BAEF-4909-B5FB-46AD1EF29036}"/>
+                <a16:creationId xmlns:a16="http://schemas.microsoft.com/office/drawing/2014/main" xmlns="" id="{95D2C40A-BAEF-4909-B5FB-46AD1EF29036}"/>
               </a:ext>
             </a:extLst>
           </p:cNvPr>
@@ -1089,7 +1090,7 @@
           <p:cNvPr id="4" name="Date Placeholder 3">
             <a:extLst>
               <a:ext uri="{FF2B5EF4-FFF2-40B4-BE49-F238E27FC236}">
-                <a16:creationId xmlns:a16="http://schemas.microsoft.com/office/drawing/2014/main" id="{05E79A42-F13F-4DE7-B9C6-1F18EDA40F0D}"/>
+                <a16:creationId xmlns:a16="http://schemas.microsoft.com/office/drawing/2014/main" xmlns="" id="{05E79A42-F13F-4DE7-B9C6-1F18EDA40F0D}"/>
               </a:ext>
             </a:extLst>
           </p:cNvPr>
@@ -1107,7 +1108,7 @@
           <a:p>
             <a:fld id="{2D9985BB-865C-428D-AC2C-ED149ADFC824}" type="datetimeFigureOut">
               <a:rPr lang="en-US" smtClean="0"/>
-              <a:t>03-Jun-18</a:t>
+              <a:t>6/4/2018</a:t>
             </a:fld>
             <a:endParaRPr lang="en-US"/>
           </a:p>
@@ -1118,7 +1119,7 @@
           <p:cNvPr id="5" name="Footer Placeholder 4">
             <a:extLst>
               <a:ext uri="{FF2B5EF4-FFF2-40B4-BE49-F238E27FC236}">
-                <a16:creationId xmlns:a16="http://schemas.microsoft.com/office/drawing/2014/main" id="{58088A79-9AC7-4F14-B6E1-2113D38C013E}"/>
+                <a16:creationId xmlns:a16="http://schemas.microsoft.com/office/drawing/2014/main" xmlns="" id="{58088A79-9AC7-4F14-B6E1-2113D38C013E}"/>
               </a:ext>
             </a:extLst>
           </p:cNvPr>
@@ -1143,7 +1144,7 @@
           <p:cNvPr id="6" name="Slide Number Placeholder 5">
             <a:extLst>
               <a:ext uri="{FF2B5EF4-FFF2-40B4-BE49-F238E27FC236}">
-                <a16:creationId xmlns:a16="http://schemas.microsoft.com/office/drawing/2014/main" id="{D5254E35-1232-4C65-8DED-5102C57C393B}"/>
+                <a16:creationId xmlns:a16="http://schemas.microsoft.com/office/drawing/2014/main" xmlns="" id="{D5254E35-1232-4C65-8DED-5102C57C393B}"/>
               </a:ext>
             </a:extLst>
           </p:cNvPr>
@@ -1202,7 +1203,7 @@
           <p:cNvPr id="2" name="Title 1">
             <a:extLst>
               <a:ext uri="{FF2B5EF4-FFF2-40B4-BE49-F238E27FC236}">
-                <a16:creationId xmlns:a16="http://schemas.microsoft.com/office/drawing/2014/main" id="{76D80941-E7DF-4194-9D6C-0CAFCD459444}"/>
+                <a16:creationId xmlns:a16="http://schemas.microsoft.com/office/drawing/2014/main" xmlns="" id="{76D80941-E7DF-4194-9D6C-0CAFCD459444}"/>
               </a:ext>
             </a:extLst>
           </p:cNvPr>
@@ -1230,7 +1231,7 @@
           <p:cNvPr id="3" name="Content Placeholder 2">
             <a:extLst>
               <a:ext uri="{FF2B5EF4-FFF2-40B4-BE49-F238E27FC236}">
-                <a16:creationId xmlns:a16="http://schemas.microsoft.com/office/drawing/2014/main" id="{074D3F35-9B31-4FEC-8D36-74FDD25A458B}"/>
+                <a16:creationId xmlns:a16="http://schemas.microsoft.com/office/drawing/2014/main" xmlns="" id="{074D3F35-9B31-4FEC-8D36-74FDD25A458B}"/>
               </a:ext>
             </a:extLst>
           </p:cNvPr>
@@ -1287,7 +1288,7 @@
           <p:cNvPr id="4" name="Date Placeholder 3">
             <a:extLst>
               <a:ext uri="{FF2B5EF4-FFF2-40B4-BE49-F238E27FC236}">
-                <a16:creationId xmlns:a16="http://schemas.microsoft.com/office/drawing/2014/main" id="{23D7F438-116B-4A72-85D1-EFE825AA918D}"/>
+                <a16:creationId xmlns:a16="http://schemas.microsoft.com/office/drawing/2014/main" xmlns="" id="{23D7F438-116B-4A72-85D1-EFE825AA918D}"/>
               </a:ext>
             </a:extLst>
           </p:cNvPr>
@@ -1305,7 +1306,7 @@
           <a:p>
             <a:fld id="{2D9985BB-865C-428D-AC2C-ED149ADFC824}" type="datetimeFigureOut">
               <a:rPr lang="en-US" smtClean="0"/>
-              <a:t>03-Jun-18</a:t>
+              <a:t>6/4/2018</a:t>
             </a:fld>
             <a:endParaRPr lang="en-US"/>
           </a:p>
@@ -1316,7 +1317,7 @@
           <p:cNvPr id="5" name="Footer Placeholder 4">
             <a:extLst>
               <a:ext uri="{FF2B5EF4-FFF2-40B4-BE49-F238E27FC236}">
-                <a16:creationId xmlns:a16="http://schemas.microsoft.com/office/drawing/2014/main" id="{250A0063-BADE-4137-B6E5-79F71E53F9FB}"/>
+                <a16:creationId xmlns:a16="http://schemas.microsoft.com/office/drawing/2014/main" xmlns="" id="{250A0063-BADE-4137-B6E5-79F71E53F9FB}"/>
               </a:ext>
             </a:extLst>
           </p:cNvPr>
@@ -1341,7 +1342,7 @@
           <p:cNvPr id="6" name="Slide Number Placeholder 5">
             <a:extLst>
               <a:ext uri="{FF2B5EF4-FFF2-40B4-BE49-F238E27FC236}">
-                <a16:creationId xmlns:a16="http://schemas.microsoft.com/office/drawing/2014/main" id="{A6CD1965-852D-41E4-933F-D11380E1958F}"/>
+                <a16:creationId xmlns:a16="http://schemas.microsoft.com/office/drawing/2014/main" xmlns="" id="{A6CD1965-852D-41E4-933F-D11380E1958F}"/>
               </a:ext>
             </a:extLst>
           </p:cNvPr>
@@ -1400,7 +1401,7 @@
           <p:cNvPr id="2" name="Title 1">
             <a:extLst>
               <a:ext uri="{FF2B5EF4-FFF2-40B4-BE49-F238E27FC236}">
-                <a16:creationId xmlns:a16="http://schemas.microsoft.com/office/drawing/2014/main" id="{1B523E97-611F-4456-BE11-B0BB3FABE617}"/>
+                <a16:creationId xmlns:a16="http://schemas.microsoft.com/office/drawing/2014/main" xmlns="" id="{1B523E97-611F-4456-BE11-B0BB3FABE617}"/>
               </a:ext>
             </a:extLst>
           </p:cNvPr>
@@ -1437,7 +1438,7 @@
           <p:cNvPr id="3" name="Text Placeholder 2">
             <a:extLst>
               <a:ext uri="{FF2B5EF4-FFF2-40B4-BE49-F238E27FC236}">
-                <a16:creationId xmlns:a16="http://schemas.microsoft.com/office/drawing/2014/main" id="{30EB5F56-0FB4-4D48-BDDA-7DAB5C3A033C}"/>
+                <a16:creationId xmlns:a16="http://schemas.microsoft.com/office/drawing/2014/main" xmlns="" id="{30EB5F56-0FB4-4D48-BDDA-7DAB5C3A033C}"/>
               </a:ext>
             </a:extLst>
           </p:cNvPr>
@@ -1562,7 +1563,7 @@
           <p:cNvPr id="4" name="Date Placeholder 3">
             <a:extLst>
               <a:ext uri="{FF2B5EF4-FFF2-40B4-BE49-F238E27FC236}">
-                <a16:creationId xmlns:a16="http://schemas.microsoft.com/office/drawing/2014/main" id="{C046D54C-593B-4B87-8978-2BF35CD07973}"/>
+                <a16:creationId xmlns:a16="http://schemas.microsoft.com/office/drawing/2014/main" xmlns="" id="{C046D54C-593B-4B87-8978-2BF35CD07973}"/>
               </a:ext>
             </a:extLst>
           </p:cNvPr>
@@ -1580,7 +1581,7 @@
           <a:p>
             <a:fld id="{2D9985BB-865C-428D-AC2C-ED149ADFC824}" type="datetimeFigureOut">
               <a:rPr lang="en-US" smtClean="0"/>
-              <a:t>03-Jun-18</a:t>
+              <a:t>6/4/2018</a:t>
             </a:fld>
             <a:endParaRPr lang="en-US"/>
           </a:p>
@@ -1591,7 +1592,7 @@
           <p:cNvPr id="5" name="Footer Placeholder 4">
             <a:extLst>
               <a:ext uri="{FF2B5EF4-FFF2-40B4-BE49-F238E27FC236}">
-                <a16:creationId xmlns:a16="http://schemas.microsoft.com/office/drawing/2014/main" id="{04F7371C-DF10-4090-A8BD-309B8E1AB5D6}"/>
+                <a16:creationId xmlns:a16="http://schemas.microsoft.com/office/drawing/2014/main" xmlns="" id="{04F7371C-DF10-4090-A8BD-309B8E1AB5D6}"/>
               </a:ext>
             </a:extLst>
           </p:cNvPr>
@@ -1616,7 +1617,7 @@
           <p:cNvPr id="6" name="Slide Number Placeholder 5">
             <a:extLst>
               <a:ext uri="{FF2B5EF4-FFF2-40B4-BE49-F238E27FC236}">
-                <a16:creationId xmlns:a16="http://schemas.microsoft.com/office/drawing/2014/main" id="{425F32D9-B54D-4EC9-AF15-1DAD184AAC34}"/>
+                <a16:creationId xmlns:a16="http://schemas.microsoft.com/office/drawing/2014/main" xmlns="" id="{425F32D9-B54D-4EC9-AF15-1DAD184AAC34}"/>
               </a:ext>
             </a:extLst>
           </p:cNvPr>
@@ -1675,7 +1676,7 @@
           <p:cNvPr id="2" name="Title 1">
             <a:extLst>
               <a:ext uri="{FF2B5EF4-FFF2-40B4-BE49-F238E27FC236}">
-                <a16:creationId xmlns:a16="http://schemas.microsoft.com/office/drawing/2014/main" id="{126CA074-40AC-4E19-A4F0-8563CD1EF97F}"/>
+                <a16:creationId xmlns:a16="http://schemas.microsoft.com/office/drawing/2014/main" xmlns="" id="{126CA074-40AC-4E19-A4F0-8563CD1EF97F}"/>
               </a:ext>
             </a:extLst>
           </p:cNvPr>
@@ -1703,7 +1704,7 @@
           <p:cNvPr id="3" name="Content Placeholder 2">
             <a:extLst>
               <a:ext uri="{FF2B5EF4-FFF2-40B4-BE49-F238E27FC236}">
-                <a16:creationId xmlns:a16="http://schemas.microsoft.com/office/drawing/2014/main" id="{DB4EF95B-01C4-4FC8-924C-C1C37201929C}"/>
+                <a16:creationId xmlns:a16="http://schemas.microsoft.com/office/drawing/2014/main" xmlns="" id="{DB4EF95B-01C4-4FC8-924C-C1C37201929C}"/>
               </a:ext>
             </a:extLst>
           </p:cNvPr>
@@ -1765,7 +1766,7 @@
           <p:cNvPr id="4" name="Content Placeholder 3">
             <a:extLst>
               <a:ext uri="{FF2B5EF4-FFF2-40B4-BE49-F238E27FC236}">
-                <a16:creationId xmlns:a16="http://schemas.microsoft.com/office/drawing/2014/main" id="{EDB9ADE9-8A14-4D77-8E6B-A012B6B0BBE9}"/>
+                <a16:creationId xmlns:a16="http://schemas.microsoft.com/office/drawing/2014/main" xmlns="" id="{EDB9ADE9-8A14-4D77-8E6B-A012B6B0BBE9}"/>
               </a:ext>
             </a:extLst>
           </p:cNvPr>
@@ -1827,7 +1828,7 @@
           <p:cNvPr id="5" name="Date Placeholder 4">
             <a:extLst>
               <a:ext uri="{FF2B5EF4-FFF2-40B4-BE49-F238E27FC236}">
-                <a16:creationId xmlns:a16="http://schemas.microsoft.com/office/drawing/2014/main" id="{7BFF1248-4D9A-406E-89EC-9A4AC8CF0B39}"/>
+                <a16:creationId xmlns:a16="http://schemas.microsoft.com/office/drawing/2014/main" xmlns="" id="{7BFF1248-4D9A-406E-89EC-9A4AC8CF0B39}"/>
               </a:ext>
             </a:extLst>
           </p:cNvPr>
@@ -1845,7 +1846,7 @@
           <a:p>
             <a:fld id="{2D9985BB-865C-428D-AC2C-ED149ADFC824}" type="datetimeFigureOut">
               <a:rPr lang="en-US" smtClean="0"/>
-              <a:t>03-Jun-18</a:t>
+              <a:t>6/4/2018</a:t>
             </a:fld>
             <a:endParaRPr lang="en-US"/>
           </a:p>
@@ -1856,7 +1857,7 @@
           <p:cNvPr id="6" name="Footer Placeholder 5">
             <a:extLst>
               <a:ext uri="{FF2B5EF4-FFF2-40B4-BE49-F238E27FC236}">
-                <a16:creationId xmlns:a16="http://schemas.microsoft.com/office/drawing/2014/main" id="{77FC486D-4021-483E-B1BF-9A564B7A7506}"/>
+                <a16:creationId xmlns:a16="http://schemas.microsoft.com/office/drawing/2014/main" xmlns="" id="{77FC486D-4021-483E-B1BF-9A564B7A7506}"/>
               </a:ext>
             </a:extLst>
           </p:cNvPr>
@@ -1881,7 +1882,7 @@
           <p:cNvPr id="7" name="Slide Number Placeholder 6">
             <a:extLst>
               <a:ext uri="{FF2B5EF4-FFF2-40B4-BE49-F238E27FC236}">
-                <a16:creationId xmlns:a16="http://schemas.microsoft.com/office/drawing/2014/main" id="{B348FCEC-89ED-4107-A53D-F45564D06329}"/>
+                <a16:creationId xmlns:a16="http://schemas.microsoft.com/office/drawing/2014/main" xmlns="" id="{B348FCEC-89ED-4107-A53D-F45564D06329}"/>
               </a:ext>
             </a:extLst>
           </p:cNvPr>
@@ -1940,7 +1941,7 @@
           <p:cNvPr id="2" name="Title 1">
             <a:extLst>
               <a:ext uri="{FF2B5EF4-FFF2-40B4-BE49-F238E27FC236}">
-                <a16:creationId xmlns:a16="http://schemas.microsoft.com/office/drawing/2014/main" id="{59F8A835-1B16-401F-8DF0-C7AE1C01711C}"/>
+                <a16:creationId xmlns:a16="http://schemas.microsoft.com/office/drawing/2014/main" xmlns="" id="{59F8A835-1B16-401F-8DF0-C7AE1C01711C}"/>
               </a:ext>
             </a:extLst>
           </p:cNvPr>
@@ -1973,7 +1974,7 @@
           <p:cNvPr id="3" name="Text Placeholder 2">
             <a:extLst>
               <a:ext uri="{FF2B5EF4-FFF2-40B4-BE49-F238E27FC236}">
-                <a16:creationId xmlns:a16="http://schemas.microsoft.com/office/drawing/2014/main" id="{7B489F57-DBD2-4678-9803-42D2AB08D7FB}"/>
+                <a16:creationId xmlns:a16="http://schemas.microsoft.com/office/drawing/2014/main" xmlns="" id="{7B489F57-DBD2-4678-9803-42D2AB08D7FB}"/>
               </a:ext>
             </a:extLst>
           </p:cNvPr>
@@ -2044,7 +2045,7 @@
           <p:cNvPr id="4" name="Content Placeholder 3">
             <a:extLst>
               <a:ext uri="{FF2B5EF4-FFF2-40B4-BE49-F238E27FC236}">
-                <a16:creationId xmlns:a16="http://schemas.microsoft.com/office/drawing/2014/main" id="{9C946359-DB7C-43E6-9A7C-BA9A9AED7FBC}"/>
+                <a16:creationId xmlns:a16="http://schemas.microsoft.com/office/drawing/2014/main" xmlns="" id="{9C946359-DB7C-43E6-9A7C-BA9A9AED7FBC}"/>
               </a:ext>
             </a:extLst>
           </p:cNvPr>
@@ -2106,7 +2107,7 @@
           <p:cNvPr id="5" name="Text Placeholder 4">
             <a:extLst>
               <a:ext uri="{FF2B5EF4-FFF2-40B4-BE49-F238E27FC236}">
-                <a16:creationId xmlns:a16="http://schemas.microsoft.com/office/drawing/2014/main" id="{D89BD704-777E-44F7-A2AE-63AE4848F778}"/>
+                <a16:creationId xmlns:a16="http://schemas.microsoft.com/office/drawing/2014/main" xmlns="" id="{D89BD704-777E-44F7-A2AE-63AE4848F778}"/>
               </a:ext>
             </a:extLst>
           </p:cNvPr>
@@ -2177,7 +2178,7 @@
           <p:cNvPr id="6" name="Content Placeholder 5">
             <a:extLst>
               <a:ext uri="{FF2B5EF4-FFF2-40B4-BE49-F238E27FC236}">
-                <a16:creationId xmlns:a16="http://schemas.microsoft.com/office/drawing/2014/main" id="{699DFBD5-5A25-4689-B4BA-875C862BC17C}"/>
+                <a16:creationId xmlns:a16="http://schemas.microsoft.com/office/drawing/2014/main" xmlns="" id="{699DFBD5-5A25-4689-B4BA-875C862BC17C}"/>
               </a:ext>
             </a:extLst>
           </p:cNvPr>
@@ -2239,7 +2240,7 @@
           <p:cNvPr id="7" name="Date Placeholder 6">
             <a:extLst>
               <a:ext uri="{FF2B5EF4-FFF2-40B4-BE49-F238E27FC236}">
-                <a16:creationId xmlns:a16="http://schemas.microsoft.com/office/drawing/2014/main" id="{A11B92B9-2018-402E-B54C-EF246A86B83C}"/>
+                <a16:creationId xmlns:a16="http://schemas.microsoft.com/office/drawing/2014/main" xmlns="" id="{A11B92B9-2018-402E-B54C-EF246A86B83C}"/>
               </a:ext>
             </a:extLst>
           </p:cNvPr>
@@ -2257,7 +2258,7 @@
           <a:p>
             <a:fld id="{2D9985BB-865C-428D-AC2C-ED149ADFC824}" type="datetimeFigureOut">
               <a:rPr lang="en-US" smtClean="0"/>
-              <a:t>03-Jun-18</a:t>
+              <a:t>6/4/2018</a:t>
             </a:fld>
             <a:endParaRPr lang="en-US"/>
           </a:p>
@@ -2268,7 +2269,7 @@
           <p:cNvPr id="8" name="Footer Placeholder 7">
             <a:extLst>
               <a:ext uri="{FF2B5EF4-FFF2-40B4-BE49-F238E27FC236}">
-                <a16:creationId xmlns:a16="http://schemas.microsoft.com/office/drawing/2014/main" id="{1D841991-DB43-4CA4-8FDF-04339FFD8BAE}"/>
+                <a16:creationId xmlns:a16="http://schemas.microsoft.com/office/drawing/2014/main" xmlns="" id="{1D841991-DB43-4CA4-8FDF-04339FFD8BAE}"/>
               </a:ext>
             </a:extLst>
           </p:cNvPr>
@@ -2293,7 +2294,7 @@
           <p:cNvPr id="9" name="Slide Number Placeholder 8">
             <a:extLst>
               <a:ext uri="{FF2B5EF4-FFF2-40B4-BE49-F238E27FC236}">
-                <a16:creationId xmlns:a16="http://schemas.microsoft.com/office/drawing/2014/main" id="{BE32EBEA-1A29-488C-9EB2-9128F1056C61}"/>
+                <a16:creationId xmlns:a16="http://schemas.microsoft.com/office/drawing/2014/main" xmlns="" id="{BE32EBEA-1A29-488C-9EB2-9128F1056C61}"/>
               </a:ext>
             </a:extLst>
           </p:cNvPr>
@@ -2352,7 +2353,7 @@
           <p:cNvPr id="2" name="Title 1">
             <a:extLst>
               <a:ext uri="{FF2B5EF4-FFF2-40B4-BE49-F238E27FC236}">
-                <a16:creationId xmlns:a16="http://schemas.microsoft.com/office/drawing/2014/main" id="{4162F879-2D38-4F39-B899-8FACB1417CFF}"/>
+                <a16:creationId xmlns:a16="http://schemas.microsoft.com/office/drawing/2014/main" xmlns="" id="{4162F879-2D38-4F39-B899-8FACB1417CFF}"/>
               </a:ext>
             </a:extLst>
           </p:cNvPr>
@@ -2380,7 +2381,7 @@
           <p:cNvPr id="3" name="Date Placeholder 2">
             <a:extLst>
               <a:ext uri="{FF2B5EF4-FFF2-40B4-BE49-F238E27FC236}">
-                <a16:creationId xmlns:a16="http://schemas.microsoft.com/office/drawing/2014/main" id="{08CB0DA1-0A85-4E88-9CBD-D1650D2DEF44}"/>
+                <a16:creationId xmlns:a16="http://schemas.microsoft.com/office/drawing/2014/main" xmlns="" id="{08CB0DA1-0A85-4E88-9CBD-D1650D2DEF44}"/>
               </a:ext>
             </a:extLst>
           </p:cNvPr>
@@ -2398,7 +2399,7 @@
           <a:p>
             <a:fld id="{2D9985BB-865C-428D-AC2C-ED149ADFC824}" type="datetimeFigureOut">
               <a:rPr lang="en-US" smtClean="0"/>
-              <a:t>03-Jun-18</a:t>
+              <a:t>6/4/2018</a:t>
             </a:fld>
             <a:endParaRPr lang="en-US"/>
           </a:p>
@@ -2409,7 +2410,7 @@
           <p:cNvPr id="4" name="Footer Placeholder 3">
             <a:extLst>
               <a:ext uri="{FF2B5EF4-FFF2-40B4-BE49-F238E27FC236}">
-                <a16:creationId xmlns:a16="http://schemas.microsoft.com/office/drawing/2014/main" id="{BE53FE18-164B-44CD-A68C-0E5304BAE2A2}"/>
+                <a16:creationId xmlns:a16="http://schemas.microsoft.com/office/drawing/2014/main" xmlns="" id="{BE53FE18-164B-44CD-A68C-0E5304BAE2A2}"/>
               </a:ext>
             </a:extLst>
           </p:cNvPr>
@@ -2434,7 +2435,7 @@
           <p:cNvPr id="5" name="Slide Number Placeholder 4">
             <a:extLst>
               <a:ext uri="{FF2B5EF4-FFF2-40B4-BE49-F238E27FC236}">
-                <a16:creationId xmlns:a16="http://schemas.microsoft.com/office/drawing/2014/main" id="{CD3B003C-B7C3-41AB-AA5D-DA11989CF8E4}"/>
+                <a16:creationId xmlns:a16="http://schemas.microsoft.com/office/drawing/2014/main" xmlns="" id="{CD3B003C-B7C3-41AB-AA5D-DA11989CF8E4}"/>
               </a:ext>
             </a:extLst>
           </p:cNvPr>
@@ -2493,7 +2494,7 @@
           <p:cNvPr id="2" name="Date Placeholder 1">
             <a:extLst>
               <a:ext uri="{FF2B5EF4-FFF2-40B4-BE49-F238E27FC236}">
-                <a16:creationId xmlns:a16="http://schemas.microsoft.com/office/drawing/2014/main" id="{2795ED3A-F3DA-46E6-B5A0-EA2F0FF81F93}"/>
+                <a16:creationId xmlns:a16="http://schemas.microsoft.com/office/drawing/2014/main" xmlns="" id="{2795ED3A-F3DA-46E6-B5A0-EA2F0FF81F93}"/>
               </a:ext>
             </a:extLst>
           </p:cNvPr>
@@ -2511,7 +2512,7 @@
           <a:p>
             <a:fld id="{2D9985BB-865C-428D-AC2C-ED149ADFC824}" type="datetimeFigureOut">
               <a:rPr lang="en-US" smtClean="0"/>
-              <a:t>03-Jun-18</a:t>
+              <a:t>6/4/2018</a:t>
             </a:fld>
             <a:endParaRPr lang="en-US"/>
           </a:p>
@@ -2522,7 +2523,7 @@
           <p:cNvPr id="3" name="Footer Placeholder 2">
             <a:extLst>
               <a:ext uri="{FF2B5EF4-FFF2-40B4-BE49-F238E27FC236}">
-                <a16:creationId xmlns:a16="http://schemas.microsoft.com/office/drawing/2014/main" id="{C743C568-15A9-405D-BDBB-21003B406BC7}"/>
+                <a16:creationId xmlns:a16="http://schemas.microsoft.com/office/drawing/2014/main" xmlns="" id="{C743C568-15A9-405D-BDBB-21003B406BC7}"/>
               </a:ext>
             </a:extLst>
           </p:cNvPr>
@@ -2547,7 +2548,7 @@
           <p:cNvPr id="4" name="Slide Number Placeholder 3">
             <a:extLst>
               <a:ext uri="{FF2B5EF4-FFF2-40B4-BE49-F238E27FC236}">
-                <a16:creationId xmlns:a16="http://schemas.microsoft.com/office/drawing/2014/main" id="{677E277D-32BB-4A6A-B290-523ED1E2FCDB}"/>
+                <a16:creationId xmlns:a16="http://schemas.microsoft.com/office/drawing/2014/main" xmlns="" id="{677E277D-32BB-4A6A-B290-523ED1E2FCDB}"/>
               </a:ext>
             </a:extLst>
           </p:cNvPr>
@@ -2606,7 +2607,7 @@
           <p:cNvPr id="2" name="Title 1">
             <a:extLst>
               <a:ext uri="{FF2B5EF4-FFF2-40B4-BE49-F238E27FC236}">
-                <a16:creationId xmlns:a16="http://schemas.microsoft.com/office/drawing/2014/main" id="{010C9589-D379-4729-8CD2-B25735F088DB}"/>
+                <a16:creationId xmlns:a16="http://schemas.microsoft.com/office/drawing/2014/main" xmlns="" id="{010C9589-D379-4729-8CD2-B25735F088DB}"/>
               </a:ext>
             </a:extLst>
           </p:cNvPr>
@@ -2643,7 +2644,7 @@
           <p:cNvPr id="3" name="Content Placeholder 2">
             <a:extLst>
               <a:ext uri="{FF2B5EF4-FFF2-40B4-BE49-F238E27FC236}">
-                <a16:creationId xmlns:a16="http://schemas.microsoft.com/office/drawing/2014/main" id="{BFC94597-5FEC-4C3C-9DC6-588D09E9AF0D}"/>
+                <a16:creationId xmlns:a16="http://schemas.microsoft.com/office/drawing/2014/main" xmlns="" id="{BFC94597-5FEC-4C3C-9DC6-588D09E9AF0D}"/>
               </a:ext>
             </a:extLst>
           </p:cNvPr>
@@ -2733,7 +2734,7 @@
           <p:cNvPr id="4" name="Text Placeholder 3">
             <a:extLst>
               <a:ext uri="{FF2B5EF4-FFF2-40B4-BE49-F238E27FC236}">
-                <a16:creationId xmlns:a16="http://schemas.microsoft.com/office/drawing/2014/main" id="{FEBA001D-5C54-4B21-9D5D-2F34B95A4E86}"/>
+                <a16:creationId xmlns:a16="http://schemas.microsoft.com/office/drawing/2014/main" xmlns="" id="{FEBA001D-5C54-4B21-9D5D-2F34B95A4E86}"/>
               </a:ext>
             </a:extLst>
           </p:cNvPr>
@@ -2804,7 +2805,7 @@
           <p:cNvPr id="5" name="Date Placeholder 4">
             <a:extLst>
               <a:ext uri="{FF2B5EF4-FFF2-40B4-BE49-F238E27FC236}">
-                <a16:creationId xmlns:a16="http://schemas.microsoft.com/office/drawing/2014/main" id="{BE058D0D-E44C-408A-91CA-92188D7AA6DB}"/>
+                <a16:creationId xmlns:a16="http://schemas.microsoft.com/office/drawing/2014/main" xmlns="" id="{BE058D0D-E44C-408A-91CA-92188D7AA6DB}"/>
               </a:ext>
             </a:extLst>
           </p:cNvPr>
@@ -2822,7 +2823,7 @@
           <a:p>
             <a:fld id="{2D9985BB-865C-428D-AC2C-ED149ADFC824}" type="datetimeFigureOut">
               <a:rPr lang="en-US" smtClean="0"/>
-              <a:t>03-Jun-18</a:t>
+              <a:t>6/4/2018</a:t>
             </a:fld>
             <a:endParaRPr lang="en-US"/>
           </a:p>
@@ -2833,7 +2834,7 @@
           <p:cNvPr id="6" name="Footer Placeholder 5">
             <a:extLst>
               <a:ext uri="{FF2B5EF4-FFF2-40B4-BE49-F238E27FC236}">
-                <a16:creationId xmlns:a16="http://schemas.microsoft.com/office/drawing/2014/main" id="{8698C8AC-2D56-4688-920D-B3F0FAAB2DFA}"/>
+                <a16:creationId xmlns:a16="http://schemas.microsoft.com/office/drawing/2014/main" xmlns="" id="{8698C8AC-2D56-4688-920D-B3F0FAAB2DFA}"/>
               </a:ext>
             </a:extLst>
           </p:cNvPr>
@@ -2858,7 +2859,7 @@
           <p:cNvPr id="7" name="Slide Number Placeholder 6">
             <a:extLst>
               <a:ext uri="{FF2B5EF4-FFF2-40B4-BE49-F238E27FC236}">
-                <a16:creationId xmlns:a16="http://schemas.microsoft.com/office/drawing/2014/main" id="{666FC25B-9DF9-4279-8AD6-548CB1730638}"/>
+                <a16:creationId xmlns:a16="http://schemas.microsoft.com/office/drawing/2014/main" xmlns="" id="{666FC25B-9DF9-4279-8AD6-548CB1730638}"/>
               </a:ext>
             </a:extLst>
           </p:cNvPr>
@@ -2917,7 +2918,7 @@
           <p:cNvPr id="2" name="Title 1">
             <a:extLst>
               <a:ext uri="{FF2B5EF4-FFF2-40B4-BE49-F238E27FC236}">
-                <a16:creationId xmlns:a16="http://schemas.microsoft.com/office/drawing/2014/main" id="{DB03C0A5-AD22-43F2-A42F-7E1A5D63FF62}"/>
+                <a16:creationId xmlns:a16="http://schemas.microsoft.com/office/drawing/2014/main" xmlns="" id="{DB03C0A5-AD22-43F2-A42F-7E1A5D63FF62}"/>
               </a:ext>
             </a:extLst>
           </p:cNvPr>
@@ -2954,7 +2955,7 @@
           <p:cNvPr id="3" name="Picture Placeholder 2">
             <a:extLst>
               <a:ext uri="{FF2B5EF4-FFF2-40B4-BE49-F238E27FC236}">
-                <a16:creationId xmlns:a16="http://schemas.microsoft.com/office/drawing/2014/main" id="{FF0FE790-3F26-462E-ABA7-1DD7460880CE}"/>
+                <a16:creationId xmlns:a16="http://schemas.microsoft.com/office/drawing/2014/main" xmlns="" id="{FF0FE790-3F26-462E-ABA7-1DD7460880CE}"/>
               </a:ext>
             </a:extLst>
           </p:cNvPr>
@@ -3021,7 +3022,7 @@
           <p:cNvPr id="4" name="Text Placeholder 3">
             <a:extLst>
               <a:ext uri="{FF2B5EF4-FFF2-40B4-BE49-F238E27FC236}">
-                <a16:creationId xmlns:a16="http://schemas.microsoft.com/office/drawing/2014/main" id="{E81CAB21-6059-4D81-B27E-F65445C244F0}"/>
+                <a16:creationId xmlns:a16="http://schemas.microsoft.com/office/drawing/2014/main" xmlns="" id="{E81CAB21-6059-4D81-B27E-F65445C244F0}"/>
               </a:ext>
             </a:extLst>
           </p:cNvPr>
@@ -3092,7 +3093,7 @@
           <p:cNvPr id="5" name="Date Placeholder 4">
             <a:extLst>
               <a:ext uri="{FF2B5EF4-FFF2-40B4-BE49-F238E27FC236}">
-                <a16:creationId xmlns:a16="http://schemas.microsoft.com/office/drawing/2014/main" id="{8DFDB4DF-94C4-4ACF-9891-FF9EAD993D81}"/>
+                <a16:creationId xmlns:a16="http://schemas.microsoft.com/office/drawing/2014/main" xmlns="" id="{8DFDB4DF-94C4-4ACF-9891-FF9EAD993D81}"/>
               </a:ext>
             </a:extLst>
           </p:cNvPr>
@@ -3110,7 +3111,7 @@
           <a:p>
             <a:fld id="{2D9985BB-865C-428D-AC2C-ED149ADFC824}" type="datetimeFigureOut">
               <a:rPr lang="en-US" smtClean="0"/>
-              <a:t>03-Jun-18</a:t>
+              <a:t>6/4/2018</a:t>
             </a:fld>
             <a:endParaRPr lang="en-US"/>
           </a:p>
@@ -3121,7 +3122,7 @@
           <p:cNvPr id="6" name="Footer Placeholder 5">
             <a:extLst>
               <a:ext uri="{FF2B5EF4-FFF2-40B4-BE49-F238E27FC236}">
-                <a16:creationId xmlns:a16="http://schemas.microsoft.com/office/drawing/2014/main" id="{91387971-604E-49D2-BE91-25C3E959A25F}"/>
+                <a16:creationId xmlns:a16="http://schemas.microsoft.com/office/drawing/2014/main" xmlns="" id="{91387971-604E-49D2-BE91-25C3E959A25F}"/>
               </a:ext>
             </a:extLst>
           </p:cNvPr>
@@ -3146,7 +3147,7 @@
           <p:cNvPr id="7" name="Slide Number Placeholder 6">
             <a:extLst>
               <a:ext uri="{FF2B5EF4-FFF2-40B4-BE49-F238E27FC236}">
-                <a16:creationId xmlns:a16="http://schemas.microsoft.com/office/drawing/2014/main" id="{334EF627-4981-4231-A14C-B6B091D1ABB1}"/>
+                <a16:creationId xmlns:a16="http://schemas.microsoft.com/office/drawing/2014/main" xmlns="" id="{334EF627-4981-4231-A14C-B6B091D1ABB1}"/>
               </a:ext>
             </a:extLst>
           </p:cNvPr>
@@ -3210,7 +3211,7 @@
           <p:cNvPr id="2" name="Title Placeholder 1">
             <a:extLst>
               <a:ext uri="{FF2B5EF4-FFF2-40B4-BE49-F238E27FC236}">
-                <a16:creationId xmlns:a16="http://schemas.microsoft.com/office/drawing/2014/main" id="{F6731566-E576-4590-AE92-987E5AAD9234}"/>
+                <a16:creationId xmlns:a16="http://schemas.microsoft.com/office/drawing/2014/main" xmlns="" id="{F6731566-E576-4590-AE92-987E5AAD9234}"/>
               </a:ext>
             </a:extLst>
           </p:cNvPr>
@@ -3248,7 +3249,7 @@
           <p:cNvPr id="3" name="Text Placeholder 2">
             <a:extLst>
               <a:ext uri="{FF2B5EF4-FFF2-40B4-BE49-F238E27FC236}">
-                <a16:creationId xmlns:a16="http://schemas.microsoft.com/office/drawing/2014/main" id="{A7768471-E6C6-49D1-B5C6-864430CE0630}"/>
+                <a16:creationId xmlns:a16="http://schemas.microsoft.com/office/drawing/2014/main" xmlns="" id="{A7768471-E6C6-49D1-B5C6-864430CE0630}"/>
               </a:ext>
             </a:extLst>
           </p:cNvPr>
@@ -3315,7 +3316,7 @@
           <p:cNvPr id="4" name="Date Placeholder 3">
             <a:extLst>
               <a:ext uri="{FF2B5EF4-FFF2-40B4-BE49-F238E27FC236}">
-                <a16:creationId xmlns:a16="http://schemas.microsoft.com/office/drawing/2014/main" id="{C7763578-26CE-4A37-9105-66DDA61778ED}"/>
+                <a16:creationId xmlns:a16="http://schemas.microsoft.com/office/drawing/2014/main" xmlns="" id="{C7763578-26CE-4A37-9105-66DDA61778ED}"/>
               </a:ext>
             </a:extLst>
           </p:cNvPr>
@@ -3351,7 +3352,7 @@
           <a:p>
             <a:fld id="{2D9985BB-865C-428D-AC2C-ED149ADFC824}" type="datetimeFigureOut">
               <a:rPr lang="en-US" smtClean="0"/>
-              <a:t>03-Jun-18</a:t>
+              <a:t>6/4/2018</a:t>
             </a:fld>
             <a:endParaRPr lang="en-US"/>
           </a:p>
@@ -3362,7 +3363,7 @@
           <p:cNvPr id="5" name="Footer Placeholder 4">
             <a:extLst>
               <a:ext uri="{FF2B5EF4-FFF2-40B4-BE49-F238E27FC236}">
-                <a16:creationId xmlns:a16="http://schemas.microsoft.com/office/drawing/2014/main" id="{47827330-83AE-4783-806B-960675688F72}"/>
+                <a16:creationId xmlns:a16="http://schemas.microsoft.com/office/drawing/2014/main" xmlns="" id="{47827330-83AE-4783-806B-960675688F72}"/>
               </a:ext>
             </a:extLst>
           </p:cNvPr>
@@ -3405,7 +3406,7 @@
           <p:cNvPr id="6" name="Slide Number Placeholder 5">
             <a:extLst>
               <a:ext uri="{FF2B5EF4-FFF2-40B4-BE49-F238E27FC236}">
-                <a16:creationId xmlns:a16="http://schemas.microsoft.com/office/drawing/2014/main" id="{B1E9B625-54F4-4DCD-B497-CEDF364844C8}"/>
+                <a16:creationId xmlns:a16="http://schemas.microsoft.com/office/drawing/2014/main" xmlns="" id="{B1E9B625-54F4-4DCD-B497-CEDF364844C8}"/>
               </a:ext>
             </a:extLst>
           </p:cNvPr>
@@ -3773,7 +3774,7 @@
           <p:cNvPr id="2" name="Title 1">
             <a:extLst>
               <a:ext uri="{FF2B5EF4-FFF2-40B4-BE49-F238E27FC236}">
-                <a16:creationId xmlns:a16="http://schemas.microsoft.com/office/drawing/2014/main" id="{D2D71C8F-26BB-47EC-A5CD-2AE1673AD0C4}"/>
+                <a16:creationId xmlns:a16="http://schemas.microsoft.com/office/drawing/2014/main" xmlns="" id="{D2D71C8F-26BB-47EC-A5CD-2AE1673AD0C4}"/>
               </a:ext>
             </a:extLst>
           </p:cNvPr>
@@ -3803,7 +3804,7 @@
           <p:cNvPr id="3" name="Subtitle 2">
             <a:extLst>
               <a:ext uri="{FF2B5EF4-FFF2-40B4-BE49-F238E27FC236}">
-                <a16:creationId xmlns:a16="http://schemas.microsoft.com/office/drawing/2014/main" id="{6CCC05E4-CF72-445C-94F0-F2C3DA72DBB6}"/>
+                <a16:creationId xmlns:a16="http://schemas.microsoft.com/office/drawing/2014/main" xmlns="" id="{6CCC05E4-CF72-445C-94F0-F2C3DA72DBB6}"/>
               </a:ext>
             </a:extLst>
           </p:cNvPr>
@@ -3832,6 +3833,89 @@
               <a:rPr lang="en-US" dirty="0"/>
               <a:t> Radu</a:t>
             </a:r>
+          </a:p>
+        </p:txBody>
+      </p:sp>
+      <p:sp>
+        <p:nvSpPr>
+          <p:cNvPr id="4" name="Rectangle 3"/>
+          <p:cNvSpPr/>
+          <p:nvPr/>
+        </p:nvSpPr>
+        <p:spPr>
+          <a:xfrm>
+            <a:off x="0" y="6654055"/>
+            <a:ext cx="1270000" cy="153888"/>
+          </a:xfrm>
+          <a:prstGeom prst="rect">
+            <a:avLst/>
+          </a:prstGeom>
+          <a:noFill/>
+          <a:ln w="12700" cap="flat" cmpd="sng" algn="ctr">
+            <a:noFill/>
+            <a:prstDash val="solid"/>
+            <a:miter lim="800000"/>
+          </a:ln>
+          <a:effectLst/>
+          <a:extLst>
+            <a:ext uri="{909E8E84-426E-40DD-AFC4-6F175D3DCCD1}">
+              <a14:hiddenFill xmlns:a14="http://schemas.microsoft.com/office/drawing/2010/main">
+                <a:solidFill>
+                  <a:schemeClr val="accent1"/>
+                </a:solidFill>
+              </a14:hiddenFill>
+            </a:ext>
+            <a:ext uri="{91240B29-F687-4F45-9708-019B960494DF}">
+              <a14:hiddenLine xmlns:a14="http://schemas.microsoft.com/office/drawing/2010/main" w="12700" cap="flat" cmpd="sng" algn="ctr">
+                <a:solidFill>
+                  <a:schemeClr val="accent1">
+                    <a:shade val="50000"/>
+                  </a:schemeClr>
+                </a:solidFill>
+                <a:prstDash val="solid"/>
+                <a:miter lim="800000"/>
+              </a14:hiddenLine>
+            </a:ext>
+          </a:extLst>
+        </p:spPr>
+        <p:style>
+          <a:lnRef idx="2">
+            <a:schemeClr val="accent1">
+              <a:shade val="50000"/>
+            </a:schemeClr>
+          </a:lnRef>
+          <a:fillRef idx="1">
+            <a:schemeClr val="accent1"/>
+          </a:fillRef>
+          <a:effectRef idx="0">
+            <a:schemeClr val="accent1"/>
+          </a:effectRef>
+          <a:fontRef idx="minor">
+            <a:schemeClr val="lt1"/>
+          </a:fontRef>
+        </p:style>
+        <p:txBody>
+          <a:bodyPr lIns="0" tIns="0" rIns="0" bIns="0" rtlCol="0" anchor="ctr">
+            <a:spAutoFit/>
+          </a:bodyPr>
+          <a:lstStyle/>
+          <a:p>
+            <a:pPr algn="ctr"/>
+            <a:r>
+              <a:rPr lang="en-US" sz="1000" smtClean="0">
+                <a:solidFill>
+                  <a:srgbClr val="000000"/>
+                </a:solidFill>
+                <a:latin typeface="Arial" panose="020B0604020202020204" pitchFamily="34" charset="0"/>
+              </a:rPr>
+              <a:t>Unrestricted</a:t>
+            </a:r>
+            <a:endParaRPr lang="en-US" sz="1000">
+              <a:solidFill>
+                <a:srgbClr val="000000"/>
+              </a:solidFill>
+              <a:latin typeface="Arial" panose="020B0604020202020204" pitchFamily="34" charset="0"/>
+            </a:endParaRPr>
           </a:p>
         </p:txBody>
       </p:sp>
@@ -3870,7 +3954,7 @@
           <p:cNvPr id="2" name="Title 1">
             <a:extLst>
               <a:ext uri="{FF2B5EF4-FFF2-40B4-BE49-F238E27FC236}">
-                <a16:creationId xmlns:a16="http://schemas.microsoft.com/office/drawing/2014/main" id="{4218D101-9A28-4A3C-BBBD-A3A267944343}"/>
+                <a16:creationId xmlns:a16="http://schemas.microsoft.com/office/drawing/2014/main" xmlns="" id="{4218D101-9A28-4A3C-BBBD-A3A267944343}"/>
               </a:ext>
             </a:extLst>
           </p:cNvPr>
@@ -3900,7 +3984,7 @@
           <p:cNvPr id="3" name="Content Placeholder 2">
             <a:extLst>
               <a:ext uri="{FF2B5EF4-FFF2-40B4-BE49-F238E27FC236}">
-                <a16:creationId xmlns:a16="http://schemas.microsoft.com/office/drawing/2014/main" id="{45AA5678-B709-4B52-A572-87A50960B4D8}"/>
+                <a16:creationId xmlns:a16="http://schemas.microsoft.com/office/drawing/2014/main" xmlns="" id="{45AA5678-B709-4B52-A572-87A50960B4D8}"/>
               </a:ext>
             </a:extLst>
           </p:cNvPr>
@@ -4556,7 +4640,7 @@
           <p:cNvPr id="2" name="Title 1">
             <a:extLst>
               <a:ext uri="{FF2B5EF4-FFF2-40B4-BE49-F238E27FC236}">
-                <a16:creationId xmlns:a16="http://schemas.microsoft.com/office/drawing/2014/main" id="{9A3EBE02-2A9E-45FB-9C7F-139245947AD5}"/>
+                <a16:creationId xmlns:a16="http://schemas.microsoft.com/office/drawing/2014/main" xmlns="" id="{9A3EBE02-2A9E-45FB-9C7F-139245947AD5}"/>
               </a:ext>
             </a:extLst>
           </p:cNvPr>
@@ -4589,14 +4673,14 @@
           </a:p>
         </p:txBody>
       </p:sp>
-      <mc:AlternateContent xmlns:mc="http://schemas.openxmlformats.org/markup-compatibility/2006" xmlns:a14="http://schemas.microsoft.com/office/drawing/2010/main">
-        <mc:Choice Requires="a14">
+      <mc:AlternateContent xmlns:mc="http://schemas.openxmlformats.org/markup-compatibility/2006">
+        <mc:Choice xmlns:a14="http://schemas.microsoft.com/office/drawing/2010/main" Requires="a14">
           <p:sp>
             <p:nvSpPr>
               <p:cNvPr id="3" name="Content Placeholder 2">
                 <a:extLst>
                   <a:ext uri="{FF2B5EF4-FFF2-40B4-BE49-F238E27FC236}">
-                    <a16:creationId xmlns:a16="http://schemas.microsoft.com/office/drawing/2014/main" id="{DB9CB086-E71F-48E6-8A74-666A5EA06B18}"/>
+                    <a16:creationId xmlns:a16="http://schemas.microsoft.com/office/drawing/2014/main" xmlns="" id="{DB9CB086-E71F-48E6-8A74-666A5EA06B18}"/>
                   </a:ext>
                 </a:extLst>
               </p:cNvPr>
@@ -4615,12 +4699,12 @@
             </p:spPr>
             <p:txBody>
               <a:bodyPr>
-                <a:normAutofit/>
+                <a:normAutofit lnSpcReduction="10000"/>
               </a:bodyPr>
               <a:lstStyle/>
               <a:p>
                 <a:r>
-                  <a:rPr lang="en-US" dirty="0"/>
+                  <a:rPr lang="en-US" dirty="0" smtClean="0"/>
                   <a:t>Acestea sunt </a:t>
                 </a:r>
                 <a:r>
@@ -4821,9 +4905,308 @@
                   </m:oMath>
                 </a14:m>
                 <a:r>
+                  <a:rPr lang="en-US" dirty="0" smtClean="0"/>
+                  <a:t> </a:t>
+                </a:r>
+                <a:r>
+                  <a:rPr lang="en-US" dirty="0" err="1" smtClean="0"/>
+                  <a:t>sau</a:t>
+                </a:r>
+                <a:r>
+                  <a:rPr lang="en-US" dirty="0" smtClean="0"/>
+                  <a:t>:</a:t>
+                </a:r>
+              </a:p>
+              <a:p>
+                <a:pPr lvl="2"/>
+                <a14:m>
+                  <m:oMath xmlns:m="http://schemas.openxmlformats.org/officeDocument/2006/math">
+                    <m:d>
+                      <m:dPr>
+                        <m:begChr m:val="{"/>
+                        <m:endChr m:val=""/>
+                        <m:ctrlPr>
+                          <a:rPr lang="en-US" i="1" smtClean="0">
+                            <a:latin typeface="Cambria Math" panose="02040503050406030204" pitchFamily="18" charset="0"/>
+                          </a:rPr>
+                        </m:ctrlPr>
+                      </m:dPr>
+                      <m:e>
+                        <m:eqArr>
+                          <m:eqArrPr>
+                            <m:ctrlPr>
+                              <a:rPr lang="en-US" i="1" smtClean="0">
+                                <a:latin typeface="Cambria Math" panose="02040503050406030204" pitchFamily="18" charset="0"/>
+                              </a:rPr>
+                            </m:ctrlPr>
+                          </m:eqArrPr>
+                          <m:e>
+                            <m:sSub>
+                              <m:sSubPr>
+                                <m:ctrlPr>
+                                  <a:rPr lang="en-US" b="0" i="1" smtClean="0">
+                                    <a:latin typeface="Cambria Math" panose="02040503050406030204" pitchFamily="18" charset="0"/>
+                                  </a:rPr>
+                                </m:ctrlPr>
+                              </m:sSubPr>
+                              <m:e>
+                                <m:r>
+                                  <a:rPr lang="en-US" b="0" i="1" smtClean="0">
+                                    <a:latin typeface="Cambria Math" panose="02040503050406030204" pitchFamily="18" charset="0"/>
+                                  </a:rPr>
+                                  <m:t>𝑥</m:t>
+                                </m:r>
+                              </m:e>
+                              <m:sub>
+                                <m:r>
+                                  <a:rPr lang="en-US" b="0" i="1" smtClean="0">
+                                    <a:latin typeface="Cambria Math" panose="02040503050406030204" pitchFamily="18" charset="0"/>
+                                  </a:rPr>
+                                  <m:t>1</m:t>
+                                </m:r>
+                              </m:sub>
+                            </m:sSub>
+                            <m:r>
+                              <a:rPr lang="en-US" b="0" i="1" smtClean="0">
+                                <a:latin typeface="Cambria Math" panose="02040503050406030204" pitchFamily="18" charset="0"/>
+                              </a:rPr>
+                              <m:t>=</m:t>
+                            </m:r>
+                            <m:sSub>
+                              <m:sSubPr>
+                                <m:ctrlPr>
+                                  <a:rPr lang="en-US" b="0" i="1" smtClean="0">
+                                    <a:latin typeface="Cambria Math" panose="02040503050406030204" pitchFamily="18" charset="0"/>
+                                  </a:rPr>
+                                </m:ctrlPr>
+                              </m:sSubPr>
+                              <m:e>
+                                <m:r>
+                                  <a:rPr lang="en-US" b="0" i="1" smtClean="0">
+                                    <a:latin typeface="Cambria Math" panose="02040503050406030204" pitchFamily="18" charset="0"/>
+                                  </a:rPr>
+                                  <m:t>𝑎</m:t>
+                                </m:r>
+                              </m:e>
+                              <m:sub>
+                                <m:r>
+                                  <a:rPr lang="en-US" b="0" i="1" smtClean="0">
+                                    <a:latin typeface="Cambria Math" panose="02040503050406030204" pitchFamily="18" charset="0"/>
+                                  </a:rPr>
+                                  <m:t>1</m:t>
+                                </m:r>
+                              </m:sub>
+                            </m:sSub>
+                            <m:sSub>
+                              <m:sSubPr>
+                                <m:ctrlPr>
+                                  <a:rPr lang="en-US" b="0" i="1" smtClean="0">
+                                    <a:latin typeface="Cambria Math" panose="02040503050406030204" pitchFamily="18" charset="0"/>
+                                  </a:rPr>
+                                </m:ctrlPr>
+                              </m:sSubPr>
+                              <m:e>
+                                <m:r>
+                                  <a:rPr lang="en-US" b="0" i="1" smtClean="0">
+                                    <a:latin typeface="Cambria Math" panose="02040503050406030204" pitchFamily="18" charset="0"/>
+                                  </a:rPr>
+                                  <m:t>𝑠</m:t>
+                                </m:r>
+                              </m:e>
+                              <m:sub>
+                                <m:r>
+                                  <a:rPr lang="en-US" b="0" i="1" smtClean="0">
+                                    <a:latin typeface="Cambria Math" panose="02040503050406030204" pitchFamily="18" charset="0"/>
+                                  </a:rPr>
+                                  <m:t>1</m:t>
+                                </m:r>
+                              </m:sub>
+                            </m:sSub>
+                          </m:e>
+                          <m:e>
+                            <m:r>
+                              <a:rPr lang="en-US" i="1" smtClean="0">
+                                <a:latin typeface="Cambria Math" panose="02040503050406030204" pitchFamily="18" charset="0"/>
+                              </a:rPr>
+                              <m:t>⋮</m:t>
+                            </m:r>
+                          </m:e>
+                          <m:e>
+                            <m:sSub>
+                              <m:sSubPr>
+                                <m:ctrlPr>
+                                  <a:rPr lang="en-US" i="1">
+                                    <a:latin typeface="Cambria Math" panose="02040503050406030204" pitchFamily="18" charset="0"/>
+                                  </a:rPr>
+                                </m:ctrlPr>
+                              </m:sSubPr>
+                              <m:e>
+                                <m:r>
+                                  <a:rPr lang="en-US" i="1">
+                                    <a:latin typeface="Cambria Math" panose="02040503050406030204" pitchFamily="18" charset="0"/>
+                                  </a:rPr>
+                                  <m:t>𝑥</m:t>
+                                </m:r>
+                              </m:e>
+                              <m:sub>
+                                <m:r>
+                                  <a:rPr lang="en-US" b="0" i="1" smtClean="0">
+                                    <a:latin typeface="Cambria Math" panose="02040503050406030204" pitchFamily="18" charset="0"/>
+                                  </a:rPr>
+                                  <m:t>𝑛</m:t>
+                                </m:r>
+                              </m:sub>
+                            </m:sSub>
+                            <m:r>
+                              <a:rPr lang="en-US" i="1">
+                                <a:latin typeface="Cambria Math" panose="02040503050406030204" pitchFamily="18" charset="0"/>
+                              </a:rPr>
+                              <m:t>=</m:t>
+                            </m:r>
+                            <m:sSub>
+                              <m:sSubPr>
+                                <m:ctrlPr>
+                                  <a:rPr lang="en-US" i="1">
+                                    <a:latin typeface="Cambria Math" panose="02040503050406030204" pitchFamily="18" charset="0"/>
+                                  </a:rPr>
+                                </m:ctrlPr>
+                              </m:sSubPr>
+                              <m:e>
+                                <m:r>
+                                  <a:rPr lang="en-US" i="1">
+                                    <a:latin typeface="Cambria Math" panose="02040503050406030204" pitchFamily="18" charset="0"/>
+                                  </a:rPr>
+                                  <m:t>𝑎</m:t>
+                                </m:r>
+                              </m:e>
+                              <m:sub>
+                                <m:r>
+                                  <a:rPr lang="en-US" b="0" i="1" smtClean="0">
+                                    <a:latin typeface="Cambria Math" panose="02040503050406030204" pitchFamily="18" charset="0"/>
+                                  </a:rPr>
+                                  <m:t>𝑛</m:t>
+                                </m:r>
+                              </m:sub>
+                            </m:sSub>
+                            <m:sSub>
+                              <m:sSubPr>
+                                <m:ctrlPr>
+                                  <a:rPr lang="en-US" i="1">
+                                    <a:latin typeface="Cambria Math" panose="02040503050406030204" pitchFamily="18" charset="0"/>
+                                  </a:rPr>
+                                </m:ctrlPr>
+                              </m:sSubPr>
+                              <m:e>
+                                <m:r>
+                                  <a:rPr lang="en-US" i="1">
+                                    <a:latin typeface="Cambria Math" panose="02040503050406030204" pitchFamily="18" charset="0"/>
+                                  </a:rPr>
+                                  <m:t>𝑠</m:t>
+                                </m:r>
+                              </m:e>
+                              <m:sub>
+                                <m:r>
+                                  <a:rPr lang="en-US" b="0" i="1" smtClean="0">
+                                    <a:latin typeface="Cambria Math" panose="02040503050406030204" pitchFamily="18" charset="0"/>
+                                  </a:rPr>
+                                  <m:t>𝑛</m:t>
+                                </m:r>
+                              </m:sub>
+                            </m:sSub>
+                          </m:e>
+                        </m:eqArr>
+                      </m:e>
+                    </m:d>
+                    <m:r>
+                      <a:rPr lang="en-US" b="0" i="1" smtClean="0">
+                        <a:latin typeface="Cambria Math" panose="02040503050406030204" pitchFamily="18" charset="0"/>
+                      </a:rPr>
+                      <m:t>, </m:t>
+                    </m:r>
+                  </m:oMath>
+                </a14:m>
+                <a:r>
+                  <a:rPr lang="en-US" dirty="0" err="1" smtClean="0"/>
+                  <a:t>unde</a:t>
+                </a:r>
+                <a:r>
+                  <a:rPr lang="en-US" dirty="0" smtClean="0"/>
+                  <a:t> </a:t>
+                </a:r>
+                <a14:m>
+                  <m:oMath xmlns:m="http://schemas.openxmlformats.org/officeDocument/2006/math">
+                    <m:sSub>
+                      <m:sSubPr>
+                        <m:ctrlPr>
+                          <a:rPr lang="en-US" b="0" i="1" smtClean="0">
+                            <a:latin typeface="Cambria Math" panose="02040503050406030204" pitchFamily="18" charset="0"/>
+                          </a:rPr>
+                        </m:ctrlPr>
+                      </m:sSubPr>
+                      <m:e>
+                        <m:r>
+                          <a:rPr lang="en-US" b="0" i="1" smtClean="0">
+                            <a:latin typeface="Cambria Math" panose="02040503050406030204" pitchFamily="18" charset="0"/>
+                          </a:rPr>
+                          <m:t>𝑎</m:t>
+                        </m:r>
+                      </m:e>
+                      <m:sub>
+                        <m:r>
+                          <a:rPr lang="en-US" b="0" i="1" smtClean="0">
+                            <a:latin typeface="Cambria Math" panose="02040503050406030204" pitchFamily="18" charset="0"/>
+                          </a:rPr>
+                          <m:t>𝑖</m:t>
+                        </m:r>
+                      </m:sub>
+                    </m:sSub>
+                  </m:oMath>
+                </a14:m>
+                <a:r>
+                  <a:rPr lang="en-US" dirty="0" smtClean="0"/>
+                  <a:t> </a:t>
+                </a:r>
+                <a:r>
+                  <a:rPr lang="en-US" dirty="0" err="1" smtClean="0"/>
+                  <a:t>reprezinta</a:t>
+                </a:r>
+                <a:r>
                   <a:rPr lang="en-US" dirty="0"/>
-                  <a:t>.</a:t>
-                </a:r>
+                  <a:t> </a:t>
+                </a:r>
+                <a:r>
+                  <a:rPr lang="en-US" dirty="0" err="1" smtClean="0"/>
+                  <a:t>coloana</a:t>
+                </a:r>
+                <a:r>
+                  <a:rPr lang="en-US" dirty="0" smtClean="0"/>
+                  <a:t> </a:t>
+                </a:r>
+                <a14:m>
+                  <m:oMath xmlns:m="http://schemas.openxmlformats.org/officeDocument/2006/math">
+                    <m:r>
+                      <a:rPr lang="en-US" b="0" i="1" smtClean="0">
+                        <a:latin typeface="Cambria Math" panose="02040503050406030204" pitchFamily="18" charset="0"/>
+                      </a:rPr>
+                      <m:t>𝑖</m:t>
+                    </m:r>
+                  </m:oMath>
+                </a14:m>
+                <a:r>
+                  <a:rPr lang="en-US" dirty="0" smtClean="0"/>
+                  <a:t> din </a:t>
+                </a:r>
+                <a14:m>
+                  <m:oMath xmlns:m="http://schemas.openxmlformats.org/officeDocument/2006/math">
+                    <m:r>
+                      <a:rPr lang="en-US" b="0" i="1" smtClean="0">
+                        <a:latin typeface="Cambria Math" panose="02040503050406030204" pitchFamily="18" charset="0"/>
+                      </a:rPr>
+                      <m:t>𝐴</m:t>
+                    </m:r>
+                  </m:oMath>
+                </a14:m>
+                <a:endParaRPr lang="en-US" dirty="0"/>
               </a:p>
               <a:p>
                 <a:pPr lvl="1"/>
@@ -4882,13 +5265,13 @@
             </p:txBody>
           </p:sp>
         </mc:Choice>
-        <mc:Fallback xmlns="">
+        <mc:Fallback>
           <p:sp>
             <p:nvSpPr>
               <p:cNvPr id="3" name="Content Placeholder 2">
                 <a:extLst>
                   <a:ext uri="{FF2B5EF4-FFF2-40B4-BE49-F238E27FC236}">
-                    <a16:creationId xmlns:a16="http://schemas.microsoft.com/office/drawing/2014/main" id="{DB9CB086-E71F-48E6-8A74-666A5EA06B18}"/>
+                    <a16:creationId xmlns:a16="http://schemas.microsoft.com/office/drawing/2014/main" xmlns:a14="http://schemas.microsoft.com/office/drawing/2010/main" xmlns="" id="{DB9CB086-E71F-48E6-8A74-666A5EA06B18}"/>
                   </a:ext>
                 </a:extLst>
               </p:cNvPr>
@@ -4904,10 +5287,10 @@
                 <a:off x="838200" y="2175029"/>
                 <a:ext cx="10515600" cy="3299970"/>
               </a:xfrm>
-              <a:blipFill>
+              <a:blipFill rotWithShape="0">
                 <a:blip r:embed="rId2"/>
                 <a:stretch>
-                  <a:fillRect l="-1043" t="-3142"/>
+                  <a:fillRect l="-1043" t="-4251" b="-2218"/>
                 </a:stretch>
               </a:blipFill>
             </p:spPr>
@@ -4961,7 +5344,7 @@
           <p:cNvPr id="4" name="Picture 2" descr="Imagini pentru blind source separation">
             <a:extLst>
               <a:ext uri="{FF2B5EF4-FFF2-40B4-BE49-F238E27FC236}">
-                <a16:creationId xmlns:a16="http://schemas.microsoft.com/office/drawing/2014/main" id="{84C9511A-4C45-4F4D-8450-FA89A1631508}"/>
+                <a16:creationId xmlns:a16="http://schemas.microsoft.com/office/drawing/2014/main" xmlns="" id="{84C9511A-4C45-4F4D-8450-FA89A1631508}"/>
               </a:ext>
             </a:extLst>
           </p:cNvPr>
@@ -5038,7 +5421,7 @@
           <p:cNvPr id="2" name="Title 1">
             <a:extLst>
               <a:ext uri="{FF2B5EF4-FFF2-40B4-BE49-F238E27FC236}">
-                <a16:creationId xmlns:a16="http://schemas.microsoft.com/office/drawing/2014/main" id="{B50378C8-E977-480A-B4B5-7A03D6C8E30F}"/>
+                <a16:creationId xmlns:a16="http://schemas.microsoft.com/office/drawing/2014/main" xmlns="" id="{B50378C8-E977-480A-B4B5-7A03D6C8E30F}"/>
               </a:ext>
             </a:extLst>
           </p:cNvPr>
@@ -5078,7 +5461,7 @@
               <p:cNvPr id="3" name="Content Placeholder 2">
                 <a:extLst>
                   <a:ext uri="{FF2B5EF4-FFF2-40B4-BE49-F238E27FC236}">
-                    <a16:creationId xmlns:a16="http://schemas.microsoft.com/office/drawing/2014/main" id="{4C67C857-2ED0-43D9-82D0-DA8ABAE80332}"/>
+                    <a16:creationId xmlns:a16="http://schemas.microsoft.com/office/drawing/2014/main" xmlns="" id="{4C67C857-2ED0-43D9-82D0-DA8ABAE80332}"/>
                   </a:ext>
                 </a:extLst>
               </p:cNvPr>
@@ -5151,6 +5534,10 @@
                     </m:r>
                   </m:oMath>
                 </a14:m>
+                <a:r>
+                  <a:rPr lang="en-US" sz="2100" dirty="0" smtClean="0"/>
+                  <a:t>,</a:t>
+                </a:r>
                 <a:r>
                   <a:rPr lang="en-US" sz="2100" dirty="0"/>
                   <a:t> </a:t>
@@ -5762,8 +6149,13 @@
                 </a:r>
                 <a:r>
                   <a:rPr lang="en-US" sz="2100" dirty="0"/>
-                  <a:t> forma:</a:t>
-                </a:r>
+                  <a:t> forma</a:t>
+                </a:r>
+                <a:r>
+                  <a:rPr lang="en-US" sz="2100" dirty="0" smtClean="0"/>
+                  <a:t>:</a:t>
+                </a:r>
+                <a:endParaRPr lang="en-US" sz="2100" dirty="0"/>
               </a:p>
               <a:p>
                 <a:pPr marL="0" indent="0" algn="ctr">
@@ -6788,7 +7180,7 @@
               <p:cNvPr id="3" name="Content Placeholder 2">
                 <a:extLst>
                   <a:ext uri="{FF2B5EF4-FFF2-40B4-BE49-F238E27FC236}">
-                    <a16:creationId xmlns:a16="http://schemas.microsoft.com/office/drawing/2014/main" id="{4C67C857-2ED0-43D9-82D0-DA8ABAE80332}"/>
+                    <a16:creationId xmlns:a16="http://schemas.microsoft.com/office/drawing/2014/main" xmlns:a14="http://schemas.microsoft.com/office/drawing/2010/main" xmlns="" id="{4C67C857-2ED0-43D9-82D0-DA8ABAE80332}"/>
                   </a:ext>
                 </a:extLst>
               </p:cNvPr>
@@ -6804,7 +7196,7 @@
                 <a:off x="847436" y="951344"/>
                 <a:ext cx="10515600" cy="5769051"/>
               </a:xfrm>
-              <a:blipFill>
+              <a:blipFill rotWithShape="0">
                 <a:blip r:embed="rId3"/>
                 <a:stretch>
                   <a:fillRect l="-580" t="-1163" r="-870"/>
@@ -6856,6 +7248,702 @@
           <a:chExt cx="0" cy="0"/>
         </a:xfrm>
       </p:grpSpPr>
+      <p:sp>
+        <p:nvSpPr>
+          <p:cNvPr id="2" name="Title 1"/>
+          <p:cNvSpPr>
+            <a:spLocks noGrp="1"/>
+          </p:cNvSpPr>
+          <p:nvPr>
+            <p:ph type="title"/>
+          </p:nvPr>
+        </p:nvSpPr>
+        <p:spPr/>
+        <p:txBody>
+          <a:bodyPr/>
+          <a:lstStyle/>
+          <a:p>
+            <a:pPr algn="ctr"/>
+            <a:r>
+              <a:rPr lang="en-US" b="1" dirty="0" err="1" smtClean="0"/>
+              <a:t>Limitari</a:t>
+            </a:r>
+            <a:r>
+              <a:rPr lang="en-US" b="1" dirty="0" smtClean="0"/>
+              <a:t> ale ICA</a:t>
+            </a:r>
+            <a:endParaRPr lang="en-US" b="1" dirty="0"/>
+          </a:p>
+        </p:txBody>
+      </p:sp>
+      <mc:AlternateContent xmlns:mc="http://schemas.openxmlformats.org/markup-compatibility/2006">
+        <mc:Choice xmlns:a14="http://schemas.microsoft.com/office/drawing/2010/main" Requires="a14">
+          <p:sp>
+            <p:nvSpPr>
+              <p:cNvPr id="3" name="Content Placeholder 2"/>
+              <p:cNvSpPr>
+                <a:spLocks noGrp="1"/>
+              </p:cNvSpPr>
+              <p:nvPr>
+                <p:ph idx="1"/>
+              </p:nvPr>
+            </p:nvSpPr>
+            <p:spPr/>
+            <p:txBody>
+              <a:bodyPr/>
+              <a:lstStyle/>
+              <a:p>
+                <a:pPr marL="514350" indent="-514350">
+                  <a:buFont typeface="+mj-lt"/>
+                  <a:buAutoNum type="arabicPeriod"/>
+                </a:pPr>
+                <a:r>
+                  <a:rPr lang="en-US" dirty="0" smtClean="0"/>
+                  <a:t>Avem </a:t>
+                </a:r>
+                <a:r>
+                  <a:rPr lang="en-US" dirty="0" err="1" smtClean="0"/>
+                  <a:t>nevoie</a:t>
+                </a:r>
+                <a:r>
+                  <a:rPr lang="en-US" dirty="0" smtClean="0"/>
+                  <a:t> de </a:t>
+                </a:r>
+                <a:r>
+                  <a:rPr lang="en-US" dirty="0" err="1" smtClean="0"/>
+                  <a:t>atatea</a:t>
+                </a:r>
+                <a:r>
+                  <a:rPr lang="en-US" dirty="0" smtClean="0"/>
+                  <a:t> </a:t>
+                </a:r>
+                <a:r>
+                  <a:rPr lang="en-US" dirty="0" err="1" smtClean="0"/>
+                  <a:t>semnale</a:t>
+                </a:r>
+                <a:r>
+                  <a:rPr lang="en-US" dirty="0" smtClean="0"/>
+                  <a:t> </a:t>
+                </a:r>
+                <a:r>
+                  <a:rPr lang="en-US" dirty="0" err="1" smtClean="0"/>
+                  <a:t>inregristrate</a:t>
+                </a:r>
+                <a:r>
+                  <a:rPr lang="en-US" dirty="0" smtClean="0"/>
+                  <a:t> </a:t>
+                </a:r>
+                <a:r>
+                  <a:rPr lang="en-US" dirty="0" err="1" smtClean="0"/>
+                  <a:t>pe</a:t>
+                </a:r>
+                <a:r>
+                  <a:rPr lang="en-US" dirty="0" smtClean="0"/>
+                  <a:t> cate </a:t>
+                </a:r>
+                <a:r>
+                  <a:rPr lang="en-US" dirty="0" err="1" smtClean="0"/>
+                  <a:t>semnale</a:t>
+                </a:r>
+                <a:r>
+                  <a:rPr lang="en-US" dirty="0" smtClean="0"/>
+                  <a:t> </a:t>
+                </a:r>
+                <a:r>
+                  <a:rPr lang="en-US" dirty="0" err="1" smtClean="0"/>
+                  <a:t>vrem</a:t>
+                </a:r>
+                <a:r>
+                  <a:rPr lang="en-US" dirty="0" smtClean="0"/>
+                  <a:t> </a:t>
+                </a:r>
+                <a:r>
+                  <a:rPr lang="en-US" dirty="0" err="1" smtClean="0"/>
+                  <a:t>sa</a:t>
+                </a:r>
+                <a:r>
+                  <a:rPr lang="en-US" dirty="0" smtClean="0"/>
+                  <a:t> </a:t>
+                </a:r>
+                <a:r>
+                  <a:rPr lang="en-US" dirty="0" err="1" smtClean="0"/>
+                  <a:t>recuperam</a:t>
+                </a:r>
+                <a:r>
+                  <a:rPr lang="en-US" dirty="0" smtClean="0"/>
+                  <a:t>.</a:t>
+                </a:r>
+              </a:p>
+              <a:p>
+                <a:pPr marL="514350" indent="-514350">
+                  <a:buFont typeface="+mj-lt"/>
+                  <a:buAutoNum type="arabicPeriod"/>
+                </a:pPr>
+                <a:r>
+                  <a:rPr lang="en-US" dirty="0" smtClean="0"/>
+                  <a:t>Nu </a:t>
+                </a:r>
+                <a:r>
+                  <a:rPr lang="en-US" dirty="0" err="1" smtClean="0"/>
+                  <a:t>putem</a:t>
+                </a:r>
+                <a:r>
+                  <a:rPr lang="en-US" dirty="0" smtClean="0"/>
+                  <a:t> </a:t>
+                </a:r>
+                <a:r>
+                  <a:rPr lang="en-US" dirty="0" err="1" smtClean="0"/>
+                  <a:t>determina</a:t>
+                </a:r>
+                <a:r>
+                  <a:rPr lang="en-US" dirty="0" smtClean="0"/>
+                  <a:t> </a:t>
+                </a:r>
+                <a:r>
+                  <a:rPr lang="en-US" dirty="0" err="1" smtClean="0"/>
+                  <a:t>magnitudinile</a:t>
+                </a:r>
+                <a:r>
+                  <a:rPr lang="en-US" dirty="0" smtClean="0"/>
+                  <a:t> </a:t>
+                </a:r>
+                <a:r>
+                  <a:rPr lang="en-US" dirty="0" err="1" smtClean="0"/>
+                  <a:t>componentelor</a:t>
+                </a:r>
+                <a:r>
+                  <a:rPr lang="en-US" dirty="0" smtClean="0"/>
+                  <a:t> </a:t>
+                </a:r>
+                <a:r>
+                  <a:rPr lang="en-US" dirty="0" err="1" smtClean="0"/>
+                  <a:t>independente</a:t>
+                </a:r>
+                <a:r>
+                  <a:rPr lang="en-US" dirty="0" smtClean="0"/>
+                  <a:t>: </a:t>
+                </a:r>
+                <a:r>
+                  <a:rPr lang="en-US" dirty="0" err="1" smtClean="0"/>
+                  <a:t>acest</a:t>
+                </a:r>
+                <a:r>
+                  <a:rPr lang="en-US" dirty="0" smtClean="0"/>
+                  <a:t> </a:t>
+                </a:r>
+                <a:r>
+                  <a:rPr lang="en-US" dirty="0" err="1" smtClean="0"/>
+                  <a:t>lucru</a:t>
+                </a:r>
+                <a:r>
+                  <a:rPr lang="en-US" dirty="0" smtClean="0"/>
+                  <a:t> se </a:t>
+                </a:r>
+                <a:r>
+                  <a:rPr lang="en-US" dirty="0" err="1" smtClean="0"/>
+                  <a:t>datoreaza</a:t>
+                </a:r>
+                <a:r>
+                  <a:rPr lang="en-US" dirty="0" smtClean="0"/>
+                  <a:t> </a:t>
+                </a:r>
+                <a:r>
+                  <a:rPr lang="en-US" dirty="0" err="1" smtClean="0"/>
+                  <a:t>faptului</a:t>
+                </a:r>
+                <a:r>
+                  <a:rPr lang="en-US" dirty="0" smtClean="0"/>
+                  <a:t> ca, </a:t>
+                </a:r>
+                <a:r>
+                  <a:rPr lang="en-US" dirty="0" err="1" smtClean="0"/>
+                  <a:t>atat</a:t>
+                </a:r>
+                <a:r>
+                  <a:rPr lang="en-US" dirty="0" smtClean="0"/>
+                  <a:t> </a:t>
+                </a:r>
+                <a14:m>
+                  <m:oMath xmlns:m="http://schemas.openxmlformats.org/officeDocument/2006/math">
+                    <m:r>
+                      <a:rPr lang="en-US" b="0" i="1" smtClean="0">
+                        <a:latin typeface="Cambria Math" panose="02040503050406030204" pitchFamily="18" charset="0"/>
+                      </a:rPr>
+                      <m:t>𝑠</m:t>
+                    </m:r>
+                  </m:oMath>
+                </a14:m>
+                <a:r>
+                  <a:rPr lang="en-US" dirty="0" smtClean="0"/>
+                  <a:t> cat </a:t>
+                </a:r>
+                <a:r>
+                  <a:rPr lang="en-US" dirty="0" err="1" smtClean="0"/>
+                  <a:t>si</a:t>
+                </a:r>
+                <a:r>
+                  <a:rPr lang="en-US" dirty="0" smtClean="0"/>
+                  <a:t> </a:t>
+                </a:r>
+                <a14:m>
+                  <m:oMath xmlns:m="http://schemas.openxmlformats.org/officeDocument/2006/math">
+                    <m:r>
+                      <a:rPr lang="en-US" b="0" i="1" smtClean="0">
+                        <a:latin typeface="Cambria Math" panose="02040503050406030204" pitchFamily="18" charset="0"/>
+                      </a:rPr>
+                      <m:t>𝐴</m:t>
+                    </m:r>
+                  </m:oMath>
+                </a14:m>
+                <a:r>
+                  <a:rPr lang="en-US" dirty="0" smtClean="0"/>
+                  <a:t> </a:t>
+                </a:r>
+                <a:r>
+                  <a:rPr lang="en-US" dirty="0" err="1" smtClean="0"/>
+                  <a:t>sunt</a:t>
+                </a:r>
+                <a:r>
+                  <a:rPr lang="en-US" dirty="0" smtClean="0"/>
+                  <a:t> </a:t>
+                </a:r>
+                <a:r>
+                  <a:rPr lang="en-US" dirty="0" err="1" smtClean="0"/>
+                  <a:t>necunoscute</a:t>
+                </a:r>
+                <a:r>
+                  <a:rPr lang="en-US" dirty="0" smtClean="0"/>
+                  <a:t>, </a:t>
+                </a:r>
+                <a:r>
+                  <a:rPr lang="en-US" dirty="0" err="1" smtClean="0"/>
+                  <a:t>orice</a:t>
+                </a:r>
+                <a:r>
+                  <a:rPr lang="en-US" dirty="0" smtClean="0"/>
+                  <a:t> </a:t>
+                </a:r>
+                <a:r>
+                  <a:rPr lang="en-US" dirty="0" err="1" smtClean="0"/>
+                  <a:t>multiplicator</a:t>
+                </a:r>
+                <a:r>
+                  <a:rPr lang="en-US" dirty="0" smtClean="0"/>
+                  <a:t> al </a:t>
+                </a:r>
+                <a:r>
+                  <a:rPr lang="en-US" dirty="0" err="1" smtClean="0"/>
+                  <a:t>surselor</a:t>
+                </a:r>
+                <a:r>
+                  <a:rPr lang="en-US" dirty="0" smtClean="0"/>
+                  <a:t> </a:t>
+                </a:r>
+                <a14:m>
+                  <m:oMath xmlns:m="http://schemas.openxmlformats.org/officeDocument/2006/math">
+                    <m:sSub>
+                      <m:sSubPr>
+                        <m:ctrlPr>
+                          <a:rPr lang="en-US" b="0" i="1" smtClean="0">
+                            <a:latin typeface="Cambria Math" panose="02040503050406030204" pitchFamily="18" charset="0"/>
+                          </a:rPr>
+                        </m:ctrlPr>
+                      </m:sSubPr>
+                      <m:e>
+                        <m:r>
+                          <a:rPr lang="en-US" b="0" i="1" smtClean="0">
+                            <a:latin typeface="Cambria Math" panose="02040503050406030204" pitchFamily="18" charset="0"/>
+                          </a:rPr>
+                          <m:t>𝑠</m:t>
+                        </m:r>
+                      </m:e>
+                      <m:sub>
+                        <m:r>
+                          <a:rPr lang="en-US" b="0" i="1" smtClean="0">
+                            <a:latin typeface="Cambria Math" panose="02040503050406030204" pitchFamily="18" charset="0"/>
+                          </a:rPr>
+                          <m:t>𝑖</m:t>
+                        </m:r>
+                      </m:sub>
+                    </m:sSub>
+                  </m:oMath>
+                </a14:m>
+                <a:r>
+                  <a:rPr lang="en-US" dirty="0" smtClean="0"/>
+                  <a:t> </a:t>
+                </a:r>
+                <a:r>
+                  <a:rPr lang="en-US" dirty="0" err="1" smtClean="0"/>
+                  <a:t>ar</a:t>
+                </a:r>
+                <a:r>
+                  <a:rPr lang="en-US" dirty="0" smtClean="0"/>
+                  <a:t> </a:t>
+                </a:r>
+                <a:r>
+                  <a:rPr lang="en-US" dirty="0" err="1" smtClean="0"/>
+                  <a:t>putea</a:t>
+                </a:r>
+                <a:r>
+                  <a:rPr lang="en-US" dirty="0" smtClean="0"/>
+                  <a:t> fi </a:t>
+                </a:r>
+                <a:r>
+                  <a:rPr lang="en-US" dirty="0" err="1" smtClean="0"/>
+                  <a:t>negat</a:t>
+                </a:r>
+                <a:r>
+                  <a:rPr lang="en-US" dirty="0" smtClean="0"/>
+                  <a:t> </a:t>
+                </a:r>
+                <a:r>
+                  <a:rPr lang="en-US" dirty="0" err="1" smtClean="0"/>
+                  <a:t>prin</a:t>
+                </a:r>
+                <a:r>
+                  <a:rPr lang="en-US" dirty="0" smtClean="0"/>
+                  <a:t> </a:t>
+                </a:r>
+                <a:r>
+                  <a:rPr lang="en-US" dirty="0" err="1" smtClean="0"/>
+                  <a:t>impartirea</a:t>
+                </a:r>
+                <a:r>
+                  <a:rPr lang="en-US" dirty="0" smtClean="0"/>
+                  <a:t> </a:t>
+                </a:r>
+                <a:r>
+                  <a:rPr lang="en-US" dirty="0" err="1" smtClean="0"/>
+                  <a:t>coloanei</a:t>
+                </a:r>
+                <a:r>
+                  <a:rPr lang="en-US" dirty="0" smtClean="0"/>
+                  <a:t> </a:t>
+                </a:r>
+                <a:r>
+                  <a:rPr lang="en-US" dirty="0" err="1" smtClean="0"/>
+                  <a:t>corespunzatoare</a:t>
+                </a:r>
+                <a:r>
+                  <a:rPr lang="en-US" dirty="0" smtClean="0"/>
+                  <a:t> </a:t>
+                </a:r>
+                <a:r>
+                  <a:rPr lang="en-US" dirty="0" err="1" smtClean="0"/>
+                  <a:t>sursei</a:t>
+                </a:r>
+                <a:r>
+                  <a:rPr lang="en-US" dirty="0" smtClean="0"/>
+                  <a:t>  </a:t>
+                </a:r>
+                <a14:m>
+                  <m:oMath xmlns:m="http://schemas.openxmlformats.org/officeDocument/2006/math">
+                    <m:sSub>
+                      <m:sSubPr>
+                        <m:ctrlPr>
+                          <a:rPr lang="en-US" i="1">
+                            <a:latin typeface="Cambria Math" panose="02040503050406030204" pitchFamily="18" charset="0"/>
+                          </a:rPr>
+                        </m:ctrlPr>
+                      </m:sSubPr>
+                      <m:e>
+                        <m:r>
+                          <a:rPr lang="en-US" i="1">
+                            <a:latin typeface="Cambria Math" panose="02040503050406030204" pitchFamily="18" charset="0"/>
+                          </a:rPr>
+                          <m:t>𝑠</m:t>
+                        </m:r>
+                      </m:e>
+                      <m:sub>
+                        <m:r>
+                          <a:rPr lang="en-US" i="1">
+                            <a:latin typeface="Cambria Math" panose="02040503050406030204" pitchFamily="18" charset="0"/>
+                          </a:rPr>
+                          <m:t>𝑖</m:t>
+                        </m:r>
+                      </m:sub>
+                    </m:sSub>
+                  </m:oMath>
+                </a14:m>
+                <a:r>
+                  <a:rPr lang="en-US" dirty="0" smtClean="0"/>
+                  <a:t> la </a:t>
+                </a:r>
+                <a:r>
+                  <a:rPr lang="en-US" dirty="0" err="1" smtClean="0"/>
+                  <a:t>acest</a:t>
+                </a:r>
+                <a:r>
+                  <a:rPr lang="en-US" dirty="0" smtClean="0"/>
+                  <a:t> </a:t>
+                </a:r>
+                <a:r>
+                  <a:rPr lang="en-US" dirty="0" err="1" smtClean="0"/>
+                  <a:t>multiplicator</a:t>
+                </a:r>
+                <a:r>
+                  <a:rPr lang="en-US" dirty="0" smtClean="0"/>
+                  <a:t>.</a:t>
+                </a:r>
+              </a:p>
+              <a:p>
+                <a:pPr marL="514350" indent="-514350">
+                  <a:buFont typeface="+mj-lt"/>
+                  <a:buAutoNum type="arabicPeriod"/>
+                </a:pPr>
+                <a:r>
+                  <a:rPr lang="en-US" dirty="0" smtClean="0"/>
+                  <a:t>Nu </a:t>
+                </a:r>
+                <a:r>
+                  <a:rPr lang="en-US" dirty="0" err="1" smtClean="0"/>
+                  <a:t>putem</a:t>
+                </a:r>
+                <a:r>
+                  <a:rPr lang="en-US" dirty="0" smtClean="0"/>
+                  <a:t> </a:t>
+                </a:r>
+                <a:r>
+                  <a:rPr lang="en-US" dirty="0" err="1" smtClean="0"/>
+                  <a:t>determina</a:t>
+                </a:r>
+                <a:r>
+                  <a:rPr lang="en-US" dirty="0" smtClean="0"/>
+                  <a:t> </a:t>
+                </a:r>
+                <a:r>
+                  <a:rPr lang="en-US" dirty="0" err="1" smtClean="0"/>
+                  <a:t>ordinea</a:t>
+                </a:r>
+                <a:r>
+                  <a:rPr lang="en-US" dirty="0" smtClean="0"/>
+                  <a:t> </a:t>
+                </a:r>
+                <a:r>
+                  <a:rPr lang="en-US" dirty="0" err="1" smtClean="0"/>
+                  <a:t>componentelor</a:t>
+                </a:r>
+                <a:r>
+                  <a:rPr lang="en-US" dirty="0" smtClean="0"/>
+                  <a:t> </a:t>
+                </a:r>
+                <a:r>
+                  <a:rPr lang="en-US" dirty="0" err="1" smtClean="0"/>
+                  <a:t>independente</a:t>
+                </a:r>
+                <a:r>
+                  <a:rPr lang="en-US" dirty="0" smtClean="0"/>
+                  <a:t>: la </a:t>
+                </a:r>
+                <a:r>
+                  <a:rPr lang="en-US" dirty="0" err="1" smtClean="0"/>
+                  <a:t>fel</a:t>
+                </a:r>
+                <a:r>
+                  <a:rPr lang="en-US" dirty="0" smtClean="0"/>
+                  <a:t> ca </a:t>
+                </a:r>
+                <a:r>
+                  <a:rPr lang="en-US" dirty="0" err="1" smtClean="0"/>
+                  <a:t>mai</a:t>
+                </a:r>
+                <a:r>
+                  <a:rPr lang="en-US" dirty="0" smtClean="0"/>
+                  <a:t> </a:t>
+                </a:r>
+                <a:r>
+                  <a:rPr lang="en-US" dirty="0" err="1" smtClean="0"/>
+                  <a:t>sus</a:t>
+                </a:r>
+                <a:r>
+                  <a:rPr lang="en-US" dirty="0" smtClean="0"/>
+                  <a:t>, </a:t>
+                </a:r>
+                <a:r>
+                  <a:rPr lang="en-US" dirty="0" err="1" smtClean="0"/>
+                  <a:t>nestiind</a:t>
+                </a:r>
+                <a:r>
+                  <a:rPr lang="en-US" dirty="0" smtClean="0"/>
+                  <a:t> </a:t>
+                </a:r>
+                <a14:m>
+                  <m:oMath xmlns:m="http://schemas.openxmlformats.org/officeDocument/2006/math">
+                    <m:r>
+                      <a:rPr lang="en-US" b="0" i="1" smtClean="0">
+                        <a:latin typeface="Cambria Math" panose="02040503050406030204" pitchFamily="18" charset="0"/>
+                      </a:rPr>
+                      <m:t>𝑠</m:t>
+                    </m:r>
+                  </m:oMath>
+                </a14:m>
+                <a:r>
+                  <a:rPr lang="en-US" dirty="0" smtClean="0"/>
+                  <a:t> </a:t>
+                </a:r>
+                <a:r>
+                  <a:rPr lang="en-US" dirty="0" err="1" smtClean="0"/>
+                  <a:t>si</a:t>
+                </a:r>
+                <a:r>
+                  <a:rPr lang="en-US" dirty="0" smtClean="0"/>
+                  <a:t> </a:t>
+                </a:r>
+                <a14:m>
+                  <m:oMath xmlns:m="http://schemas.openxmlformats.org/officeDocument/2006/math">
+                    <m:r>
+                      <a:rPr lang="en-US" b="0" i="1" smtClean="0">
+                        <a:latin typeface="Cambria Math" panose="02040503050406030204" pitchFamily="18" charset="0"/>
+                      </a:rPr>
+                      <m:t>𝐴</m:t>
+                    </m:r>
+                  </m:oMath>
+                </a14:m>
+                <a:r>
+                  <a:rPr lang="en-US" dirty="0" smtClean="0"/>
+                  <a:t>, </a:t>
+                </a:r>
+                <a:r>
+                  <a:rPr lang="en-US" dirty="0" err="1" smtClean="0"/>
+                  <a:t>putem</a:t>
+                </a:r>
+                <a:r>
+                  <a:rPr lang="en-US" dirty="0" smtClean="0"/>
+                  <a:t> </a:t>
+                </a:r>
+                <a:r>
+                  <a:rPr lang="en-US" dirty="0" err="1" smtClean="0"/>
+                  <a:t>schimba</a:t>
+                </a:r>
+                <a:r>
+                  <a:rPr lang="en-US" dirty="0" smtClean="0"/>
+                  <a:t> </a:t>
+                </a:r>
+                <a:r>
+                  <a:rPr lang="en-US" dirty="0" err="1" smtClean="0"/>
+                  <a:t>ordinea</a:t>
+                </a:r>
+                <a:r>
+                  <a:rPr lang="en-US" dirty="0" smtClean="0"/>
+                  <a:t> </a:t>
+                </a:r>
+                <a:r>
+                  <a:rPr lang="en-US" dirty="0" err="1" smtClean="0"/>
+                  <a:t>componentelor</a:t>
+                </a:r>
+                <a:r>
+                  <a:rPr lang="en-US" dirty="0" smtClean="0"/>
+                  <a:t> </a:t>
+                </a:r>
+                <a:r>
+                  <a:rPr lang="en-US" dirty="0" err="1" smtClean="0"/>
+                  <a:t>observate</a:t>
+                </a:r>
+                <a:r>
+                  <a:rPr lang="en-US" dirty="0" smtClean="0"/>
+                  <a:t>, </a:t>
+                </a:r>
+                <a:r>
+                  <a:rPr lang="en-US" dirty="0" err="1" smtClean="0"/>
+                  <a:t>fara</a:t>
+                </a:r>
+                <a:r>
+                  <a:rPr lang="en-US" dirty="0" smtClean="0"/>
+                  <a:t> a </a:t>
+                </a:r>
+                <a:r>
+                  <a:rPr lang="en-US" dirty="0" err="1" smtClean="0"/>
+                  <a:t>afecta</a:t>
+                </a:r>
+                <a:r>
+                  <a:rPr lang="en-US" dirty="0" smtClean="0"/>
+                  <a:t> </a:t>
+                </a:r>
+                <a:r>
+                  <a:rPr lang="en-US" dirty="0" err="1" smtClean="0"/>
+                  <a:t>rezultatul</a:t>
+                </a:r>
+                <a:r>
+                  <a:rPr lang="en-US" dirty="0" smtClean="0"/>
+                  <a:t> </a:t>
+                </a:r>
+                <a:r>
+                  <a:rPr lang="en-US" dirty="0" err="1" smtClean="0"/>
+                  <a:t>algoritmului</a:t>
+                </a:r>
+                <a:r>
+                  <a:rPr lang="en-US" dirty="0" smtClean="0"/>
+                  <a:t>.</a:t>
+                </a:r>
+                <a:endParaRPr lang="en-US" dirty="0"/>
+              </a:p>
+            </p:txBody>
+          </p:sp>
+        </mc:Choice>
+        <mc:Fallback>
+          <p:sp>
+            <p:nvSpPr>
+              <p:cNvPr id="3" name="Content Placeholder 2"/>
+              <p:cNvSpPr>
+                <a:spLocks noGrp="1" noRot="1" noChangeAspect="1" noMove="1" noResize="1" noEditPoints="1" noAdjustHandles="1" noChangeArrowheads="1" noChangeShapeType="1" noTextEdit="1"/>
+              </p:cNvSpPr>
+              <p:nvPr>
+                <p:ph idx="1"/>
+              </p:nvPr>
+            </p:nvSpPr>
+            <p:spPr>
+              <a:blipFill rotWithShape="0">
+                <a:blip r:embed="rId2"/>
+                <a:stretch>
+                  <a:fillRect l="-1217" t="-2381" r="-580"/>
+                </a:stretch>
+              </a:blipFill>
+            </p:spPr>
+            <p:txBody>
+              <a:bodyPr/>
+              <a:lstStyle/>
+              <a:p>
+                <a:r>
+                  <a:rPr lang="en-US">
+                    <a:noFill/>
+                  </a:rPr>
+                  <a:t> </a:t>
+                </a:r>
+              </a:p>
+            </p:txBody>
+          </p:sp>
+        </mc:Fallback>
+      </mc:AlternateContent>
+    </p:spTree>
+    <p:extLst>
+      <p:ext uri="{BB962C8B-B14F-4D97-AF65-F5344CB8AC3E}">
+        <p14:creationId xmlns:p14="http://schemas.microsoft.com/office/powerpoint/2010/main" val="1792989863"/>
+      </p:ext>
+    </p:extLst>
+  </p:cSld>
+  <p:clrMapOvr>
+    <a:masterClrMapping/>
+  </p:clrMapOvr>
+</p:sld>
+</file>
+
+<file path=ppt/slides/slide7.xml><?xml version="1.0" encoding="utf-8"?>
+<p:sld xmlns:a="http://schemas.openxmlformats.org/drawingml/2006/main" xmlns:r="http://schemas.openxmlformats.org/officeDocument/2006/relationships" xmlns:p="http://schemas.openxmlformats.org/presentationml/2006/main">
+  <p:cSld>
+    <p:spTree>
+      <p:nvGrpSpPr>
+        <p:cNvPr id="1" name=""/>
+        <p:cNvGrpSpPr/>
+        <p:nvPr/>
+      </p:nvGrpSpPr>
+      <p:grpSpPr>
+        <a:xfrm>
+          <a:off x="0" y="0"/>
+          <a:ext cx="0" cy="0"/>
+          <a:chOff x="0" y="0"/>
+          <a:chExt cx="0" cy="0"/>
+        </a:xfrm>
+      </p:grpSpPr>
       <mc:AlternateContent xmlns:mc="http://schemas.openxmlformats.org/markup-compatibility/2006">
         <mc:Choice xmlns:a14="http://schemas.microsoft.com/office/drawing/2010/main" Requires="a14">
           <p:sp>
@@ -6863,7 +7951,7 @@
               <p:cNvPr id="3" name="Content Placeholder 2">
                 <a:extLst>
                   <a:ext uri="{FF2B5EF4-FFF2-40B4-BE49-F238E27FC236}">
-                    <a16:creationId xmlns:a16="http://schemas.microsoft.com/office/drawing/2014/main" id="{49BE45D4-37CF-4C13-88C8-A2C49ECA0EE3}"/>
+                    <a16:creationId xmlns:a16="http://schemas.microsoft.com/office/drawing/2014/main" xmlns="" id="{49BE45D4-37CF-4C13-88C8-A2C49ECA0EE3}"/>
                   </a:ext>
                 </a:extLst>
               </p:cNvPr>
@@ -6882,13 +7970,162 @@
             </p:spPr>
             <p:txBody>
               <a:bodyPr>
-                <a:normAutofit lnSpcReduction="10000"/>
+                <a:normAutofit fontScale="92500" lnSpcReduction="10000"/>
               </a:bodyPr>
               <a:lstStyle/>
               <a:p>
                 <a:r>
+                  <a:rPr lang="en-US" dirty="0" smtClean="0"/>
+                  <a:t>Avand </a:t>
+                </a:r>
+                <a:r>
+                  <a:rPr lang="en-US" dirty="0" err="1" smtClean="0"/>
+                  <a:t>semnalele</a:t>
+                </a:r>
+                <a:r>
+                  <a:rPr lang="en-US" dirty="0" smtClean="0"/>
+                  <a:t> </a:t>
+                </a:r>
+                <a:r>
+                  <a:rPr lang="en-US" dirty="0" err="1" smtClean="0"/>
+                  <a:t>amestecate</a:t>
+                </a:r>
+                <a:r>
+                  <a:rPr lang="en-US" dirty="0" smtClean="0"/>
+                  <a:t> </a:t>
+                </a:r>
+                <a14:m>
+                  <m:oMath xmlns:m="http://schemas.openxmlformats.org/officeDocument/2006/math">
+                    <m:sSub>
+                      <m:sSubPr>
+                        <m:ctrlPr>
+                          <a:rPr lang="en-US" b="0" i="1" smtClean="0">
+                            <a:latin typeface="Cambria Math" panose="02040503050406030204" pitchFamily="18" charset="0"/>
+                          </a:rPr>
+                        </m:ctrlPr>
+                      </m:sSubPr>
+                      <m:e>
+                        <m:r>
+                          <a:rPr lang="en-US" b="0" i="1" smtClean="0">
+                            <a:latin typeface="Cambria Math" panose="02040503050406030204" pitchFamily="18" charset="0"/>
+                          </a:rPr>
+                          <m:t>𝑥</m:t>
+                        </m:r>
+                      </m:e>
+                      <m:sub>
+                        <m:r>
+                          <a:rPr lang="en-US" b="0" i="1" smtClean="0">
+                            <a:latin typeface="Cambria Math" panose="02040503050406030204" pitchFamily="18" charset="0"/>
+                          </a:rPr>
+                          <m:t>𝑖</m:t>
+                        </m:r>
+                      </m:sub>
+                    </m:sSub>
+                  </m:oMath>
+                </a14:m>
+                <a:r>
+                  <a:rPr lang="en-US" dirty="0" smtClean="0"/>
+                  <a:t>, se </a:t>
+                </a:r>
+                <a:r>
+                  <a:rPr lang="en-US" dirty="0" err="1" smtClean="0"/>
+                  <a:t>incepe</a:t>
+                </a:r>
+                <a:r>
+                  <a:rPr lang="en-US" dirty="0" smtClean="0"/>
+                  <a:t> de la o </a:t>
+                </a:r>
+                <a:r>
+                  <a:rPr lang="en-US" dirty="0" err="1" smtClean="0"/>
+                  <a:t>matrice</a:t>
+                </a:r>
+                <a:r>
+                  <a:rPr lang="en-US" dirty="0" smtClean="0"/>
+                  <a:t> </a:t>
+                </a:r>
+                <a:r>
+                  <a:rPr lang="en-US" dirty="0" err="1" smtClean="0"/>
+                  <a:t>patrata</a:t>
+                </a:r>
+                <a:r>
+                  <a:rPr lang="en-US" dirty="0" smtClean="0"/>
+                  <a:t> </a:t>
+                </a:r>
+                <a14:m>
+                  <m:oMath xmlns:m="http://schemas.openxmlformats.org/officeDocument/2006/math">
+                    <m:r>
+                      <a:rPr lang="en-US" b="0" i="1" smtClean="0">
+                        <a:latin typeface="Cambria Math" panose="02040503050406030204" pitchFamily="18" charset="0"/>
+                      </a:rPr>
+                      <m:t>𝑊</m:t>
+                    </m:r>
+                  </m:oMath>
+                </a14:m>
+                <a:r>
+                  <a:rPr lang="en-US" dirty="0" smtClean="0"/>
+                  <a:t>, </a:t>
+                </a:r>
+                <a:r>
+                  <a:rPr lang="en-US" dirty="0" err="1" smtClean="0"/>
+                  <a:t>elementele</a:t>
+                </a:r>
+                <a:r>
+                  <a:rPr lang="en-US" dirty="0" smtClean="0"/>
+                  <a:t> </a:t>
+                </a:r>
+                <a:r>
+                  <a:rPr lang="en-US" dirty="0" err="1" smtClean="0"/>
+                  <a:t>ei</a:t>
+                </a:r>
+                <a:r>
+                  <a:rPr lang="en-US" dirty="0" smtClean="0"/>
+                  <a:t> au </a:t>
+                </a:r>
+                <a:r>
+                  <a:rPr lang="en-US" dirty="0" err="1" smtClean="0"/>
+                  <a:t>distributie</a:t>
+                </a:r>
+                <a:r>
+                  <a:rPr lang="en-US" dirty="0" smtClean="0"/>
+                  <a:t> </a:t>
+                </a:r>
+                <a:r>
+                  <a:rPr lang="en-US" dirty="0" err="1" smtClean="0"/>
+                  <a:t>uniforma</a:t>
+                </a:r>
+                <a:r>
+                  <a:rPr lang="en-US" dirty="0" smtClean="0"/>
+                  <a:t> </a:t>
+                </a:r>
+                <a:r>
+                  <a:rPr lang="en-US" dirty="0" err="1" smtClean="0"/>
+                  <a:t>intre</a:t>
+                </a:r>
+                <a:r>
+                  <a:rPr lang="en-US" dirty="0" smtClean="0"/>
+                  <a:t> 0.01 </a:t>
+                </a:r>
+                <a:r>
+                  <a:rPr lang="en-US" dirty="0" err="1" smtClean="0"/>
+                  <a:t>si</a:t>
+                </a:r>
+                <a:r>
+                  <a:rPr lang="en-US" dirty="0" smtClean="0"/>
+                  <a:t> 0.1.</a:t>
+                </a:r>
+              </a:p>
+              <a:p>
+                <a:r>
+                  <a:rPr lang="en-US" dirty="0" err="1" smtClean="0"/>
+                  <a:t>Urmatorul</a:t>
+                </a:r>
+                <a:r>
+                  <a:rPr lang="en-US" dirty="0" smtClean="0"/>
+                  <a:t> </a:t>
+                </a:r>
+                <a:r>
                   <a:rPr lang="en-US" dirty="0"/>
-                  <a:t>Urmatorul pas </a:t>
+                  <a:t>pas </a:t>
                 </a:r>
                 <a:r>
                   <a:rPr lang="en-US" dirty="0" err="1"/>
@@ -7372,6 +8609,36 @@
                     </m:sSub>
                   </m:oMath>
                 </a14:m>
+                <a:r>
+                  <a:rPr lang="en-US" dirty="0" smtClean="0"/>
+                  <a:t>, unde </a:t>
+                </a:r>
+                <a14:m>
+                  <m:oMath xmlns:m="http://schemas.openxmlformats.org/officeDocument/2006/math">
+                    <m:r>
+                      <a:rPr lang="en-US" i="1" smtClean="0">
+                        <a:latin typeface="Cambria Math" panose="02040503050406030204" pitchFamily="18" charset="0"/>
+                        <a:ea typeface="Cambria Math" panose="02040503050406030204" pitchFamily="18" charset="0"/>
+                      </a:rPr>
+                      <m:t>𝛼</m:t>
+                    </m:r>
+                    <m:r>
+                      <a:rPr lang="en-US" b="0" i="1" smtClean="0">
+                        <a:latin typeface="Cambria Math" panose="02040503050406030204" pitchFamily="18" charset="0"/>
+                        <a:ea typeface="Cambria Math" panose="02040503050406030204" pitchFamily="18" charset="0"/>
+                      </a:rPr>
+                      <m:t>=</m:t>
+                    </m:r>
+                  </m:oMath>
+                </a14:m>
+                <a:r>
+                  <a:rPr lang="en-US" dirty="0" smtClean="0"/>
+                  <a:t>rata de </a:t>
+                </a:r>
+                <a:r>
+                  <a:rPr lang="en-US" dirty="0" err="1" smtClean="0"/>
+                  <a:t>invatare</a:t>
+                </a:r>
                 <a:endParaRPr lang="en-US" dirty="0"/>
               </a:p>
               <a:p>
@@ -7810,7 +9077,7 @@
               <p:cNvPr id="3" name="Content Placeholder 2">
                 <a:extLst>
                   <a:ext uri="{FF2B5EF4-FFF2-40B4-BE49-F238E27FC236}">
-                    <a16:creationId xmlns:a16="http://schemas.microsoft.com/office/drawing/2014/main" id="{49BE45D4-37CF-4C13-88C8-A2C49ECA0EE3}"/>
+                    <a16:creationId xmlns:a16="http://schemas.microsoft.com/office/drawing/2014/main" xmlns:a14="http://schemas.microsoft.com/office/drawing/2010/main" xmlns="" id="{49BE45D4-37CF-4C13-88C8-A2C49ECA0EE3}"/>
                   </a:ext>
                 </a:extLst>
               </p:cNvPr>
@@ -7826,10 +9093,10 @@
                 <a:off x="838200" y="1325563"/>
                 <a:ext cx="10515600" cy="5368200"/>
               </a:xfrm>
-              <a:blipFill>
+              <a:blipFill rotWithShape="0">
                 <a:blip r:embed="rId2"/>
                 <a:stretch>
-                  <a:fillRect l="-1043" t="-1930"/>
+                  <a:fillRect l="-928" t="-2270"/>
                 </a:stretch>
               </a:blipFill>
             </p:spPr>
@@ -7853,7 +9120,7 @@
           <p:cNvPr id="4" name="Title 1">
             <a:extLst>
               <a:ext uri="{FF2B5EF4-FFF2-40B4-BE49-F238E27FC236}">
-                <a16:creationId xmlns:a16="http://schemas.microsoft.com/office/drawing/2014/main" id="{F86EE058-A6FE-4DFF-BF11-F5B66581D73E}"/>
+                <a16:creationId xmlns:a16="http://schemas.microsoft.com/office/drawing/2014/main" xmlns="" id="{F86EE058-A6FE-4DFF-BF11-F5B66581D73E}"/>
               </a:ext>
             </a:extLst>
           </p:cNvPr>
@@ -7897,13 +9164,10 @@
           <a:p>
             <a:pPr algn="ctr"/>
             <a:r>
-              <a:rPr lang="en-US" b="1" dirty="0" err="1"/>
-              <a:t>Matematica</a:t>
-            </a:r>
-            <a:r>
-              <a:rPr lang="en-US" b="1" dirty="0"/>
-              <a:t> din spate</a:t>
-            </a:r>
+              <a:rPr lang="en-US" b="1" dirty="0" err="1" smtClean="0"/>
+              <a:t>Algoritmul</a:t>
+            </a:r>
+            <a:endParaRPr lang="en-US" b="1" dirty="0"/>
           </a:p>
         </p:txBody>
       </p:sp>
@@ -7920,7 +9184,7 @@
 </p:sld>
 </file>
 
-<file path=ppt/slides/slide7.xml><?xml version="1.0" encoding="utf-8"?>
+<file path=ppt/slides/slide8.xml><?xml version="1.0" encoding="utf-8"?>
 <p:sld xmlns:a="http://schemas.openxmlformats.org/drawingml/2006/main" xmlns:r="http://schemas.openxmlformats.org/officeDocument/2006/relationships" xmlns:p="http://schemas.openxmlformats.org/presentationml/2006/main">
   <p:cSld>
     <p:spTree>
@@ -7942,7 +9206,7 @@
           <p:cNvPr id="7" name="Title 6">
             <a:extLst>
               <a:ext uri="{FF2B5EF4-FFF2-40B4-BE49-F238E27FC236}">
-                <a16:creationId xmlns:a16="http://schemas.microsoft.com/office/drawing/2014/main" id="{8AB8EB34-892F-4494-9C40-44F74E78102D}"/>
+                <a16:creationId xmlns:a16="http://schemas.microsoft.com/office/drawing/2014/main" xmlns="" id="{8AB8EB34-892F-4494-9C40-44F74E78102D}"/>
               </a:ext>
             </a:extLst>
           </p:cNvPr>

--- a/documentatie/prezentare.pptx
+++ b/documentatie/prezentare.pptx
@@ -5,7 +5,7 @@
     <p:sldMasterId id="2147483648" r:id="rId1"/>
   </p:sldMasterIdLst>
   <p:notesMasterIdLst>
-    <p:notesMasterId r:id="rId10"/>
+    <p:notesMasterId r:id="rId12"/>
   </p:notesMasterIdLst>
   <p:sldIdLst>
     <p:sldId id="256" r:id="rId2"/>
@@ -13,9 +13,11 @@
     <p:sldId id="258" r:id="rId4"/>
     <p:sldId id="261" r:id="rId5"/>
     <p:sldId id="259" r:id="rId6"/>
-    <p:sldId id="263" r:id="rId7"/>
-    <p:sldId id="262" r:id="rId8"/>
-    <p:sldId id="260" r:id="rId9"/>
+    <p:sldId id="264" r:id="rId7"/>
+    <p:sldId id="265" r:id="rId8"/>
+    <p:sldId id="263" r:id="rId9"/>
+    <p:sldId id="262" r:id="rId10"/>
+    <p:sldId id="260" r:id="rId11"/>
   </p:sldIdLst>
   <p:sldSz cx="12192000" cy="6858000"/>
   <p:notesSz cx="6858000" cy="9144000"/>
@@ -3923,6 +3925,73 @@
     <p:extLst>
       <p:ext uri="{BB962C8B-B14F-4D97-AF65-F5344CB8AC3E}">
         <p14:creationId xmlns:p14="http://schemas.microsoft.com/office/powerpoint/2010/main" val="3122299797"/>
+      </p:ext>
+    </p:extLst>
+  </p:cSld>
+  <p:clrMapOvr>
+    <a:masterClrMapping/>
+  </p:clrMapOvr>
+</p:sld>
+</file>
+
+<file path=ppt/slides/slide10.xml><?xml version="1.0" encoding="utf-8"?>
+<p:sld xmlns:a="http://schemas.openxmlformats.org/drawingml/2006/main" xmlns:r="http://schemas.openxmlformats.org/officeDocument/2006/relationships" xmlns:p="http://schemas.openxmlformats.org/presentationml/2006/main">
+  <p:cSld>
+    <p:spTree>
+      <p:nvGrpSpPr>
+        <p:cNvPr id="1" name=""/>
+        <p:cNvGrpSpPr/>
+        <p:nvPr/>
+      </p:nvGrpSpPr>
+      <p:grpSpPr>
+        <a:xfrm>
+          <a:off x="0" y="0"/>
+          <a:ext cx="0" cy="0"/>
+          <a:chOff x="0" y="0"/>
+          <a:chExt cx="0" cy="0"/>
+        </a:xfrm>
+      </p:grpSpPr>
+      <p:sp>
+        <p:nvSpPr>
+          <p:cNvPr id="7" name="Title 6">
+            <a:extLst>
+              <a:ext uri="{FF2B5EF4-FFF2-40B4-BE49-F238E27FC236}">
+                <a16:creationId xmlns:a16="http://schemas.microsoft.com/office/drawing/2014/main" xmlns="" id="{8AB8EB34-892F-4494-9C40-44F74E78102D}"/>
+              </a:ext>
+            </a:extLst>
+          </p:cNvPr>
+          <p:cNvSpPr>
+            <a:spLocks noGrp="1"/>
+          </p:cNvSpPr>
+          <p:nvPr>
+            <p:ph type="title"/>
+          </p:nvPr>
+        </p:nvSpPr>
+        <p:spPr>
+          <a:xfrm>
+            <a:off x="838200" y="2766218"/>
+            <a:ext cx="10515600" cy="1325563"/>
+          </a:xfrm>
+        </p:spPr>
+        <p:txBody>
+          <a:bodyPr>
+            <a:normAutofit/>
+          </a:bodyPr>
+          <a:lstStyle/>
+          <a:p>
+            <a:pPr algn="ctr"/>
+            <a:r>
+              <a:rPr lang="en-US" sz="6600" b="1" dirty="0" err="1"/>
+              <a:t>Exemple</a:t>
+            </a:r>
+            <a:endParaRPr lang="en-US" sz="6600" b="1" dirty="0"/>
+          </a:p>
+        </p:txBody>
+      </p:sp>
+    </p:spTree>
+    <p:extLst>
+      <p:ext uri="{BB962C8B-B14F-4D97-AF65-F5344CB8AC3E}">
+        <p14:creationId xmlns:p14="http://schemas.microsoft.com/office/powerpoint/2010/main" val="3897564382"/>
       </p:ext>
     </p:extLst>
   </p:cSld>
@@ -7258,7 +7327,12 @@
             <p:ph type="title"/>
           </p:nvPr>
         </p:nvSpPr>
-        <p:spPr/>
+        <p:spPr>
+          <a:xfrm>
+            <a:off x="846909" y="121285"/>
+            <a:ext cx="10515600" cy="1325563"/>
+          </a:xfrm>
+        </p:spPr>
         <p:txBody>
           <a:bodyPr/>
           <a:lstStyle/>
@@ -7266,220 +7340,830 @@
             <a:pPr algn="ctr"/>
             <a:r>
               <a:rPr lang="en-US" b="1" dirty="0" err="1" smtClean="0"/>
-              <a:t>Limitari</a:t>
+              <a:t>Independenta</a:t>
             </a:r>
             <a:r>
               <a:rPr lang="en-US" b="1" dirty="0" smtClean="0"/>
-              <a:t> ale ICA</a:t>
+              <a:t> </a:t>
+            </a:r>
+            <a:r>
+              <a:rPr lang="en-US" b="1" dirty="0" err="1" smtClean="0"/>
+              <a:t>si</a:t>
+            </a:r>
+            <a:r>
+              <a:rPr lang="en-US" b="1" dirty="0" smtClean="0"/>
+              <a:t> non-</a:t>
+            </a:r>
+            <a:r>
+              <a:rPr lang="en-US" b="1" dirty="0" err="1" smtClean="0"/>
+              <a:t>gaussianitate</a:t>
             </a:r>
             <a:endParaRPr lang="en-US" b="1" dirty="0"/>
           </a:p>
         </p:txBody>
       </p:sp>
+      <p:sp>
+        <p:nvSpPr>
+          <p:cNvPr id="3" name="Content Placeholder 2"/>
+          <p:cNvSpPr>
+            <a:spLocks noGrp="1"/>
+          </p:cNvSpPr>
+          <p:nvPr>
+            <p:ph idx="1"/>
+          </p:nvPr>
+        </p:nvSpPr>
+        <p:spPr>
+          <a:xfrm>
+            <a:off x="846909" y="1367246"/>
+            <a:ext cx="10515600" cy="4809717"/>
+          </a:xfrm>
+        </p:spPr>
+        <p:txBody>
+          <a:bodyPr/>
+          <a:lstStyle/>
+          <a:p>
+            <a:r>
+              <a:rPr lang="en-US" dirty="0" err="1" smtClean="0"/>
+              <a:t>Dupa</a:t>
+            </a:r>
+            <a:r>
+              <a:rPr lang="en-US" dirty="0" smtClean="0"/>
+              <a:t> cum am </a:t>
+            </a:r>
+            <a:r>
+              <a:rPr lang="en-US" dirty="0" err="1" smtClean="0"/>
+              <a:t>mentionat</a:t>
+            </a:r>
+            <a:r>
+              <a:rPr lang="en-US" dirty="0" smtClean="0"/>
+              <a:t> </a:t>
+            </a:r>
+            <a:r>
+              <a:rPr lang="en-US" dirty="0" err="1" smtClean="0"/>
+              <a:t>mai</a:t>
+            </a:r>
+            <a:r>
+              <a:rPr lang="en-US" dirty="0" smtClean="0"/>
+              <a:t> </a:t>
+            </a:r>
+            <a:r>
+              <a:rPr lang="en-US" dirty="0" err="1" smtClean="0"/>
+              <a:t>devreme</a:t>
+            </a:r>
+            <a:r>
+              <a:rPr lang="en-US" dirty="0" smtClean="0"/>
+              <a:t>, </a:t>
+            </a:r>
+            <a:r>
+              <a:rPr lang="en-US" dirty="0" err="1" smtClean="0"/>
+              <a:t>sursele</a:t>
+            </a:r>
+            <a:r>
+              <a:rPr lang="en-US" dirty="0" smtClean="0"/>
+              <a:t> </a:t>
+            </a:r>
+            <a:r>
+              <a:rPr lang="en-US" dirty="0" err="1" smtClean="0"/>
+              <a:t>initiale</a:t>
+            </a:r>
+            <a:r>
+              <a:rPr lang="en-US" dirty="0" smtClean="0"/>
+              <a:t> </a:t>
+            </a:r>
+            <a:r>
+              <a:rPr lang="en-US" dirty="0" err="1" smtClean="0"/>
+              <a:t>trebuie</a:t>
+            </a:r>
+            <a:r>
+              <a:rPr lang="en-US" dirty="0" smtClean="0"/>
+              <a:t> </a:t>
+            </a:r>
+            <a:r>
+              <a:rPr lang="en-US" dirty="0" err="1" smtClean="0"/>
+              <a:t>sa</a:t>
+            </a:r>
+            <a:r>
+              <a:rPr lang="en-US" dirty="0" smtClean="0"/>
+              <a:t> fie </a:t>
+            </a:r>
+            <a:r>
+              <a:rPr lang="en-US" dirty="0" err="1" smtClean="0"/>
+              <a:t>independente</a:t>
+            </a:r>
+            <a:r>
+              <a:rPr lang="en-US" dirty="0" smtClean="0"/>
+              <a:t>, </a:t>
+            </a:r>
+            <a:r>
+              <a:rPr lang="en-US" dirty="0" err="1" smtClean="0"/>
+              <a:t>asta</a:t>
+            </a:r>
+            <a:r>
+              <a:rPr lang="en-US" dirty="0" smtClean="0"/>
+              <a:t> </a:t>
+            </a:r>
+            <a:r>
+              <a:rPr lang="en-US" dirty="0" err="1" smtClean="0"/>
+              <a:t>deoarece</a:t>
+            </a:r>
+            <a:r>
+              <a:rPr lang="en-US" dirty="0" smtClean="0"/>
+              <a:t>, </a:t>
+            </a:r>
+            <a:r>
+              <a:rPr lang="en-US" dirty="0" err="1" smtClean="0"/>
+              <a:t>daca</a:t>
+            </a:r>
+            <a:r>
+              <a:rPr lang="en-US" dirty="0" smtClean="0"/>
+              <a:t> </a:t>
+            </a:r>
+            <a:r>
+              <a:rPr lang="en-US" dirty="0" err="1" smtClean="0"/>
+              <a:t>presupunem</a:t>
+            </a:r>
+            <a:r>
+              <a:rPr lang="en-US" dirty="0" smtClean="0"/>
+              <a:t> ca </a:t>
+            </a:r>
+            <a:r>
+              <a:rPr lang="en-US" dirty="0" err="1" smtClean="0"/>
+              <a:t>vrem</a:t>
+            </a:r>
+            <a:r>
+              <a:rPr lang="en-US" dirty="0" smtClean="0"/>
+              <a:t> </a:t>
+            </a:r>
+            <a:r>
+              <a:rPr lang="en-US" dirty="0" err="1" smtClean="0"/>
+              <a:t>sa</a:t>
+            </a:r>
+            <a:r>
+              <a:rPr lang="en-US" dirty="0" smtClean="0"/>
+              <a:t> </a:t>
+            </a:r>
+            <a:r>
+              <a:rPr lang="en-US" dirty="0" err="1" smtClean="0"/>
+              <a:t>calculam</a:t>
+            </a:r>
+            <a:r>
+              <a:rPr lang="en-US" dirty="0" smtClean="0"/>
+              <a:t> 2 </a:t>
+            </a:r>
+            <a:r>
+              <a:rPr lang="en-US" dirty="0" err="1" smtClean="0"/>
+              <a:t>componente</a:t>
+            </a:r>
+            <a:r>
+              <a:rPr lang="en-US" dirty="0" smtClean="0"/>
+              <a:t> </a:t>
+            </a:r>
+            <a:r>
+              <a:rPr lang="en-US" dirty="0" err="1" smtClean="0"/>
+              <a:t>independente</a:t>
+            </a:r>
+            <a:r>
+              <a:rPr lang="en-US" dirty="0" smtClean="0"/>
+              <a:t>, </a:t>
+            </a:r>
+            <a:r>
+              <a:rPr lang="en-US" dirty="0" err="1" smtClean="0"/>
+              <a:t>daca</a:t>
+            </a:r>
+            <a:r>
+              <a:rPr lang="en-US" dirty="0" smtClean="0"/>
+              <a:t> o </a:t>
+            </a:r>
+            <a:r>
+              <a:rPr lang="en-US" dirty="0" err="1" smtClean="0"/>
+              <a:t>sursa</a:t>
+            </a:r>
+            <a:r>
+              <a:rPr lang="en-US" dirty="0" smtClean="0"/>
+              <a:t> </a:t>
+            </a:r>
+            <a:r>
+              <a:rPr lang="en-US" dirty="0" err="1" smtClean="0"/>
+              <a:t>depinde</a:t>
+            </a:r>
+            <a:r>
+              <a:rPr lang="en-US" dirty="0" smtClean="0"/>
+              <a:t> de </a:t>
+            </a:r>
+            <a:r>
+              <a:rPr lang="en-US" dirty="0" err="1" smtClean="0"/>
+              <a:t>cealalta</a:t>
+            </a:r>
+            <a:r>
+              <a:rPr lang="en-US" dirty="0" smtClean="0"/>
+              <a:t>, </a:t>
+            </a:r>
+            <a:r>
+              <a:rPr lang="en-US" dirty="0" err="1" smtClean="0"/>
+              <a:t>inseamna</a:t>
+            </a:r>
+            <a:r>
+              <a:rPr lang="en-US" dirty="0" smtClean="0"/>
+              <a:t> ca </a:t>
+            </a:r>
+            <a:r>
+              <a:rPr lang="en-US" dirty="0" err="1" smtClean="0"/>
+              <a:t>sursa</a:t>
+            </a:r>
+            <a:r>
+              <a:rPr lang="en-US" dirty="0" smtClean="0"/>
+              <a:t> </a:t>
+            </a:r>
+            <a:r>
+              <a:rPr lang="en-US" dirty="0" err="1" smtClean="0"/>
+              <a:t>respectiva</a:t>
+            </a:r>
+            <a:r>
+              <a:rPr lang="en-US" dirty="0" smtClean="0"/>
+              <a:t> </a:t>
+            </a:r>
+            <a:r>
+              <a:rPr lang="en-US" dirty="0" err="1" smtClean="0"/>
+              <a:t>poate</a:t>
+            </a:r>
+            <a:r>
+              <a:rPr lang="en-US" dirty="0" smtClean="0"/>
+              <a:t> fi </a:t>
+            </a:r>
+            <a:r>
+              <a:rPr lang="en-US" dirty="0" err="1" smtClean="0"/>
+              <a:t>determinata</a:t>
+            </a:r>
+            <a:r>
+              <a:rPr lang="en-US" dirty="0" smtClean="0"/>
+              <a:t> </a:t>
+            </a:r>
+            <a:r>
+              <a:rPr lang="en-US" dirty="0" err="1" smtClean="0"/>
+              <a:t>prin</a:t>
+            </a:r>
+            <a:r>
+              <a:rPr lang="en-US" dirty="0" smtClean="0"/>
+              <a:t> </a:t>
+            </a:r>
+            <a:r>
+              <a:rPr lang="en-US" dirty="0" err="1" smtClean="0"/>
+              <a:t>operatii</a:t>
+            </a:r>
+            <a:r>
+              <a:rPr lang="en-US" dirty="0" smtClean="0"/>
+              <a:t> </a:t>
+            </a:r>
+            <a:r>
+              <a:rPr lang="en-US" dirty="0" err="1" smtClean="0"/>
+              <a:t>liniare</a:t>
+            </a:r>
+            <a:r>
+              <a:rPr lang="en-US" dirty="0" smtClean="0"/>
+              <a:t> </a:t>
+            </a:r>
+            <a:r>
+              <a:rPr lang="en-US" dirty="0" err="1" smtClean="0"/>
+              <a:t>efectuate</a:t>
+            </a:r>
+            <a:r>
+              <a:rPr lang="en-US" dirty="0" smtClean="0"/>
+              <a:t> </a:t>
+            </a:r>
+            <a:r>
+              <a:rPr lang="en-US" dirty="0" err="1" smtClean="0"/>
+              <a:t>asupra</a:t>
+            </a:r>
+            <a:r>
+              <a:rPr lang="en-US" dirty="0" smtClean="0"/>
+              <a:t> </a:t>
+            </a:r>
+            <a:r>
+              <a:rPr lang="en-US" dirty="0" err="1" smtClean="0"/>
+              <a:t>celeilalte</a:t>
+            </a:r>
+            <a:r>
+              <a:rPr lang="en-US" dirty="0" smtClean="0"/>
+              <a:t> </a:t>
+            </a:r>
+            <a:r>
+              <a:rPr lang="en-US" dirty="0" err="1" smtClean="0"/>
+              <a:t>surse</a:t>
+            </a:r>
+            <a:r>
+              <a:rPr lang="en-US" dirty="0" smtClean="0"/>
+              <a:t>, </a:t>
+            </a:r>
+            <a:r>
+              <a:rPr lang="en-US" dirty="0" err="1" smtClean="0"/>
+              <a:t>ceea</a:t>
+            </a:r>
+            <a:r>
+              <a:rPr lang="en-US" dirty="0" smtClean="0"/>
+              <a:t> </a:t>
+            </a:r>
+            <a:r>
+              <a:rPr lang="en-US" dirty="0" err="1" smtClean="0"/>
+              <a:t>ce</a:t>
+            </a:r>
+            <a:r>
+              <a:rPr lang="en-US" dirty="0" smtClean="0"/>
+              <a:t> in final </a:t>
+            </a:r>
+            <a:r>
+              <a:rPr lang="en-US" dirty="0" err="1" smtClean="0"/>
+              <a:t>inseamna</a:t>
+            </a:r>
+            <a:r>
+              <a:rPr lang="en-US" dirty="0" smtClean="0"/>
+              <a:t> ca </a:t>
+            </a:r>
+            <a:r>
+              <a:rPr lang="en-US" dirty="0" err="1" smtClean="0"/>
+              <a:t>cele</a:t>
+            </a:r>
+            <a:r>
+              <a:rPr lang="en-US" dirty="0" smtClean="0"/>
+              <a:t> 2 </a:t>
+            </a:r>
+            <a:r>
+              <a:rPr lang="en-US" dirty="0" err="1" smtClean="0"/>
+              <a:t>surse</a:t>
+            </a:r>
+            <a:r>
+              <a:rPr lang="en-US" dirty="0" smtClean="0"/>
+              <a:t> </a:t>
+            </a:r>
+            <a:r>
+              <a:rPr lang="en-US" dirty="0" err="1" smtClean="0"/>
+              <a:t>sunt</a:t>
+            </a:r>
+            <a:r>
+              <a:rPr lang="en-US" dirty="0" smtClean="0"/>
+              <a:t> </a:t>
+            </a:r>
+            <a:r>
+              <a:rPr lang="en-US" dirty="0" err="1" smtClean="0"/>
+              <a:t>defapt</a:t>
+            </a:r>
+            <a:r>
+              <a:rPr lang="en-US" dirty="0" smtClean="0"/>
+              <a:t> </a:t>
+            </a:r>
+            <a:r>
+              <a:rPr lang="en-US" dirty="0" err="1" smtClean="0"/>
+              <a:t>una</a:t>
+            </a:r>
+            <a:r>
+              <a:rPr lang="en-US" dirty="0" smtClean="0"/>
+              <a:t> </a:t>
+            </a:r>
+            <a:r>
+              <a:rPr lang="en-US" dirty="0" err="1" smtClean="0"/>
+              <a:t>si</a:t>
+            </a:r>
+            <a:r>
+              <a:rPr lang="en-US" dirty="0" smtClean="0"/>
+              <a:t> </a:t>
+            </a:r>
+            <a:r>
+              <a:rPr lang="en-US" dirty="0" err="1" smtClean="0"/>
+              <a:t>aceeasi</a:t>
+            </a:r>
+            <a:r>
+              <a:rPr lang="en-US" dirty="0" smtClean="0"/>
+              <a:t>.</a:t>
+            </a:r>
+          </a:p>
+          <a:p>
+            <a:r>
+              <a:rPr lang="en-US" dirty="0" smtClean="0"/>
+              <a:t>Ca </a:t>
+            </a:r>
+            <a:r>
+              <a:rPr lang="en-US" dirty="0" err="1" smtClean="0"/>
+              <a:t>sa</a:t>
+            </a:r>
+            <a:r>
+              <a:rPr lang="en-US" dirty="0" smtClean="0"/>
+              <a:t> </a:t>
+            </a:r>
+            <a:r>
+              <a:rPr lang="en-US" dirty="0" err="1" smtClean="0"/>
+              <a:t>vedem</a:t>
+            </a:r>
+            <a:r>
+              <a:rPr lang="en-US" dirty="0" smtClean="0"/>
+              <a:t> de </a:t>
+            </a:r>
+            <a:r>
+              <a:rPr lang="en-US" dirty="0" err="1" smtClean="0"/>
+              <a:t>ce</a:t>
+            </a:r>
+            <a:r>
+              <a:rPr lang="en-US" dirty="0" smtClean="0"/>
+              <a:t> </a:t>
+            </a:r>
+            <a:r>
+              <a:rPr lang="en-US" dirty="0" err="1" smtClean="0"/>
+              <a:t>surse</a:t>
+            </a:r>
+            <a:r>
+              <a:rPr lang="en-US" dirty="0" smtClean="0"/>
+              <a:t> cu </a:t>
+            </a:r>
+            <a:r>
+              <a:rPr lang="en-US" dirty="0" err="1" smtClean="0"/>
+              <a:t>distributii</a:t>
+            </a:r>
+            <a:r>
+              <a:rPr lang="en-US" dirty="0" smtClean="0"/>
+              <a:t> </a:t>
+            </a:r>
+            <a:r>
+              <a:rPr lang="en-US" dirty="0" err="1" smtClean="0"/>
+              <a:t>gaussiene</a:t>
+            </a:r>
+            <a:r>
+              <a:rPr lang="en-US" dirty="0" smtClean="0"/>
+              <a:t> </a:t>
+            </a:r>
+            <a:r>
+              <a:rPr lang="en-US" dirty="0" err="1" smtClean="0"/>
+              <a:t>sunt</a:t>
+            </a:r>
+            <a:r>
+              <a:rPr lang="en-US" dirty="0" smtClean="0"/>
+              <a:t> </a:t>
+            </a:r>
+            <a:r>
+              <a:rPr lang="en-US" dirty="0" err="1" smtClean="0"/>
+              <a:t>interzise</a:t>
+            </a:r>
+            <a:r>
+              <a:rPr lang="en-US" dirty="0" smtClean="0"/>
+              <a:t>, </a:t>
+            </a:r>
+            <a:r>
+              <a:rPr lang="en-US" dirty="0" err="1" smtClean="0"/>
+              <a:t>sa</a:t>
+            </a:r>
+            <a:r>
+              <a:rPr lang="en-US" dirty="0" smtClean="0"/>
+              <a:t> </a:t>
+            </a:r>
+            <a:r>
+              <a:rPr lang="en-US" dirty="0" err="1" smtClean="0"/>
+              <a:t>presupunem</a:t>
+            </a:r>
+            <a:r>
+              <a:rPr lang="en-US" dirty="0" smtClean="0"/>
+              <a:t> ca </a:t>
+            </a:r>
+            <a:r>
+              <a:rPr lang="en-US" dirty="0" err="1" smtClean="0"/>
+              <a:t>avem</a:t>
+            </a:r>
+            <a:r>
+              <a:rPr lang="en-US" dirty="0" smtClean="0"/>
+              <a:t> 2 </a:t>
+            </a:r>
+            <a:r>
+              <a:rPr lang="en-US" dirty="0" err="1" smtClean="0"/>
+              <a:t>surse</a:t>
+            </a:r>
+            <a:r>
+              <a:rPr lang="en-US" dirty="0" smtClean="0"/>
+              <a:t> de </a:t>
+            </a:r>
+            <a:r>
+              <a:rPr lang="en-US" dirty="0" err="1" smtClean="0"/>
+              <a:t>genul</a:t>
+            </a:r>
+            <a:r>
+              <a:rPr lang="en-US" dirty="0" smtClean="0"/>
+              <a:t>, </a:t>
+            </a:r>
+            <a:r>
+              <a:rPr lang="en-US" dirty="0" err="1" smtClean="0"/>
+              <a:t>iar</a:t>
+            </a:r>
+            <a:r>
+              <a:rPr lang="en-US" dirty="0" smtClean="0"/>
+              <a:t> </a:t>
+            </a:r>
+            <a:r>
+              <a:rPr lang="en-US" dirty="0" err="1" smtClean="0"/>
+              <a:t>operatorul</a:t>
+            </a:r>
+            <a:r>
+              <a:rPr lang="en-US" dirty="0" smtClean="0"/>
+              <a:t> </a:t>
+            </a:r>
+            <a:r>
+              <a:rPr lang="en-US" dirty="0" err="1" smtClean="0"/>
+              <a:t>lor</a:t>
+            </a:r>
+            <a:r>
+              <a:rPr lang="en-US" dirty="0" smtClean="0"/>
+              <a:t> de </a:t>
+            </a:r>
+            <a:r>
+              <a:rPr lang="en-US" dirty="0" err="1" smtClean="0"/>
+              <a:t>multiplicare</a:t>
+            </a:r>
+            <a:r>
+              <a:rPr lang="en-US" dirty="0" smtClean="0"/>
+              <a:t> </a:t>
+            </a:r>
+            <a:r>
+              <a:rPr lang="en-US" dirty="0" err="1" smtClean="0"/>
+              <a:t>este</a:t>
+            </a:r>
+            <a:r>
+              <a:rPr lang="en-US" dirty="0" smtClean="0"/>
+              <a:t> o </a:t>
+            </a:r>
+            <a:r>
+              <a:rPr lang="en-US" dirty="0" err="1" smtClean="0"/>
+              <a:t>matrice</a:t>
+            </a:r>
+            <a:r>
+              <a:rPr lang="en-US" dirty="0" smtClean="0"/>
+              <a:t> </a:t>
+            </a:r>
+            <a:r>
+              <a:rPr lang="en-US" dirty="0" err="1" smtClean="0"/>
+              <a:t>ortogonala</a:t>
+            </a:r>
+            <a:r>
+              <a:rPr lang="en-US" dirty="0" smtClean="0"/>
+              <a:t>. </a:t>
+            </a:r>
+            <a:r>
+              <a:rPr lang="en-US" dirty="0" err="1" smtClean="0"/>
+              <a:t>Densitatea</a:t>
+            </a:r>
+            <a:r>
+              <a:rPr lang="en-US" dirty="0" smtClean="0"/>
+              <a:t> </a:t>
+            </a:r>
+            <a:r>
+              <a:rPr lang="en-US" dirty="0" err="1" smtClean="0"/>
+              <a:t>semnalelor</a:t>
+            </a:r>
+            <a:r>
+              <a:rPr lang="en-US" dirty="0" smtClean="0"/>
+              <a:t> </a:t>
+            </a:r>
+            <a:r>
+              <a:rPr lang="en-US" dirty="0" err="1" smtClean="0"/>
+              <a:t>amestecate</a:t>
+            </a:r>
+            <a:r>
+              <a:rPr lang="en-US" dirty="0" smtClean="0"/>
+              <a:t> </a:t>
+            </a:r>
+            <a:r>
+              <a:rPr lang="en-US" dirty="0" err="1" smtClean="0"/>
+              <a:t>va</a:t>
+            </a:r>
+            <a:r>
+              <a:rPr lang="en-US" dirty="0" smtClean="0"/>
+              <a:t> fi la </a:t>
+            </a:r>
+            <a:r>
+              <a:rPr lang="en-US" dirty="0" err="1" smtClean="0"/>
+              <a:t>randul</a:t>
+            </a:r>
+            <a:r>
+              <a:rPr lang="en-US" dirty="0" smtClean="0"/>
+              <a:t> </a:t>
+            </a:r>
+            <a:r>
+              <a:rPr lang="en-US" dirty="0" err="1" smtClean="0"/>
+              <a:t>ei</a:t>
+            </a:r>
+            <a:r>
+              <a:rPr lang="en-US" dirty="0" smtClean="0"/>
+              <a:t> o </a:t>
+            </a:r>
+            <a:r>
+              <a:rPr lang="en-US" dirty="0" err="1" smtClean="0"/>
+              <a:t>functie</a:t>
+            </a:r>
+            <a:r>
+              <a:rPr lang="en-US" dirty="0" smtClean="0"/>
+              <a:t> cu </a:t>
+            </a:r>
+            <a:r>
+              <a:rPr lang="en-US" dirty="0" err="1" smtClean="0"/>
+              <a:t>distributie</a:t>
+            </a:r>
+            <a:r>
+              <a:rPr lang="en-US" dirty="0" smtClean="0"/>
+              <a:t> </a:t>
+            </a:r>
+            <a:r>
+              <a:rPr lang="en-US" dirty="0" err="1" smtClean="0"/>
+              <a:t>gaussiana</a:t>
+            </a:r>
+            <a:r>
+              <a:rPr lang="en-US" dirty="0" smtClean="0"/>
+              <a:t>, </a:t>
+            </a:r>
+            <a:r>
+              <a:rPr lang="en-US" dirty="0" err="1" smtClean="0"/>
+              <a:t>si</a:t>
+            </a:r>
+            <a:r>
+              <a:rPr lang="en-US" dirty="0" smtClean="0"/>
+              <a:t> </a:t>
+            </a:r>
+            <a:r>
+              <a:rPr lang="en-US" dirty="0" err="1" smtClean="0"/>
+              <a:t>arata</a:t>
+            </a:r>
+            <a:r>
+              <a:rPr lang="en-US" dirty="0" smtClean="0"/>
+              <a:t> </a:t>
+            </a:r>
+            <a:r>
+              <a:rPr lang="en-US" dirty="0" err="1" smtClean="0"/>
+              <a:t>astfel</a:t>
+            </a:r>
+            <a:r>
+              <a:rPr lang="en-US" dirty="0" smtClean="0"/>
+              <a:t>:</a:t>
+            </a:r>
+          </a:p>
+          <a:p>
+            <a:endParaRPr lang="en-US" dirty="0"/>
+          </a:p>
+        </p:txBody>
+      </p:sp>
+    </p:spTree>
+    <p:extLst>
+      <p:ext uri="{BB962C8B-B14F-4D97-AF65-F5344CB8AC3E}">
+        <p14:creationId xmlns:p14="http://schemas.microsoft.com/office/powerpoint/2010/main" val="401691252"/>
+      </p:ext>
+    </p:extLst>
+  </p:cSld>
+  <p:clrMapOvr>
+    <a:masterClrMapping/>
+  </p:clrMapOvr>
+</p:sld>
+</file>
+
+<file path=ppt/slides/slide7.xml><?xml version="1.0" encoding="utf-8"?>
+<p:sld xmlns:a="http://schemas.openxmlformats.org/drawingml/2006/main" xmlns:r="http://schemas.openxmlformats.org/officeDocument/2006/relationships" xmlns:p="http://schemas.openxmlformats.org/presentationml/2006/main">
+  <p:cSld>
+    <p:spTree>
+      <p:nvGrpSpPr>
+        <p:cNvPr id="1" name=""/>
+        <p:cNvGrpSpPr/>
+        <p:nvPr/>
+      </p:nvGrpSpPr>
+      <p:grpSpPr>
+        <a:xfrm>
+          <a:off x="0" y="0"/>
+          <a:ext cx="0" cy="0"/>
+          <a:chOff x="0" y="0"/>
+          <a:chExt cx="0" cy="0"/>
+        </a:xfrm>
+      </p:grpSpPr>
+      <p:pic>
+        <p:nvPicPr>
+          <p:cNvPr id="4" name="Content Placeholder 3"/>
+          <p:cNvPicPr>
+            <a:picLocks noGrp="1" noChangeAspect="1"/>
+          </p:cNvPicPr>
+          <p:nvPr>
+            <p:ph idx="1"/>
+          </p:nvPr>
+        </p:nvPicPr>
+        <p:blipFill>
+          <a:blip r:embed="rId2">
+            <a:extLst>
+              <a:ext uri="{28A0092B-C50C-407E-A947-70E740481C1C}">
+                <a14:useLocalDpi xmlns:a14="http://schemas.microsoft.com/office/drawing/2010/main" val="0"/>
+              </a:ext>
+            </a:extLst>
+          </a:blip>
+          <a:stretch>
+            <a:fillRect/>
+          </a:stretch>
+        </p:blipFill>
+        <p:spPr>
+          <a:xfrm>
+            <a:off x="3692322" y="151172"/>
+            <a:ext cx="4119267" cy="4141355"/>
+          </a:xfrm>
+        </p:spPr>
+      </p:pic>
       <mc:AlternateContent xmlns:mc="http://schemas.openxmlformats.org/markup-compatibility/2006">
         <mc:Choice xmlns:a14="http://schemas.microsoft.com/office/drawing/2010/main" Requires="a14">
           <p:sp>
             <p:nvSpPr>
-              <p:cNvPr id="3" name="Content Placeholder 2"/>
-              <p:cNvSpPr>
-                <a:spLocks noGrp="1"/>
-              </p:cNvSpPr>
-              <p:nvPr>
-                <p:ph idx="1"/>
-              </p:nvPr>
+              <p:cNvPr id="6" name="TextBox 5"/>
+              <p:cNvSpPr txBox="1"/>
+              <p:nvPr/>
             </p:nvSpPr>
-            <p:spPr/>
+            <p:spPr>
+              <a:xfrm>
+                <a:off x="261257" y="4894217"/>
+                <a:ext cx="11669486" cy="1477328"/>
+              </a:xfrm>
+              <a:prstGeom prst="rect">
+                <a:avLst/>
+              </a:prstGeom>
+              <a:noFill/>
+            </p:spPr>
             <p:txBody>
-              <a:bodyPr/>
+              <a:bodyPr wrap="square" rtlCol="0">
+                <a:spAutoFit/>
+              </a:bodyPr>
               <a:lstStyle/>
               <a:p>
-                <a:pPr marL="514350" indent="-514350">
-                  <a:buFont typeface="+mj-lt"/>
-                  <a:buAutoNum type="arabicPeriod"/>
-                </a:pPr>
-                <a:r>
-                  <a:rPr lang="en-US" dirty="0" smtClean="0"/>
-                  <a:t>Avem </a:t>
-                </a:r>
-                <a:r>
-                  <a:rPr lang="en-US" dirty="0" err="1" smtClean="0"/>
-                  <a:t>nevoie</a:t>
-                </a:r>
-                <a:r>
-                  <a:rPr lang="en-US" dirty="0" smtClean="0"/>
-                  <a:t> de </a:t>
-                </a:r>
-                <a:r>
-                  <a:rPr lang="en-US" dirty="0" err="1" smtClean="0"/>
-                  <a:t>atatea</a:t>
-                </a:r>
-                <a:r>
-                  <a:rPr lang="en-US" dirty="0" smtClean="0"/>
-                  <a:t> </a:t>
-                </a:r>
-                <a:r>
-                  <a:rPr lang="en-US" dirty="0" err="1" smtClean="0"/>
-                  <a:t>semnale</a:t>
-                </a:r>
-                <a:r>
-                  <a:rPr lang="en-US" dirty="0" smtClean="0"/>
-                  <a:t> </a:t>
-                </a:r>
-                <a:r>
-                  <a:rPr lang="en-US" dirty="0" err="1" smtClean="0"/>
-                  <a:t>inregristrate</a:t>
-                </a:r>
-                <a:r>
-                  <a:rPr lang="en-US" dirty="0" smtClean="0"/>
-                  <a:t> </a:t>
-                </a:r>
-                <a:r>
-                  <a:rPr lang="en-US" dirty="0" err="1" smtClean="0"/>
-                  <a:t>pe</a:t>
-                </a:r>
-                <a:r>
-                  <a:rPr lang="en-US" dirty="0" smtClean="0"/>
-                  <a:t> cate </a:t>
-                </a:r>
-                <a:r>
-                  <a:rPr lang="en-US" dirty="0" err="1" smtClean="0"/>
-                  <a:t>semnale</a:t>
-                </a:r>
-                <a:r>
-                  <a:rPr lang="en-US" dirty="0" smtClean="0"/>
-                  <a:t> </a:t>
-                </a:r>
-                <a:r>
-                  <a:rPr lang="en-US" dirty="0" err="1" smtClean="0"/>
-                  <a:t>vrem</a:t>
-                </a:r>
-                <a:r>
-                  <a:rPr lang="en-US" dirty="0" smtClean="0"/>
-                  <a:t> </a:t>
-                </a:r>
-                <a:r>
-                  <a:rPr lang="en-US" dirty="0" err="1" smtClean="0"/>
-                  <a:t>sa</a:t>
-                </a:r>
-                <a:r>
-                  <a:rPr lang="en-US" dirty="0" smtClean="0"/>
-                  <a:t> </a:t>
-                </a:r>
-                <a:r>
-                  <a:rPr lang="en-US" dirty="0" err="1" smtClean="0"/>
-                  <a:t>recuperam</a:t>
-                </a:r>
-                <a:r>
-                  <a:rPr lang="en-US" dirty="0" smtClean="0"/>
-                  <a:t>.</a:t>
-                </a:r>
-              </a:p>
-              <a:p>
-                <a:pPr marL="514350" indent="-514350">
-                  <a:buFont typeface="+mj-lt"/>
-                  <a:buAutoNum type="arabicPeriod"/>
-                </a:pPr>
-                <a:r>
-                  <a:rPr lang="en-US" dirty="0" smtClean="0"/>
-                  <a:t>Nu </a:t>
-                </a:r>
-                <a:r>
-                  <a:rPr lang="en-US" dirty="0" err="1" smtClean="0"/>
-                  <a:t>putem</a:t>
-                </a:r>
-                <a:r>
-                  <a:rPr lang="en-US" dirty="0" smtClean="0"/>
-                  <a:t> </a:t>
-                </a:r>
-                <a:r>
-                  <a:rPr lang="en-US" dirty="0" err="1" smtClean="0"/>
-                  <a:t>determina</a:t>
-                </a:r>
-                <a:r>
-                  <a:rPr lang="en-US" dirty="0" smtClean="0"/>
-                  <a:t> </a:t>
-                </a:r>
-                <a:r>
-                  <a:rPr lang="en-US" dirty="0" err="1" smtClean="0"/>
-                  <a:t>magnitudinile</a:t>
-                </a:r>
-                <a:r>
-                  <a:rPr lang="en-US" dirty="0" smtClean="0"/>
-                  <a:t> </a:t>
-                </a:r>
-                <a:r>
-                  <a:rPr lang="en-US" dirty="0" err="1" smtClean="0"/>
-                  <a:t>componentelor</a:t>
-                </a:r>
-                <a:r>
-                  <a:rPr lang="en-US" dirty="0" smtClean="0"/>
-                  <a:t> </a:t>
-                </a:r>
-                <a:r>
-                  <a:rPr lang="en-US" dirty="0" err="1" smtClean="0"/>
-                  <a:t>independente</a:t>
-                </a:r>
-                <a:r>
-                  <a:rPr lang="en-US" dirty="0" smtClean="0"/>
-                  <a:t>: </a:t>
-                </a:r>
-                <a:r>
-                  <a:rPr lang="en-US" dirty="0" err="1" smtClean="0"/>
-                  <a:t>acest</a:t>
-                </a:r>
-                <a:r>
-                  <a:rPr lang="en-US" dirty="0" smtClean="0"/>
-                  <a:t> </a:t>
-                </a:r>
-                <a:r>
-                  <a:rPr lang="en-US" dirty="0" err="1" smtClean="0"/>
-                  <a:t>lucru</a:t>
-                </a:r>
-                <a:r>
-                  <a:rPr lang="en-US" dirty="0" smtClean="0"/>
-                  <a:t> se </a:t>
-                </a:r>
-                <a:r>
-                  <a:rPr lang="en-US" dirty="0" err="1" smtClean="0"/>
-                  <a:t>datoreaza</a:t>
-                </a:r>
-                <a:r>
-                  <a:rPr lang="en-US" dirty="0" smtClean="0"/>
-                  <a:t> </a:t>
-                </a:r>
-                <a:r>
-                  <a:rPr lang="en-US" dirty="0" err="1" smtClean="0"/>
-                  <a:t>faptului</a:t>
-                </a:r>
-                <a:r>
-                  <a:rPr lang="en-US" dirty="0" smtClean="0"/>
-                  <a:t> ca, </a:t>
-                </a:r>
-                <a:r>
-                  <a:rPr lang="en-US" dirty="0" err="1" smtClean="0"/>
-                  <a:t>atat</a:t>
-                </a:r>
-                <a:r>
-                  <a:rPr lang="en-US" dirty="0" smtClean="0"/>
-                  <a:t> </a:t>
-                </a:r>
-                <a14:m>
-                  <m:oMath xmlns:m="http://schemas.openxmlformats.org/officeDocument/2006/math">
-                    <m:r>
-                      <a:rPr lang="en-US" b="0" i="1" smtClean="0">
-                        <a:latin typeface="Cambria Math" panose="02040503050406030204" pitchFamily="18" charset="0"/>
-                      </a:rPr>
-                      <m:t>𝑠</m:t>
-                    </m:r>
-                  </m:oMath>
-                </a14:m>
-                <a:r>
-                  <a:rPr lang="en-US" dirty="0" smtClean="0"/>
-                  <a:t> cat </a:t>
-                </a:r>
-                <a:r>
-                  <a:rPr lang="en-US" dirty="0" err="1" smtClean="0"/>
-                  <a:t>si</a:t>
+                <a:r>
+                  <a:rPr lang="en-US" dirty="0" smtClean="0"/>
+                  <a:t>Se </a:t>
+                </a:r>
+                <a:r>
+                  <a:rPr lang="en-US" dirty="0" err="1" smtClean="0"/>
+                  <a:t>observa</a:t>
+                </a:r>
+                <a:r>
+                  <a:rPr lang="en-US" dirty="0" smtClean="0"/>
+                  <a:t> ca </a:t>
+                </a:r>
+                <a:r>
+                  <a:rPr lang="en-US" dirty="0" err="1" smtClean="0"/>
+                  <a:t>aceasta</a:t>
+                </a:r>
+                <a:r>
+                  <a:rPr lang="en-US" dirty="0" smtClean="0"/>
+                  <a:t> </a:t>
+                </a:r>
+                <a:r>
+                  <a:rPr lang="en-US" dirty="0" err="1" smtClean="0"/>
+                  <a:t>distributie</a:t>
+                </a:r>
+                <a:r>
+                  <a:rPr lang="en-US" dirty="0" smtClean="0"/>
+                  <a:t> nu ne </a:t>
+                </a:r>
+                <a:r>
+                  <a:rPr lang="en-US" dirty="0" err="1" smtClean="0"/>
+                  <a:t>ofera</a:t>
+                </a:r>
+                <a:r>
+                  <a:rPr lang="en-US" dirty="0" smtClean="0"/>
+                  <a:t> </a:t>
+                </a:r>
+                <a:r>
+                  <a:rPr lang="en-US" dirty="0" err="1" smtClean="0"/>
+                  <a:t>nici</a:t>
+                </a:r>
+                <a:r>
+                  <a:rPr lang="en-US" dirty="0" smtClean="0"/>
+                  <a:t> o </a:t>
+                </a:r>
+                <a:r>
+                  <a:rPr lang="en-US" dirty="0" err="1" smtClean="0"/>
+                  <a:t>informatie</a:t>
+                </a:r>
+                <a:r>
+                  <a:rPr lang="en-US" dirty="0" smtClean="0"/>
+                  <a:t> </a:t>
+                </a:r>
+                <a:r>
+                  <a:rPr lang="en-US" dirty="0" err="1" smtClean="0"/>
+                  <a:t>asupra</a:t>
+                </a:r>
+                <a:r>
+                  <a:rPr lang="en-US" dirty="0" smtClean="0"/>
+                  <a:t> </a:t>
+                </a:r>
+                <a:r>
+                  <a:rPr lang="en-US" dirty="0" err="1" smtClean="0"/>
+                  <a:t>directiilor</a:t>
+                </a:r>
+                <a:r>
+                  <a:rPr lang="en-US" dirty="0" smtClean="0"/>
+                  <a:t> </a:t>
+                </a:r>
+                <a:r>
+                  <a:rPr lang="en-US" dirty="0" err="1" smtClean="0"/>
+                  <a:t>coloanelor</a:t>
+                </a:r>
+                <a:r>
+                  <a:rPr lang="en-US" dirty="0" smtClean="0"/>
+                  <a:t> </a:t>
+                </a:r>
+                <a:r>
+                  <a:rPr lang="en-US" dirty="0" err="1" smtClean="0"/>
+                  <a:t>lui</a:t>
                 </a:r>
                 <a:r>
                   <a:rPr lang="en-US" dirty="0" smtClean="0"/>
@@ -7497,43 +8181,198 @@
                 </a14:m>
                 <a:r>
                   <a:rPr lang="en-US" dirty="0" smtClean="0"/>
-                  <a:t> </a:t>
-                </a:r>
-                <a:r>
-                  <a:rPr lang="en-US" dirty="0" err="1" smtClean="0"/>
-                  <a:t>sunt</a:t>
-                </a:r>
-                <a:r>
-                  <a:rPr lang="en-US" dirty="0" smtClean="0"/>
-                  <a:t> </a:t>
-                </a:r>
-                <a:r>
-                  <a:rPr lang="en-US" dirty="0" err="1" smtClean="0"/>
-                  <a:t>necunoscute</a:t>
-                </a:r>
-                <a:r>
-                  <a:rPr lang="en-US" dirty="0" smtClean="0"/>
                   <a:t>, </a:t>
                 </a:r>
                 <a:r>
                   <a:rPr lang="en-US" dirty="0" err="1" smtClean="0"/>
-                  <a:t>orice</a:t>
-                </a:r>
-                <a:r>
-                  <a:rPr lang="en-US" dirty="0" smtClean="0"/>
-                  <a:t> </a:t>
-                </a:r>
-                <a:r>
-                  <a:rPr lang="en-US" dirty="0" err="1" smtClean="0"/>
-                  <a:t>multiplicator</a:t>
-                </a:r>
-                <a:r>
-                  <a:rPr lang="en-US" dirty="0" smtClean="0"/>
-                  <a:t> al </a:t>
-                </a:r>
-                <a:r>
-                  <a:rPr lang="en-US" dirty="0" err="1" smtClean="0"/>
-                  <a:t>surselor</a:t>
+                  <a:t>deoarece</a:t>
+                </a:r>
+                <a:r>
+                  <a:rPr lang="en-US" dirty="0" smtClean="0"/>
+                  <a:t> </a:t>
+                </a:r>
+                <a:r>
+                  <a:rPr lang="en-US" dirty="0" err="1" smtClean="0"/>
+                  <a:t>densitatea</a:t>
+                </a:r>
+                <a:r>
+                  <a:rPr lang="en-US" dirty="0" smtClean="0"/>
+                  <a:t> </a:t>
+                </a:r>
+                <a:r>
+                  <a:rPr lang="en-US" dirty="0" err="1" smtClean="0"/>
+                  <a:t>este</a:t>
+                </a:r>
+                <a:r>
+                  <a:rPr lang="en-US" dirty="0" smtClean="0"/>
+                  <a:t> </a:t>
+                </a:r>
+                <a:r>
+                  <a:rPr lang="en-US" dirty="0" err="1" smtClean="0"/>
+                  <a:t>complet</a:t>
+                </a:r>
+                <a:r>
+                  <a:rPr lang="en-US" dirty="0" smtClean="0"/>
+                  <a:t> </a:t>
+                </a:r>
+                <a:r>
+                  <a:rPr lang="en-US" dirty="0" err="1" smtClean="0"/>
+                  <a:t>simetrica</a:t>
+                </a:r>
+                <a:r>
+                  <a:rPr lang="en-US" dirty="0" smtClean="0"/>
+                  <a:t>, </a:t>
+                </a:r>
+                <a:r>
+                  <a:rPr lang="en-US" dirty="0" err="1" smtClean="0"/>
+                  <a:t>iar</a:t>
+                </a:r>
+                <a:r>
+                  <a:rPr lang="en-US" dirty="0" smtClean="0"/>
+                  <a:t> </a:t>
+                </a:r>
+                <a14:m>
+                  <m:oMath xmlns:m="http://schemas.openxmlformats.org/officeDocument/2006/math">
+                    <m:r>
+                      <a:rPr lang="en-US" b="0" i="1" smtClean="0">
+                        <a:latin typeface="Cambria Math" panose="02040503050406030204" pitchFamily="18" charset="0"/>
+                      </a:rPr>
+                      <m:t>𝐴</m:t>
+                    </m:r>
+                  </m:oMath>
+                </a14:m>
+                <a:r>
+                  <a:rPr lang="en-US" dirty="0" smtClean="0"/>
+                  <a:t>, </a:t>
+                </a:r>
+                <a:r>
+                  <a:rPr lang="en-US" dirty="0" err="1" smtClean="0"/>
+                  <a:t>si</a:t>
+                </a:r>
+                <a:r>
+                  <a:rPr lang="en-US" dirty="0" smtClean="0"/>
+                  <a:t> </a:t>
+                </a:r>
+                <a:r>
+                  <a:rPr lang="en-US" dirty="0" err="1" smtClean="0"/>
+                  <a:t>respectiv</a:t>
+                </a:r>
+                <a:r>
+                  <a:rPr lang="en-US" dirty="0" smtClean="0"/>
+                  <a:t> </a:t>
+                </a:r>
+                <a14:m>
+                  <m:oMath xmlns:m="http://schemas.openxmlformats.org/officeDocument/2006/math">
+                    <m:sSup>
+                      <m:sSupPr>
+                        <m:ctrlPr>
+                          <a:rPr lang="en-US" b="0" i="1" smtClean="0">
+                            <a:latin typeface="Cambria Math" panose="02040503050406030204" pitchFamily="18" charset="0"/>
+                          </a:rPr>
+                        </m:ctrlPr>
+                      </m:sSupPr>
+                      <m:e>
+                        <m:r>
+                          <a:rPr lang="en-US" b="0" i="1" smtClean="0">
+                            <a:latin typeface="Cambria Math" panose="02040503050406030204" pitchFamily="18" charset="0"/>
+                          </a:rPr>
+                          <m:t>𝐴</m:t>
+                        </m:r>
+                      </m:e>
+                      <m:sup>
+                        <m:r>
+                          <a:rPr lang="en-US" b="0" i="1" smtClean="0">
+                            <a:latin typeface="Cambria Math" panose="02040503050406030204" pitchFamily="18" charset="0"/>
+                          </a:rPr>
+                          <m:t>−1</m:t>
+                        </m:r>
+                      </m:sup>
+                    </m:sSup>
+                  </m:oMath>
+                </a14:m>
+                <a:r>
+                  <a:rPr lang="en-US" dirty="0" smtClean="0"/>
+                  <a:t> nu </a:t>
+                </a:r>
+                <a:r>
+                  <a:rPr lang="en-US" dirty="0" err="1" smtClean="0"/>
+                  <a:t>poate</a:t>
+                </a:r>
+                <a:r>
+                  <a:rPr lang="en-US" dirty="0" smtClean="0"/>
+                  <a:t> fi </a:t>
+                </a:r>
+                <a:r>
+                  <a:rPr lang="en-US" dirty="0" err="1" smtClean="0"/>
+                  <a:t>determinat</a:t>
+                </a:r>
+                <a:r>
+                  <a:rPr lang="en-US" dirty="0" smtClean="0"/>
+                  <a:t>. </a:t>
+                </a:r>
+              </a:p>
+              <a:p>
+                <a:r>
+                  <a:rPr lang="en-US" dirty="0" smtClean="0"/>
+                  <a:t>Si </a:t>
+                </a:r>
+                <a:r>
+                  <a:rPr lang="en-US" dirty="0" err="1" smtClean="0"/>
+                  <a:t>daca</a:t>
+                </a:r>
+                <a:r>
+                  <a:rPr lang="en-US" dirty="0" smtClean="0"/>
+                  <a:t> nu am </a:t>
+                </a:r>
+                <a:r>
+                  <a:rPr lang="en-US" dirty="0" err="1" smtClean="0"/>
+                  <a:t>avea</a:t>
+                </a:r>
+                <a:r>
+                  <a:rPr lang="en-US" dirty="0" smtClean="0"/>
+                  <a:t> o </a:t>
+                </a:r>
+                <a:r>
+                  <a:rPr lang="en-US" dirty="0" err="1" smtClean="0"/>
+                  <a:t>matrice</a:t>
+                </a:r>
+                <a:r>
+                  <a:rPr lang="en-US" dirty="0" smtClean="0"/>
+                  <a:t> de </a:t>
+                </a:r>
+                <a:r>
+                  <a:rPr lang="en-US" dirty="0" err="1" smtClean="0"/>
+                  <a:t>multiplicare</a:t>
+                </a:r>
+                <a:r>
+                  <a:rPr lang="en-US" dirty="0" smtClean="0"/>
+                  <a:t> </a:t>
+                </a:r>
+                <a14:m>
+                  <m:oMath xmlns:m="http://schemas.openxmlformats.org/officeDocument/2006/math">
+                    <m:r>
+                      <a:rPr lang="en-US" b="0" i="1" smtClean="0">
+                        <a:latin typeface="Cambria Math" panose="02040503050406030204" pitchFamily="18" charset="0"/>
+                      </a:rPr>
+                      <m:t>𝐴</m:t>
+                    </m:r>
+                  </m:oMath>
+                </a14:m>
+                <a:r>
+                  <a:rPr lang="en-US" dirty="0" smtClean="0"/>
+                  <a:t> </a:t>
+                </a:r>
+                <a:r>
+                  <a:rPr lang="en-US" dirty="0" err="1" smtClean="0"/>
+                  <a:t>ortonormala</a:t>
+                </a:r>
+                <a:r>
+                  <a:rPr lang="en-US" dirty="0" smtClean="0"/>
+                  <a:t>, </a:t>
+                </a:r>
+                <a:r>
+                  <a:rPr lang="en-US" dirty="0" err="1" smtClean="0"/>
+                  <a:t>dar</a:t>
                 </a:r>
                 <a:r>
                   <a:rPr lang="en-US" dirty="0" smtClean="0"/>
@@ -7570,6 +8409,608 @@
                 </a14:m>
                 <a:r>
                   <a:rPr lang="en-US" dirty="0" smtClean="0"/>
+                  <a:t> au </a:t>
+                </a:r>
+                <a:r>
+                  <a:rPr lang="en-US" dirty="0" err="1" smtClean="0"/>
+                  <a:t>distributii</a:t>
+                </a:r>
+                <a:r>
+                  <a:rPr lang="en-US" dirty="0" smtClean="0"/>
+                  <a:t> </a:t>
+                </a:r>
+                <a:r>
+                  <a:rPr lang="en-US" dirty="0" err="1" smtClean="0"/>
+                  <a:t>gaussiene</a:t>
+                </a:r>
+                <a:r>
+                  <a:rPr lang="en-US" dirty="0" smtClean="0"/>
+                  <a:t>, </a:t>
+                </a:r>
+                <a:r>
+                  <a:rPr lang="en-US" dirty="0" err="1" smtClean="0"/>
+                  <a:t>vom</a:t>
+                </a:r>
+                <a:r>
+                  <a:rPr lang="en-US" dirty="0" smtClean="0"/>
+                  <a:t> </a:t>
+                </a:r>
+                <a:r>
+                  <a:rPr lang="en-US" dirty="0" err="1" smtClean="0"/>
+                  <a:t>putea</a:t>
+                </a:r>
+                <a:r>
+                  <a:rPr lang="en-US" dirty="0" smtClean="0"/>
+                  <a:t> </a:t>
+                </a:r>
+                <a:r>
+                  <a:rPr lang="en-US" dirty="0" err="1" smtClean="0"/>
+                  <a:t>estima</a:t>
+                </a:r>
+                <a:r>
+                  <a:rPr lang="en-US" dirty="0" smtClean="0"/>
+                  <a:t> </a:t>
+                </a:r>
+                <a:r>
+                  <a:rPr lang="en-US" dirty="0" err="1" smtClean="0"/>
+                  <a:t>matricea</a:t>
+                </a:r>
+                <a:r>
+                  <a:rPr lang="en-US" dirty="0" smtClean="0"/>
+                  <a:t> </a:t>
+                </a:r>
+                <a14:m>
+                  <m:oMath xmlns:m="http://schemas.openxmlformats.org/officeDocument/2006/math">
+                    <m:r>
+                      <a:rPr lang="en-US" b="0" i="1" smtClean="0">
+                        <a:latin typeface="Cambria Math" panose="02040503050406030204" pitchFamily="18" charset="0"/>
+                      </a:rPr>
+                      <m:t>𝐴</m:t>
+                    </m:r>
+                  </m:oMath>
+                </a14:m>
+                <a:r>
+                  <a:rPr lang="en-US" dirty="0" smtClean="0"/>
+                  <a:t> </a:t>
+                </a:r>
+                <a:r>
+                  <a:rPr lang="en-US" dirty="0" err="1" smtClean="0"/>
+                  <a:t>doar</a:t>
+                </a:r>
+                <a:r>
+                  <a:rPr lang="en-US" dirty="0" smtClean="0"/>
+                  <a:t> </a:t>
+                </a:r>
+                <a:r>
+                  <a:rPr lang="en-US" dirty="0" err="1" smtClean="0"/>
+                  <a:t>pana</a:t>
+                </a:r>
+                <a:r>
+                  <a:rPr lang="en-US" dirty="0" smtClean="0"/>
+                  <a:t> la o </a:t>
+                </a:r>
+                <a:r>
+                  <a:rPr lang="en-US" dirty="0" err="1" smtClean="0"/>
+                  <a:t>transformare</a:t>
+                </a:r>
+                <a:r>
+                  <a:rPr lang="en-US" dirty="0" smtClean="0"/>
+                  <a:t> </a:t>
+                </a:r>
+                <a:r>
+                  <a:rPr lang="en-US" dirty="0" err="1" smtClean="0"/>
+                  <a:t>ortonormala</a:t>
+                </a:r>
+                <a:r>
+                  <a:rPr lang="en-US" dirty="0" smtClean="0"/>
+                  <a:t>, </a:t>
+                </a:r>
+                <a:r>
+                  <a:rPr lang="en-US" dirty="0" err="1" smtClean="0"/>
+                  <a:t>iar</a:t>
+                </a:r>
+                <a:r>
+                  <a:rPr lang="en-US" dirty="0" smtClean="0"/>
+                  <a:t> </a:t>
+                </a:r>
+                <a:r>
+                  <a:rPr lang="en-US" dirty="0" err="1" smtClean="0"/>
+                  <a:t>apoi</a:t>
+                </a:r>
+                <a:r>
+                  <a:rPr lang="en-US" dirty="0" smtClean="0"/>
+                  <a:t>, ca </a:t>
+                </a:r>
+                <a:r>
+                  <a:rPr lang="en-US" dirty="0" err="1" smtClean="0"/>
+                  <a:t>mai</a:t>
+                </a:r>
+                <a:r>
+                  <a:rPr lang="en-US" dirty="0" smtClean="0"/>
+                  <a:t> </a:t>
+                </a:r>
+                <a:r>
+                  <a:rPr lang="en-US" dirty="0" err="1" smtClean="0"/>
+                  <a:t>inainte</a:t>
+                </a:r>
+                <a:r>
+                  <a:rPr lang="en-US" dirty="0" smtClean="0"/>
+                  <a:t>, </a:t>
+                </a:r>
+                <a:r>
+                  <a:rPr lang="en-US" dirty="0" err="1" smtClean="0"/>
+                  <a:t>distributia</a:t>
+                </a:r>
+                <a:r>
+                  <a:rPr lang="en-US" dirty="0" smtClean="0"/>
+                  <a:t> </a:t>
+                </a:r>
+                <a:r>
+                  <a:rPr lang="en-US" dirty="0" err="1" smtClean="0"/>
+                  <a:t>fiind</a:t>
+                </a:r>
+                <a:r>
+                  <a:rPr lang="en-US" dirty="0" smtClean="0"/>
+                  <a:t> </a:t>
+                </a:r>
+                <a:r>
+                  <a:rPr lang="en-US" dirty="0" err="1" smtClean="0"/>
+                  <a:t>gaussiana</a:t>
+                </a:r>
+                <a:r>
+                  <a:rPr lang="en-US" dirty="0" smtClean="0"/>
+                  <a:t>, nu </a:t>
+                </a:r>
+                <a:r>
+                  <a:rPr lang="en-US" dirty="0" err="1" smtClean="0"/>
+                  <a:t>putem</a:t>
+                </a:r>
+                <a:r>
+                  <a:rPr lang="en-US" dirty="0" smtClean="0"/>
+                  <a:t> </a:t>
+                </a:r>
+                <a:r>
+                  <a:rPr lang="en-US" dirty="0" err="1" smtClean="0"/>
+                  <a:t>aproxima</a:t>
+                </a:r>
+                <a:r>
+                  <a:rPr lang="en-US" dirty="0" smtClean="0"/>
+                  <a:t> </a:t>
+                </a:r>
+                <a:r>
+                  <a:rPr lang="en-US" dirty="0" err="1" smtClean="0"/>
+                  <a:t>directiile</a:t>
+                </a:r>
+                <a:r>
+                  <a:rPr lang="en-US" dirty="0" smtClean="0"/>
+                  <a:t> </a:t>
+                </a:r>
+                <a:r>
+                  <a:rPr lang="en-US" dirty="0" err="1" smtClean="0"/>
+                  <a:t>coloanelor</a:t>
+                </a:r>
+                <a:r>
+                  <a:rPr lang="en-US" dirty="0" smtClean="0"/>
+                  <a:t> </a:t>
+                </a:r>
+                <a:r>
+                  <a:rPr lang="en-US" dirty="0" err="1" smtClean="0"/>
+                  <a:t>lui</a:t>
+                </a:r>
+                <a:r>
+                  <a:rPr lang="en-US" dirty="0" smtClean="0"/>
+                  <a:t> </a:t>
+                </a:r>
+                <a14:m>
+                  <m:oMath xmlns:m="http://schemas.openxmlformats.org/officeDocument/2006/math">
+                    <m:r>
+                      <a:rPr lang="en-US" b="0" i="1" smtClean="0">
+                        <a:latin typeface="Cambria Math" panose="02040503050406030204" pitchFamily="18" charset="0"/>
+                      </a:rPr>
+                      <m:t>𝐴</m:t>
+                    </m:r>
+                  </m:oMath>
+                </a14:m>
+                <a:r>
+                  <a:rPr lang="en-US" dirty="0" smtClean="0"/>
+                  <a:t>.</a:t>
+                </a:r>
+                <a:endParaRPr lang="en-US" dirty="0"/>
+              </a:p>
+            </p:txBody>
+          </p:sp>
+        </mc:Choice>
+        <mc:Fallback>
+          <p:sp>
+            <p:nvSpPr>
+              <p:cNvPr id="6" name="TextBox 5"/>
+              <p:cNvSpPr txBox="1">
+                <a:spLocks noRot="1" noChangeAspect="1" noMove="1" noResize="1" noEditPoints="1" noAdjustHandles="1" noChangeArrowheads="1" noChangeShapeType="1" noTextEdit="1"/>
+              </p:cNvSpPr>
+              <p:nvPr/>
+            </p:nvSpPr>
+            <p:spPr>
+              <a:xfrm>
+                <a:off x="261257" y="4894217"/>
+                <a:ext cx="11669486" cy="1477328"/>
+              </a:xfrm>
+              <a:prstGeom prst="rect">
+                <a:avLst/>
+              </a:prstGeom>
+              <a:blipFill rotWithShape="0">
+                <a:blip r:embed="rId3"/>
+                <a:stretch>
+                  <a:fillRect l="-470" t="-2479" b="-5785"/>
+                </a:stretch>
+              </a:blipFill>
+            </p:spPr>
+            <p:txBody>
+              <a:bodyPr/>
+              <a:lstStyle/>
+              <a:p>
+                <a:r>
+                  <a:rPr lang="en-US">
+                    <a:noFill/>
+                  </a:rPr>
+                  <a:t> </a:t>
+                </a:r>
+              </a:p>
+            </p:txBody>
+          </p:sp>
+        </mc:Fallback>
+      </mc:AlternateContent>
+    </p:spTree>
+    <p:extLst>
+      <p:ext uri="{BB962C8B-B14F-4D97-AF65-F5344CB8AC3E}">
+        <p14:creationId xmlns:p14="http://schemas.microsoft.com/office/powerpoint/2010/main" val="2283343980"/>
+      </p:ext>
+    </p:extLst>
+  </p:cSld>
+  <p:clrMapOvr>
+    <a:masterClrMapping/>
+  </p:clrMapOvr>
+</p:sld>
+</file>
+
+<file path=ppt/slides/slide8.xml><?xml version="1.0" encoding="utf-8"?>
+<p:sld xmlns:a="http://schemas.openxmlformats.org/drawingml/2006/main" xmlns:r="http://schemas.openxmlformats.org/officeDocument/2006/relationships" xmlns:p="http://schemas.openxmlformats.org/presentationml/2006/main">
+  <p:cSld>
+    <p:spTree>
+      <p:nvGrpSpPr>
+        <p:cNvPr id="1" name=""/>
+        <p:cNvGrpSpPr/>
+        <p:nvPr/>
+      </p:nvGrpSpPr>
+      <p:grpSpPr>
+        <a:xfrm>
+          <a:off x="0" y="0"/>
+          <a:ext cx="0" cy="0"/>
+          <a:chOff x="0" y="0"/>
+          <a:chExt cx="0" cy="0"/>
+        </a:xfrm>
+      </p:grpSpPr>
+      <p:sp>
+        <p:nvSpPr>
+          <p:cNvPr id="2" name="Title 1"/>
+          <p:cNvSpPr>
+            <a:spLocks noGrp="1"/>
+          </p:cNvSpPr>
+          <p:nvPr>
+            <p:ph type="title"/>
+          </p:nvPr>
+        </p:nvSpPr>
+        <p:spPr/>
+        <p:txBody>
+          <a:bodyPr/>
+          <a:lstStyle/>
+          <a:p>
+            <a:pPr algn="ctr"/>
+            <a:r>
+              <a:rPr lang="en-US" b="1" dirty="0" err="1" smtClean="0"/>
+              <a:t>Limitari</a:t>
+            </a:r>
+            <a:r>
+              <a:rPr lang="en-US" b="1" dirty="0" smtClean="0"/>
+              <a:t> ale ICA</a:t>
+            </a:r>
+            <a:endParaRPr lang="en-US" b="1" dirty="0"/>
+          </a:p>
+        </p:txBody>
+      </p:sp>
+      <mc:AlternateContent xmlns:mc="http://schemas.openxmlformats.org/markup-compatibility/2006">
+        <mc:Choice xmlns:a14="http://schemas.microsoft.com/office/drawing/2010/main" Requires="a14">
+          <p:sp>
+            <p:nvSpPr>
+              <p:cNvPr id="3" name="Content Placeholder 2"/>
+              <p:cNvSpPr>
+                <a:spLocks noGrp="1"/>
+              </p:cNvSpPr>
+              <p:nvPr>
+                <p:ph idx="1"/>
+              </p:nvPr>
+            </p:nvSpPr>
+            <p:spPr/>
+            <p:txBody>
+              <a:bodyPr/>
+              <a:lstStyle/>
+              <a:p>
+                <a:pPr marL="514350" indent="-514350">
+                  <a:buFont typeface="+mj-lt"/>
+                  <a:buAutoNum type="arabicPeriod"/>
+                </a:pPr>
+                <a:r>
+                  <a:rPr lang="en-US" dirty="0" smtClean="0"/>
+                  <a:t>Avem </a:t>
+                </a:r>
+                <a:r>
+                  <a:rPr lang="en-US" dirty="0" err="1" smtClean="0"/>
+                  <a:t>nevoie</a:t>
+                </a:r>
+                <a:r>
+                  <a:rPr lang="en-US" dirty="0" smtClean="0"/>
+                  <a:t> de </a:t>
+                </a:r>
+                <a:r>
+                  <a:rPr lang="en-US" dirty="0" err="1" smtClean="0"/>
+                  <a:t>atatea</a:t>
+                </a:r>
+                <a:r>
+                  <a:rPr lang="en-US" dirty="0" smtClean="0"/>
+                  <a:t> </a:t>
+                </a:r>
+                <a:r>
+                  <a:rPr lang="en-US" dirty="0" err="1" smtClean="0"/>
+                  <a:t>semnale</a:t>
+                </a:r>
+                <a:r>
+                  <a:rPr lang="en-US" dirty="0" smtClean="0"/>
+                  <a:t> </a:t>
+                </a:r>
+                <a:r>
+                  <a:rPr lang="en-US" dirty="0" err="1" smtClean="0"/>
+                  <a:t>inregristrate</a:t>
+                </a:r>
+                <a:r>
+                  <a:rPr lang="en-US" dirty="0" smtClean="0"/>
+                  <a:t> </a:t>
+                </a:r>
+                <a:r>
+                  <a:rPr lang="en-US" dirty="0" err="1" smtClean="0"/>
+                  <a:t>pe</a:t>
+                </a:r>
+                <a:r>
+                  <a:rPr lang="en-US" dirty="0" smtClean="0"/>
+                  <a:t> cate </a:t>
+                </a:r>
+                <a:r>
+                  <a:rPr lang="en-US" dirty="0" err="1" smtClean="0"/>
+                  <a:t>semnale</a:t>
+                </a:r>
+                <a:r>
+                  <a:rPr lang="en-US" dirty="0" smtClean="0"/>
+                  <a:t> </a:t>
+                </a:r>
+                <a:r>
+                  <a:rPr lang="en-US" dirty="0" err="1" smtClean="0"/>
+                  <a:t>vrem</a:t>
+                </a:r>
+                <a:r>
+                  <a:rPr lang="en-US" dirty="0" smtClean="0"/>
+                  <a:t> </a:t>
+                </a:r>
+                <a:r>
+                  <a:rPr lang="en-US" dirty="0" err="1" smtClean="0"/>
+                  <a:t>sa</a:t>
+                </a:r>
+                <a:r>
+                  <a:rPr lang="en-US" dirty="0" smtClean="0"/>
+                  <a:t> </a:t>
+                </a:r>
+                <a:r>
+                  <a:rPr lang="en-US" dirty="0" err="1" smtClean="0"/>
+                  <a:t>recuperam</a:t>
+                </a:r>
+                <a:r>
+                  <a:rPr lang="en-US" dirty="0" smtClean="0"/>
+                  <a:t>.</a:t>
+                </a:r>
+              </a:p>
+              <a:p>
+                <a:pPr marL="514350" indent="-514350">
+                  <a:buFont typeface="+mj-lt"/>
+                  <a:buAutoNum type="arabicPeriod"/>
+                </a:pPr>
+                <a:r>
+                  <a:rPr lang="en-US" dirty="0" smtClean="0"/>
+                  <a:t>Nu </a:t>
+                </a:r>
+                <a:r>
+                  <a:rPr lang="en-US" dirty="0" err="1" smtClean="0"/>
+                  <a:t>putem</a:t>
+                </a:r>
+                <a:r>
+                  <a:rPr lang="en-US" dirty="0" smtClean="0"/>
+                  <a:t> </a:t>
+                </a:r>
+                <a:r>
+                  <a:rPr lang="en-US" dirty="0" err="1" smtClean="0"/>
+                  <a:t>determina</a:t>
+                </a:r>
+                <a:r>
+                  <a:rPr lang="en-US" dirty="0" smtClean="0"/>
+                  <a:t> </a:t>
+                </a:r>
+                <a:r>
+                  <a:rPr lang="en-US" dirty="0" err="1" smtClean="0"/>
+                  <a:t>magnitudinile</a:t>
+                </a:r>
+                <a:r>
+                  <a:rPr lang="en-US" dirty="0" smtClean="0"/>
+                  <a:t> </a:t>
+                </a:r>
+                <a:r>
+                  <a:rPr lang="en-US" dirty="0" err="1" smtClean="0"/>
+                  <a:t>componentelor</a:t>
+                </a:r>
+                <a:r>
+                  <a:rPr lang="en-US" dirty="0" smtClean="0"/>
+                  <a:t> </a:t>
+                </a:r>
+                <a:r>
+                  <a:rPr lang="en-US" dirty="0" err="1" smtClean="0"/>
+                  <a:t>independente</a:t>
+                </a:r>
+                <a:r>
+                  <a:rPr lang="en-US" dirty="0" smtClean="0"/>
+                  <a:t>: </a:t>
+                </a:r>
+                <a:r>
+                  <a:rPr lang="en-US" dirty="0" err="1" smtClean="0"/>
+                  <a:t>acest</a:t>
+                </a:r>
+                <a:r>
+                  <a:rPr lang="en-US" dirty="0" smtClean="0"/>
+                  <a:t> </a:t>
+                </a:r>
+                <a:r>
+                  <a:rPr lang="en-US" dirty="0" err="1" smtClean="0"/>
+                  <a:t>lucru</a:t>
+                </a:r>
+                <a:r>
+                  <a:rPr lang="en-US" dirty="0" smtClean="0"/>
+                  <a:t> se </a:t>
+                </a:r>
+                <a:r>
+                  <a:rPr lang="en-US" dirty="0" err="1" smtClean="0"/>
+                  <a:t>datoreaza</a:t>
+                </a:r>
+                <a:r>
+                  <a:rPr lang="en-US" dirty="0" smtClean="0"/>
+                  <a:t> </a:t>
+                </a:r>
+                <a:r>
+                  <a:rPr lang="en-US" dirty="0" err="1" smtClean="0"/>
+                  <a:t>faptului</a:t>
+                </a:r>
+                <a:r>
+                  <a:rPr lang="en-US" dirty="0" smtClean="0"/>
+                  <a:t> ca, </a:t>
+                </a:r>
+                <a:r>
+                  <a:rPr lang="en-US" dirty="0" err="1" smtClean="0"/>
+                  <a:t>atat</a:t>
+                </a:r>
+                <a:r>
+                  <a:rPr lang="en-US" dirty="0" smtClean="0"/>
+                  <a:t> </a:t>
+                </a:r>
+                <a14:m>
+                  <m:oMath xmlns:m="http://schemas.openxmlformats.org/officeDocument/2006/math">
+                    <m:r>
+                      <a:rPr lang="en-US" b="0" i="1" smtClean="0">
+                        <a:latin typeface="Cambria Math" panose="02040503050406030204" pitchFamily="18" charset="0"/>
+                      </a:rPr>
+                      <m:t>𝑠</m:t>
+                    </m:r>
+                  </m:oMath>
+                </a14:m>
+                <a:r>
+                  <a:rPr lang="en-US" dirty="0" smtClean="0"/>
+                  <a:t> cat </a:t>
+                </a:r>
+                <a:r>
+                  <a:rPr lang="en-US" dirty="0" err="1" smtClean="0"/>
+                  <a:t>si</a:t>
+                </a:r>
+                <a:r>
+                  <a:rPr lang="en-US" dirty="0" smtClean="0"/>
+                  <a:t> </a:t>
+                </a:r>
+                <a14:m>
+                  <m:oMath xmlns:m="http://schemas.openxmlformats.org/officeDocument/2006/math">
+                    <m:r>
+                      <a:rPr lang="en-US" b="0" i="1" smtClean="0">
+                        <a:latin typeface="Cambria Math" panose="02040503050406030204" pitchFamily="18" charset="0"/>
+                      </a:rPr>
+                      <m:t>𝐴</m:t>
+                    </m:r>
+                  </m:oMath>
+                </a14:m>
+                <a:r>
+                  <a:rPr lang="en-US" dirty="0" smtClean="0"/>
+                  <a:t> </a:t>
+                </a:r>
+                <a:r>
+                  <a:rPr lang="en-US" dirty="0" err="1" smtClean="0"/>
+                  <a:t>sunt</a:t>
+                </a:r>
+                <a:r>
+                  <a:rPr lang="en-US" dirty="0" smtClean="0"/>
+                  <a:t> </a:t>
+                </a:r>
+                <a:r>
+                  <a:rPr lang="en-US" dirty="0" err="1" smtClean="0"/>
+                  <a:t>necunoscute</a:t>
+                </a:r>
+                <a:r>
+                  <a:rPr lang="en-US" dirty="0" smtClean="0"/>
+                  <a:t>, </a:t>
+                </a:r>
+                <a:r>
+                  <a:rPr lang="en-US" dirty="0" err="1" smtClean="0"/>
+                  <a:t>orice</a:t>
+                </a:r>
+                <a:r>
+                  <a:rPr lang="en-US" dirty="0" smtClean="0"/>
+                  <a:t> </a:t>
+                </a:r>
+                <a:r>
+                  <a:rPr lang="en-US" dirty="0" err="1" smtClean="0"/>
+                  <a:t>multiplicator</a:t>
+                </a:r>
+                <a:r>
+                  <a:rPr lang="en-US" dirty="0" smtClean="0"/>
+                  <a:t> al </a:t>
+                </a:r>
+                <a:r>
+                  <a:rPr lang="en-US" dirty="0" err="1" smtClean="0"/>
+                  <a:t>surselor</a:t>
+                </a:r>
+                <a:r>
+                  <a:rPr lang="en-US" dirty="0" smtClean="0"/>
+                  <a:t> </a:t>
+                </a:r>
+                <a14:m>
+                  <m:oMath xmlns:m="http://schemas.openxmlformats.org/officeDocument/2006/math">
+                    <m:sSub>
+                      <m:sSubPr>
+                        <m:ctrlPr>
+                          <a:rPr lang="en-US" b="0" i="1" smtClean="0">
+                            <a:latin typeface="Cambria Math" panose="02040503050406030204" pitchFamily="18" charset="0"/>
+                          </a:rPr>
+                        </m:ctrlPr>
+                      </m:sSubPr>
+                      <m:e>
+                        <m:r>
+                          <a:rPr lang="en-US" b="0" i="1" smtClean="0">
+                            <a:latin typeface="Cambria Math" panose="02040503050406030204" pitchFamily="18" charset="0"/>
+                          </a:rPr>
+                          <m:t>𝑠</m:t>
+                        </m:r>
+                      </m:e>
+                      <m:sub>
+                        <m:r>
+                          <a:rPr lang="en-US" b="0" i="1" smtClean="0">
+                            <a:latin typeface="Cambria Math" panose="02040503050406030204" pitchFamily="18" charset="0"/>
+                          </a:rPr>
+                          <m:t>𝑖</m:t>
+                        </m:r>
+                      </m:sub>
+                    </m:sSub>
+                  </m:oMath>
+                </a14:m>
+                <a:r>
+                  <a:rPr lang="en-US" dirty="0" smtClean="0"/>
                   <a:t> </a:t>
                 </a:r>
                 <a:r>
@@ -7927,7 +9368,7 @@
 </p:sld>
 </file>
 
-<file path=ppt/slides/slide7.xml><?xml version="1.0" encoding="utf-8"?>
+<file path=ppt/slides/slide9.xml><?xml version="1.0" encoding="utf-8"?>
 <p:sld xmlns:a="http://schemas.openxmlformats.org/drawingml/2006/main" xmlns:r="http://schemas.openxmlformats.org/officeDocument/2006/relationships" xmlns:p="http://schemas.openxmlformats.org/presentationml/2006/main">
   <p:cSld>
     <p:spTree>
@@ -9175,73 +10616,6 @@
     <p:extLst>
       <p:ext uri="{BB962C8B-B14F-4D97-AF65-F5344CB8AC3E}">
         <p14:creationId xmlns:p14="http://schemas.microsoft.com/office/powerpoint/2010/main" val="3765993190"/>
-      </p:ext>
-    </p:extLst>
-  </p:cSld>
-  <p:clrMapOvr>
-    <a:masterClrMapping/>
-  </p:clrMapOvr>
-</p:sld>
-</file>
-
-<file path=ppt/slides/slide8.xml><?xml version="1.0" encoding="utf-8"?>
-<p:sld xmlns:a="http://schemas.openxmlformats.org/drawingml/2006/main" xmlns:r="http://schemas.openxmlformats.org/officeDocument/2006/relationships" xmlns:p="http://schemas.openxmlformats.org/presentationml/2006/main">
-  <p:cSld>
-    <p:spTree>
-      <p:nvGrpSpPr>
-        <p:cNvPr id="1" name=""/>
-        <p:cNvGrpSpPr/>
-        <p:nvPr/>
-      </p:nvGrpSpPr>
-      <p:grpSpPr>
-        <a:xfrm>
-          <a:off x="0" y="0"/>
-          <a:ext cx="0" cy="0"/>
-          <a:chOff x="0" y="0"/>
-          <a:chExt cx="0" cy="0"/>
-        </a:xfrm>
-      </p:grpSpPr>
-      <p:sp>
-        <p:nvSpPr>
-          <p:cNvPr id="7" name="Title 6">
-            <a:extLst>
-              <a:ext uri="{FF2B5EF4-FFF2-40B4-BE49-F238E27FC236}">
-                <a16:creationId xmlns:a16="http://schemas.microsoft.com/office/drawing/2014/main" xmlns="" id="{8AB8EB34-892F-4494-9C40-44F74E78102D}"/>
-              </a:ext>
-            </a:extLst>
-          </p:cNvPr>
-          <p:cNvSpPr>
-            <a:spLocks noGrp="1"/>
-          </p:cNvSpPr>
-          <p:nvPr>
-            <p:ph type="title"/>
-          </p:nvPr>
-        </p:nvSpPr>
-        <p:spPr>
-          <a:xfrm>
-            <a:off x="838200" y="2766218"/>
-            <a:ext cx="10515600" cy="1325563"/>
-          </a:xfrm>
-        </p:spPr>
-        <p:txBody>
-          <a:bodyPr>
-            <a:normAutofit/>
-          </a:bodyPr>
-          <a:lstStyle/>
-          <a:p>
-            <a:pPr algn="ctr"/>
-            <a:r>
-              <a:rPr lang="en-US" sz="6600" b="1" dirty="0" err="1"/>
-              <a:t>Exemple</a:t>
-            </a:r>
-            <a:endParaRPr lang="en-US" sz="6600" b="1" dirty="0"/>
-          </a:p>
-        </p:txBody>
-      </p:sp>
-    </p:spTree>
-    <p:extLst>
-      <p:ext uri="{BB962C8B-B14F-4D97-AF65-F5344CB8AC3E}">
-        <p14:creationId xmlns:p14="http://schemas.microsoft.com/office/powerpoint/2010/main" val="3897564382"/>
       </p:ext>
     </p:extLst>
   </p:cSld>

--- a/documentatie/prezentare.pptx
+++ b/documentatie/prezentare.pptx
@@ -206,7 +206,7 @@
           <a:p>
             <a:fld id="{79898B34-DB72-4EC0-9230-DB5042BB3EB5}" type="datetimeFigureOut">
               <a:rPr lang="en-US" smtClean="0"/>
-              <a:t>6/4/2018</a:t>
+              <a:t>27-Jun-18</a:t>
             </a:fld>
             <a:endParaRPr lang="en-US"/>
           </a:p>
@@ -579,7 +579,7 @@
           <p:cNvPr id="2" name="Title 1">
             <a:extLst>
               <a:ext uri="{FF2B5EF4-FFF2-40B4-BE49-F238E27FC236}">
-                <a16:creationId xmlns:a16="http://schemas.microsoft.com/office/drawing/2014/main" xmlns="" id="{7B9E3CF1-7C20-4A45-9ED4-E1BB64E3CAD6}"/>
+                <a16:creationId xmlns:a16="http://schemas.microsoft.com/office/drawing/2014/main" id="{7B9E3CF1-7C20-4A45-9ED4-E1BB64E3CAD6}"/>
               </a:ext>
             </a:extLst>
           </p:cNvPr>
@@ -616,7 +616,7 @@
           <p:cNvPr id="3" name="Subtitle 2">
             <a:extLst>
               <a:ext uri="{FF2B5EF4-FFF2-40B4-BE49-F238E27FC236}">
-                <a16:creationId xmlns:a16="http://schemas.microsoft.com/office/drawing/2014/main" xmlns="" id="{9AB8D14F-4E69-44E2-9A85-E4396B858EEE}"/>
+                <a16:creationId xmlns:a16="http://schemas.microsoft.com/office/drawing/2014/main" id="{9AB8D14F-4E69-44E2-9A85-E4396B858EEE}"/>
               </a:ext>
             </a:extLst>
           </p:cNvPr>
@@ -686,7 +686,7 @@
           <p:cNvPr id="4" name="Date Placeholder 3">
             <a:extLst>
               <a:ext uri="{FF2B5EF4-FFF2-40B4-BE49-F238E27FC236}">
-                <a16:creationId xmlns:a16="http://schemas.microsoft.com/office/drawing/2014/main" xmlns="" id="{3F6F0A29-AE56-40F2-8108-5F1BA31A4D78}"/>
+                <a16:creationId xmlns:a16="http://schemas.microsoft.com/office/drawing/2014/main" id="{3F6F0A29-AE56-40F2-8108-5F1BA31A4D78}"/>
               </a:ext>
             </a:extLst>
           </p:cNvPr>
@@ -704,7 +704,7 @@
           <a:p>
             <a:fld id="{2D9985BB-865C-428D-AC2C-ED149ADFC824}" type="datetimeFigureOut">
               <a:rPr lang="en-US" smtClean="0"/>
-              <a:t>6/4/2018</a:t>
+              <a:t>27-Jun-18</a:t>
             </a:fld>
             <a:endParaRPr lang="en-US"/>
           </a:p>
@@ -715,7 +715,7 @@
           <p:cNvPr id="5" name="Footer Placeholder 4">
             <a:extLst>
               <a:ext uri="{FF2B5EF4-FFF2-40B4-BE49-F238E27FC236}">
-                <a16:creationId xmlns:a16="http://schemas.microsoft.com/office/drawing/2014/main" xmlns="" id="{1BFEA6B6-739A-47C2-9A35-58BCD39BB69C}"/>
+                <a16:creationId xmlns:a16="http://schemas.microsoft.com/office/drawing/2014/main" id="{1BFEA6B6-739A-47C2-9A35-58BCD39BB69C}"/>
               </a:ext>
             </a:extLst>
           </p:cNvPr>
@@ -740,7 +740,7 @@
           <p:cNvPr id="6" name="Slide Number Placeholder 5">
             <a:extLst>
               <a:ext uri="{FF2B5EF4-FFF2-40B4-BE49-F238E27FC236}">
-                <a16:creationId xmlns:a16="http://schemas.microsoft.com/office/drawing/2014/main" xmlns="" id="{DA7395C5-E9CE-4384-AEF1-EB3EE492CB2D}"/>
+                <a16:creationId xmlns:a16="http://schemas.microsoft.com/office/drawing/2014/main" id="{DA7395C5-E9CE-4384-AEF1-EB3EE492CB2D}"/>
               </a:ext>
             </a:extLst>
           </p:cNvPr>
@@ -799,7 +799,7 @@
           <p:cNvPr id="2" name="Title 1">
             <a:extLst>
               <a:ext uri="{FF2B5EF4-FFF2-40B4-BE49-F238E27FC236}">
-                <a16:creationId xmlns:a16="http://schemas.microsoft.com/office/drawing/2014/main" xmlns="" id="{BA53B6AF-007F-46B8-8CFB-8F772F862E28}"/>
+                <a16:creationId xmlns:a16="http://schemas.microsoft.com/office/drawing/2014/main" id="{BA53B6AF-007F-46B8-8CFB-8F772F862E28}"/>
               </a:ext>
             </a:extLst>
           </p:cNvPr>
@@ -827,7 +827,7 @@
           <p:cNvPr id="3" name="Vertical Text Placeholder 2">
             <a:extLst>
               <a:ext uri="{FF2B5EF4-FFF2-40B4-BE49-F238E27FC236}">
-                <a16:creationId xmlns:a16="http://schemas.microsoft.com/office/drawing/2014/main" xmlns="" id="{93BAE08B-F0A3-4EBE-828F-281CDCFB408B}"/>
+                <a16:creationId xmlns:a16="http://schemas.microsoft.com/office/drawing/2014/main" id="{93BAE08B-F0A3-4EBE-828F-281CDCFB408B}"/>
               </a:ext>
             </a:extLst>
           </p:cNvPr>
@@ -884,7 +884,7 @@
           <p:cNvPr id="4" name="Date Placeholder 3">
             <a:extLst>
               <a:ext uri="{FF2B5EF4-FFF2-40B4-BE49-F238E27FC236}">
-                <a16:creationId xmlns:a16="http://schemas.microsoft.com/office/drawing/2014/main" xmlns="" id="{13CD550B-C399-4FD0-9A45-37AA3A880D7B}"/>
+                <a16:creationId xmlns:a16="http://schemas.microsoft.com/office/drawing/2014/main" id="{13CD550B-C399-4FD0-9A45-37AA3A880D7B}"/>
               </a:ext>
             </a:extLst>
           </p:cNvPr>
@@ -902,7 +902,7 @@
           <a:p>
             <a:fld id="{2D9985BB-865C-428D-AC2C-ED149ADFC824}" type="datetimeFigureOut">
               <a:rPr lang="en-US" smtClean="0"/>
-              <a:t>6/4/2018</a:t>
+              <a:t>27-Jun-18</a:t>
             </a:fld>
             <a:endParaRPr lang="en-US"/>
           </a:p>
@@ -913,7 +913,7 @@
           <p:cNvPr id="5" name="Footer Placeholder 4">
             <a:extLst>
               <a:ext uri="{FF2B5EF4-FFF2-40B4-BE49-F238E27FC236}">
-                <a16:creationId xmlns:a16="http://schemas.microsoft.com/office/drawing/2014/main" xmlns="" id="{8A8B6443-B379-4718-ADD0-78E11DDAA1E6}"/>
+                <a16:creationId xmlns:a16="http://schemas.microsoft.com/office/drawing/2014/main" id="{8A8B6443-B379-4718-ADD0-78E11DDAA1E6}"/>
               </a:ext>
             </a:extLst>
           </p:cNvPr>
@@ -938,7 +938,7 @@
           <p:cNvPr id="6" name="Slide Number Placeholder 5">
             <a:extLst>
               <a:ext uri="{FF2B5EF4-FFF2-40B4-BE49-F238E27FC236}">
-                <a16:creationId xmlns:a16="http://schemas.microsoft.com/office/drawing/2014/main" xmlns="" id="{084AB879-B42B-4FDC-9ABF-0042C9887905}"/>
+                <a16:creationId xmlns:a16="http://schemas.microsoft.com/office/drawing/2014/main" id="{084AB879-B42B-4FDC-9ABF-0042C9887905}"/>
               </a:ext>
             </a:extLst>
           </p:cNvPr>
@@ -997,7 +997,7 @@
           <p:cNvPr id="2" name="Vertical Title 1">
             <a:extLst>
               <a:ext uri="{FF2B5EF4-FFF2-40B4-BE49-F238E27FC236}">
-                <a16:creationId xmlns:a16="http://schemas.microsoft.com/office/drawing/2014/main" xmlns="" id="{598CB061-8CFA-421F-97BE-65B1E4433606}"/>
+                <a16:creationId xmlns:a16="http://schemas.microsoft.com/office/drawing/2014/main" id="{598CB061-8CFA-421F-97BE-65B1E4433606}"/>
               </a:ext>
             </a:extLst>
           </p:cNvPr>
@@ -1030,7 +1030,7 @@
           <p:cNvPr id="3" name="Vertical Text Placeholder 2">
             <a:extLst>
               <a:ext uri="{FF2B5EF4-FFF2-40B4-BE49-F238E27FC236}">
-                <a16:creationId xmlns:a16="http://schemas.microsoft.com/office/drawing/2014/main" xmlns="" id="{95D2C40A-BAEF-4909-B5FB-46AD1EF29036}"/>
+                <a16:creationId xmlns:a16="http://schemas.microsoft.com/office/drawing/2014/main" id="{95D2C40A-BAEF-4909-B5FB-46AD1EF29036}"/>
               </a:ext>
             </a:extLst>
           </p:cNvPr>
@@ -1092,7 +1092,7 @@
           <p:cNvPr id="4" name="Date Placeholder 3">
             <a:extLst>
               <a:ext uri="{FF2B5EF4-FFF2-40B4-BE49-F238E27FC236}">
-                <a16:creationId xmlns:a16="http://schemas.microsoft.com/office/drawing/2014/main" xmlns="" id="{05E79A42-F13F-4DE7-B9C6-1F18EDA40F0D}"/>
+                <a16:creationId xmlns:a16="http://schemas.microsoft.com/office/drawing/2014/main" id="{05E79A42-F13F-4DE7-B9C6-1F18EDA40F0D}"/>
               </a:ext>
             </a:extLst>
           </p:cNvPr>
@@ -1110,7 +1110,7 @@
           <a:p>
             <a:fld id="{2D9985BB-865C-428D-AC2C-ED149ADFC824}" type="datetimeFigureOut">
               <a:rPr lang="en-US" smtClean="0"/>
-              <a:t>6/4/2018</a:t>
+              <a:t>27-Jun-18</a:t>
             </a:fld>
             <a:endParaRPr lang="en-US"/>
           </a:p>
@@ -1121,7 +1121,7 @@
           <p:cNvPr id="5" name="Footer Placeholder 4">
             <a:extLst>
               <a:ext uri="{FF2B5EF4-FFF2-40B4-BE49-F238E27FC236}">
-                <a16:creationId xmlns:a16="http://schemas.microsoft.com/office/drawing/2014/main" xmlns="" id="{58088A79-9AC7-4F14-B6E1-2113D38C013E}"/>
+                <a16:creationId xmlns:a16="http://schemas.microsoft.com/office/drawing/2014/main" id="{58088A79-9AC7-4F14-B6E1-2113D38C013E}"/>
               </a:ext>
             </a:extLst>
           </p:cNvPr>
@@ -1146,7 +1146,7 @@
           <p:cNvPr id="6" name="Slide Number Placeholder 5">
             <a:extLst>
               <a:ext uri="{FF2B5EF4-FFF2-40B4-BE49-F238E27FC236}">
-                <a16:creationId xmlns:a16="http://schemas.microsoft.com/office/drawing/2014/main" xmlns="" id="{D5254E35-1232-4C65-8DED-5102C57C393B}"/>
+                <a16:creationId xmlns:a16="http://schemas.microsoft.com/office/drawing/2014/main" id="{D5254E35-1232-4C65-8DED-5102C57C393B}"/>
               </a:ext>
             </a:extLst>
           </p:cNvPr>
@@ -1205,7 +1205,7 @@
           <p:cNvPr id="2" name="Title 1">
             <a:extLst>
               <a:ext uri="{FF2B5EF4-FFF2-40B4-BE49-F238E27FC236}">
-                <a16:creationId xmlns:a16="http://schemas.microsoft.com/office/drawing/2014/main" xmlns="" id="{76D80941-E7DF-4194-9D6C-0CAFCD459444}"/>
+                <a16:creationId xmlns:a16="http://schemas.microsoft.com/office/drawing/2014/main" id="{76D80941-E7DF-4194-9D6C-0CAFCD459444}"/>
               </a:ext>
             </a:extLst>
           </p:cNvPr>
@@ -1233,7 +1233,7 @@
           <p:cNvPr id="3" name="Content Placeholder 2">
             <a:extLst>
               <a:ext uri="{FF2B5EF4-FFF2-40B4-BE49-F238E27FC236}">
-                <a16:creationId xmlns:a16="http://schemas.microsoft.com/office/drawing/2014/main" xmlns="" id="{074D3F35-9B31-4FEC-8D36-74FDD25A458B}"/>
+                <a16:creationId xmlns:a16="http://schemas.microsoft.com/office/drawing/2014/main" id="{074D3F35-9B31-4FEC-8D36-74FDD25A458B}"/>
               </a:ext>
             </a:extLst>
           </p:cNvPr>
@@ -1290,7 +1290,7 @@
           <p:cNvPr id="4" name="Date Placeholder 3">
             <a:extLst>
               <a:ext uri="{FF2B5EF4-FFF2-40B4-BE49-F238E27FC236}">
-                <a16:creationId xmlns:a16="http://schemas.microsoft.com/office/drawing/2014/main" xmlns="" id="{23D7F438-116B-4A72-85D1-EFE825AA918D}"/>
+                <a16:creationId xmlns:a16="http://schemas.microsoft.com/office/drawing/2014/main" id="{23D7F438-116B-4A72-85D1-EFE825AA918D}"/>
               </a:ext>
             </a:extLst>
           </p:cNvPr>
@@ -1308,7 +1308,7 @@
           <a:p>
             <a:fld id="{2D9985BB-865C-428D-AC2C-ED149ADFC824}" type="datetimeFigureOut">
               <a:rPr lang="en-US" smtClean="0"/>
-              <a:t>6/4/2018</a:t>
+              <a:t>27-Jun-18</a:t>
             </a:fld>
             <a:endParaRPr lang="en-US"/>
           </a:p>
@@ -1319,7 +1319,7 @@
           <p:cNvPr id="5" name="Footer Placeholder 4">
             <a:extLst>
               <a:ext uri="{FF2B5EF4-FFF2-40B4-BE49-F238E27FC236}">
-                <a16:creationId xmlns:a16="http://schemas.microsoft.com/office/drawing/2014/main" xmlns="" id="{250A0063-BADE-4137-B6E5-79F71E53F9FB}"/>
+                <a16:creationId xmlns:a16="http://schemas.microsoft.com/office/drawing/2014/main" id="{250A0063-BADE-4137-B6E5-79F71E53F9FB}"/>
               </a:ext>
             </a:extLst>
           </p:cNvPr>
@@ -1344,7 +1344,7 @@
           <p:cNvPr id="6" name="Slide Number Placeholder 5">
             <a:extLst>
               <a:ext uri="{FF2B5EF4-FFF2-40B4-BE49-F238E27FC236}">
-                <a16:creationId xmlns:a16="http://schemas.microsoft.com/office/drawing/2014/main" xmlns="" id="{A6CD1965-852D-41E4-933F-D11380E1958F}"/>
+                <a16:creationId xmlns:a16="http://schemas.microsoft.com/office/drawing/2014/main" id="{A6CD1965-852D-41E4-933F-D11380E1958F}"/>
               </a:ext>
             </a:extLst>
           </p:cNvPr>
@@ -1403,7 +1403,7 @@
           <p:cNvPr id="2" name="Title 1">
             <a:extLst>
               <a:ext uri="{FF2B5EF4-FFF2-40B4-BE49-F238E27FC236}">
-                <a16:creationId xmlns:a16="http://schemas.microsoft.com/office/drawing/2014/main" xmlns="" id="{1B523E97-611F-4456-BE11-B0BB3FABE617}"/>
+                <a16:creationId xmlns:a16="http://schemas.microsoft.com/office/drawing/2014/main" id="{1B523E97-611F-4456-BE11-B0BB3FABE617}"/>
               </a:ext>
             </a:extLst>
           </p:cNvPr>
@@ -1440,7 +1440,7 @@
           <p:cNvPr id="3" name="Text Placeholder 2">
             <a:extLst>
               <a:ext uri="{FF2B5EF4-FFF2-40B4-BE49-F238E27FC236}">
-                <a16:creationId xmlns:a16="http://schemas.microsoft.com/office/drawing/2014/main" xmlns="" id="{30EB5F56-0FB4-4D48-BDDA-7DAB5C3A033C}"/>
+                <a16:creationId xmlns:a16="http://schemas.microsoft.com/office/drawing/2014/main" id="{30EB5F56-0FB4-4D48-BDDA-7DAB5C3A033C}"/>
               </a:ext>
             </a:extLst>
           </p:cNvPr>
@@ -1565,7 +1565,7 @@
           <p:cNvPr id="4" name="Date Placeholder 3">
             <a:extLst>
               <a:ext uri="{FF2B5EF4-FFF2-40B4-BE49-F238E27FC236}">
-                <a16:creationId xmlns:a16="http://schemas.microsoft.com/office/drawing/2014/main" xmlns="" id="{C046D54C-593B-4B87-8978-2BF35CD07973}"/>
+                <a16:creationId xmlns:a16="http://schemas.microsoft.com/office/drawing/2014/main" id="{C046D54C-593B-4B87-8978-2BF35CD07973}"/>
               </a:ext>
             </a:extLst>
           </p:cNvPr>
@@ -1583,7 +1583,7 @@
           <a:p>
             <a:fld id="{2D9985BB-865C-428D-AC2C-ED149ADFC824}" type="datetimeFigureOut">
               <a:rPr lang="en-US" smtClean="0"/>
-              <a:t>6/4/2018</a:t>
+              <a:t>27-Jun-18</a:t>
             </a:fld>
             <a:endParaRPr lang="en-US"/>
           </a:p>
@@ -1594,7 +1594,7 @@
           <p:cNvPr id="5" name="Footer Placeholder 4">
             <a:extLst>
               <a:ext uri="{FF2B5EF4-FFF2-40B4-BE49-F238E27FC236}">
-                <a16:creationId xmlns:a16="http://schemas.microsoft.com/office/drawing/2014/main" xmlns="" id="{04F7371C-DF10-4090-A8BD-309B8E1AB5D6}"/>
+                <a16:creationId xmlns:a16="http://schemas.microsoft.com/office/drawing/2014/main" id="{04F7371C-DF10-4090-A8BD-309B8E1AB5D6}"/>
               </a:ext>
             </a:extLst>
           </p:cNvPr>
@@ -1619,7 +1619,7 @@
           <p:cNvPr id="6" name="Slide Number Placeholder 5">
             <a:extLst>
               <a:ext uri="{FF2B5EF4-FFF2-40B4-BE49-F238E27FC236}">
-                <a16:creationId xmlns:a16="http://schemas.microsoft.com/office/drawing/2014/main" xmlns="" id="{425F32D9-B54D-4EC9-AF15-1DAD184AAC34}"/>
+                <a16:creationId xmlns:a16="http://schemas.microsoft.com/office/drawing/2014/main" id="{425F32D9-B54D-4EC9-AF15-1DAD184AAC34}"/>
               </a:ext>
             </a:extLst>
           </p:cNvPr>
@@ -1678,7 +1678,7 @@
           <p:cNvPr id="2" name="Title 1">
             <a:extLst>
               <a:ext uri="{FF2B5EF4-FFF2-40B4-BE49-F238E27FC236}">
-                <a16:creationId xmlns:a16="http://schemas.microsoft.com/office/drawing/2014/main" xmlns="" id="{126CA074-40AC-4E19-A4F0-8563CD1EF97F}"/>
+                <a16:creationId xmlns:a16="http://schemas.microsoft.com/office/drawing/2014/main" id="{126CA074-40AC-4E19-A4F0-8563CD1EF97F}"/>
               </a:ext>
             </a:extLst>
           </p:cNvPr>
@@ -1706,7 +1706,7 @@
           <p:cNvPr id="3" name="Content Placeholder 2">
             <a:extLst>
               <a:ext uri="{FF2B5EF4-FFF2-40B4-BE49-F238E27FC236}">
-                <a16:creationId xmlns:a16="http://schemas.microsoft.com/office/drawing/2014/main" xmlns="" id="{DB4EF95B-01C4-4FC8-924C-C1C37201929C}"/>
+                <a16:creationId xmlns:a16="http://schemas.microsoft.com/office/drawing/2014/main" id="{DB4EF95B-01C4-4FC8-924C-C1C37201929C}"/>
               </a:ext>
             </a:extLst>
           </p:cNvPr>
@@ -1768,7 +1768,7 @@
           <p:cNvPr id="4" name="Content Placeholder 3">
             <a:extLst>
               <a:ext uri="{FF2B5EF4-FFF2-40B4-BE49-F238E27FC236}">
-                <a16:creationId xmlns:a16="http://schemas.microsoft.com/office/drawing/2014/main" xmlns="" id="{EDB9ADE9-8A14-4D77-8E6B-A012B6B0BBE9}"/>
+                <a16:creationId xmlns:a16="http://schemas.microsoft.com/office/drawing/2014/main" id="{EDB9ADE9-8A14-4D77-8E6B-A012B6B0BBE9}"/>
               </a:ext>
             </a:extLst>
           </p:cNvPr>
@@ -1830,7 +1830,7 @@
           <p:cNvPr id="5" name="Date Placeholder 4">
             <a:extLst>
               <a:ext uri="{FF2B5EF4-FFF2-40B4-BE49-F238E27FC236}">
-                <a16:creationId xmlns:a16="http://schemas.microsoft.com/office/drawing/2014/main" xmlns="" id="{7BFF1248-4D9A-406E-89EC-9A4AC8CF0B39}"/>
+                <a16:creationId xmlns:a16="http://schemas.microsoft.com/office/drawing/2014/main" id="{7BFF1248-4D9A-406E-89EC-9A4AC8CF0B39}"/>
               </a:ext>
             </a:extLst>
           </p:cNvPr>
@@ -1848,7 +1848,7 @@
           <a:p>
             <a:fld id="{2D9985BB-865C-428D-AC2C-ED149ADFC824}" type="datetimeFigureOut">
               <a:rPr lang="en-US" smtClean="0"/>
-              <a:t>6/4/2018</a:t>
+              <a:t>27-Jun-18</a:t>
             </a:fld>
             <a:endParaRPr lang="en-US"/>
           </a:p>
@@ -1859,7 +1859,7 @@
           <p:cNvPr id="6" name="Footer Placeholder 5">
             <a:extLst>
               <a:ext uri="{FF2B5EF4-FFF2-40B4-BE49-F238E27FC236}">
-                <a16:creationId xmlns:a16="http://schemas.microsoft.com/office/drawing/2014/main" xmlns="" id="{77FC486D-4021-483E-B1BF-9A564B7A7506}"/>
+                <a16:creationId xmlns:a16="http://schemas.microsoft.com/office/drawing/2014/main" id="{77FC486D-4021-483E-B1BF-9A564B7A7506}"/>
               </a:ext>
             </a:extLst>
           </p:cNvPr>
@@ -1884,7 +1884,7 @@
           <p:cNvPr id="7" name="Slide Number Placeholder 6">
             <a:extLst>
               <a:ext uri="{FF2B5EF4-FFF2-40B4-BE49-F238E27FC236}">
-                <a16:creationId xmlns:a16="http://schemas.microsoft.com/office/drawing/2014/main" xmlns="" id="{B348FCEC-89ED-4107-A53D-F45564D06329}"/>
+                <a16:creationId xmlns:a16="http://schemas.microsoft.com/office/drawing/2014/main" id="{B348FCEC-89ED-4107-A53D-F45564D06329}"/>
               </a:ext>
             </a:extLst>
           </p:cNvPr>
@@ -1943,7 +1943,7 @@
           <p:cNvPr id="2" name="Title 1">
             <a:extLst>
               <a:ext uri="{FF2B5EF4-FFF2-40B4-BE49-F238E27FC236}">
-                <a16:creationId xmlns:a16="http://schemas.microsoft.com/office/drawing/2014/main" xmlns="" id="{59F8A835-1B16-401F-8DF0-C7AE1C01711C}"/>
+                <a16:creationId xmlns:a16="http://schemas.microsoft.com/office/drawing/2014/main" id="{59F8A835-1B16-401F-8DF0-C7AE1C01711C}"/>
               </a:ext>
             </a:extLst>
           </p:cNvPr>
@@ -1976,7 +1976,7 @@
           <p:cNvPr id="3" name="Text Placeholder 2">
             <a:extLst>
               <a:ext uri="{FF2B5EF4-FFF2-40B4-BE49-F238E27FC236}">
-                <a16:creationId xmlns:a16="http://schemas.microsoft.com/office/drawing/2014/main" xmlns="" id="{7B489F57-DBD2-4678-9803-42D2AB08D7FB}"/>
+                <a16:creationId xmlns:a16="http://schemas.microsoft.com/office/drawing/2014/main" id="{7B489F57-DBD2-4678-9803-42D2AB08D7FB}"/>
               </a:ext>
             </a:extLst>
           </p:cNvPr>
@@ -2047,7 +2047,7 @@
           <p:cNvPr id="4" name="Content Placeholder 3">
             <a:extLst>
               <a:ext uri="{FF2B5EF4-FFF2-40B4-BE49-F238E27FC236}">
-                <a16:creationId xmlns:a16="http://schemas.microsoft.com/office/drawing/2014/main" xmlns="" id="{9C946359-DB7C-43E6-9A7C-BA9A9AED7FBC}"/>
+                <a16:creationId xmlns:a16="http://schemas.microsoft.com/office/drawing/2014/main" id="{9C946359-DB7C-43E6-9A7C-BA9A9AED7FBC}"/>
               </a:ext>
             </a:extLst>
           </p:cNvPr>
@@ -2109,7 +2109,7 @@
           <p:cNvPr id="5" name="Text Placeholder 4">
             <a:extLst>
               <a:ext uri="{FF2B5EF4-FFF2-40B4-BE49-F238E27FC236}">
-                <a16:creationId xmlns:a16="http://schemas.microsoft.com/office/drawing/2014/main" xmlns="" id="{D89BD704-777E-44F7-A2AE-63AE4848F778}"/>
+                <a16:creationId xmlns:a16="http://schemas.microsoft.com/office/drawing/2014/main" id="{D89BD704-777E-44F7-A2AE-63AE4848F778}"/>
               </a:ext>
             </a:extLst>
           </p:cNvPr>
@@ -2180,7 +2180,7 @@
           <p:cNvPr id="6" name="Content Placeholder 5">
             <a:extLst>
               <a:ext uri="{FF2B5EF4-FFF2-40B4-BE49-F238E27FC236}">
-                <a16:creationId xmlns:a16="http://schemas.microsoft.com/office/drawing/2014/main" xmlns="" id="{699DFBD5-5A25-4689-B4BA-875C862BC17C}"/>
+                <a16:creationId xmlns:a16="http://schemas.microsoft.com/office/drawing/2014/main" id="{699DFBD5-5A25-4689-B4BA-875C862BC17C}"/>
               </a:ext>
             </a:extLst>
           </p:cNvPr>
@@ -2242,7 +2242,7 @@
           <p:cNvPr id="7" name="Date Placeholder 6">
             <a:extLst>
               <a:ext uri="{FF2B5EF4-FFF2-40B4-BE49-F238E27FC236}">
-                <a16:creationId xmlns:a16="http://schemas.microsoft.com/office/drawing/2014/main" xmlns="" id="{A11B92B9-2018-402E-B54C-EF246A86B83C}"/>
+                <a16:creationId xmlns:a16="http://schemas.microsoft.com/office/drawing/2014/main" id="{A11B92B9-2018-402E-B54C-EF246A86B83C}"/>
               </a:ext>
             </a:extLst>
           </p:cNvPr>
@@ -2260,7 +2260,7 @@
           <a:p>
             <a:fld id="{2D9985BB-865C-428D-AC2C-ED149ADFC824}" type="datetimeFigureOut">
               <a:rPr lang="en-US" smtClean="0"/>
-              <a:t>6/4/2018</a:t>
+              <a:t>27-Jun-18</a:t>
             </a:fld>
             <a:endParaRPr lang="en-US"/>
           </a:p>
@@ -2271,7 +2271,7 @@
           <p:cNvPr id="8" name="Footer Placeholder 7">
             <a:extLst>
               <a:ext uri="{FF2B5EF4-FFF2-40B4-BE49-F238E27FC236}">
-                <a16:creationId xmlns:a16="http://schemas.microsoft.com/office/drawing/2014/main" xmlns="" id="{1D841991-DB43-4CA4-8FDF-04339FFD8BAE}"/>
+                <a16:creationId xmlns:a16="http://schemas.microsoft.com/office/drawing/2014/main" id="{1D841991-DB43-4CA4-8FDF-04339FFD8BAE}"/>
               </a:ext>
             </a:extLst>
           </p:cNvPr>
@@ -2296,7 +2296,7 @@
           <p:cNvPr id="9" name="Slide Number Placeholder 8">
             <a:extLst>
               <a:ext uri="{FF2B5EF4-FFF2-40B4-BE49-F238E27FC236}">
-                <a16:creationId xmlns:a16="http://schemas.microsoft.com/office/drawing/2014/main" xmlns="" id="{BE32EBEA-1A29-488C-9EB2-9128F1056C61}"/>
+                <a16:creationId xmlns:a16="http://schemas.microsoft.com/office/drawing/2014/main" id="{BE32EBEA-1A29-488C-9EB2-9128F1056C61}"/>
               </a:ext>
             </a:extLst>
           </p:cNvPr>
@@ -2355,7 +2355,7 @@
           <p:cNvPr id="2" name="Title 1">
             <a:extLst>
               <a:ext uri="{FF2B5EF4-FFF2-40B4-BE49-F238E27FC236}">
-                <a16:creationId xmlns:a16="http://schemas.microsoft.com/office/drawing/2014/main" xmlns="" id="{4162F879-2D38-4F39-B899-8FACB1417CFF}"/>
+                <a16:creationId xmlns:a16="http://schemas.microsoft.com/office/drawing/2014/main" id="{4162F879-2D38-4F39-B899-8FACB1417CFF}"/>
               </a:ext>
             </a:extLst>
           </p:cNvPr>
@@ -2383,7 +2383,7 @@
           <p:cNvPr id="3" name="Date Placeholder 2">
             <a:extLst>
               <a:ext uri="{FF2B5EF4-FFF2-40B4-BE49-F238E27FC236}">
-                <a16:creationId xmlns:a16="http://schemas.microsoft.com/office/drawing/2014/main" xmlns="" id="{08CB0DA1-0A85-4E88-9CBD-D1650D2DEF44}"/>
+                <a16:creationId xmlns:a16="http://schemas.microsoft.com/office/drawing/2014/main" id="{08CB0DA1-0A85-4E88-9CBD-D1650D2DEF44}"/>
               </a:ext>
             </a:extLst>
           </p:cNvPr>
@@ -2401,7 +2401,7 @@
           <a:p>
             <a:fld id="{2D9985BB-865C-428D-AC2C-ED149ADFC824}" type="datetimeFigureOut">
               <a:rPr lang="en-US" smtClean="0"/>
-              <a:t>6/4/2018</a:t>
+              <a:t>27-Jun-18</a:t>
             </a:fld>
             <a:endParaRPr lang="en-US"/>
           </a:p>
@@ -2412,7 +2412,7 @@
           <p:cNvPr id="4" name="Footer Placeholder 3">
             <a:extLst>
               <a:ext uri="{FF2B5EF4-FFF2-40B4-BE49-F238E27FC236}">
-                <a16:creationId xmlns:a16="http://schemas.microsoft.com/office/drawing/2014/main" xmlns="" id="{BE53FE18-164B-44CD-A68C-0E5304BAE2A2}"/>
+                <a16:creationId xmlns:a16="http://schemas.microsoft.com/office/drawing/2014/main" id="{BE53FE18-164B-44CD-A68C-0E5304BAE2A2}"/>
               </a:ext>
             </a:extLst>
           </p:cNvPr>
@@ -2437,7 +2437,7 @@
           <p:cNvPr id="5" name="Slide Number Placeholder 4">
             <a:extLst>
               <a:ext uri="{FF2B5EF4-FFF2-40B4-BE49-F238E27FC236}">
-                <a16:creationId xmlns:a16="http://schemas.microsoft.com/office/drawing/2014/main" xmlns="" id="{CD3B003C-B7C3-41AB-AA5D-DA11989CF8E4}"/>
+                <a16:creationId xmlns:a16="http://schemas.microsoft.com/office/drawing/2014/main" id="{CD3B003C-B7C3-41AB-AA5D-DA11989CF8E4}"/>
               </a:ext>
             </a:extLst>
           </p:cNvPr>
@@ -2496,7 +2496,7 @@
           <p:cNvPr id="2" name="Date Placeholder 1">
             <a:extLst>
               <a:ext uri="{FF2B5EF4-FFF2-40B4-BE49-F238E27FC236}">
-                <a16:creationId xmlns:a16="http://schemas.microsoft.com/office/drawing/2014/main" xmlns="" id="{2795ED3A-F3DA-46E6-B5A0-EA2F0FF81F93}"/>
+                <a16:creationId xmlns:a16="http://schemas.microsoft.com/office/drawing/2014/main" id="{2795ED3A-F3DA-46E6-B5A0-EA2F0FF81F93}"/>
               </a:ext>
             </a:extLst>
           </p:cNvPr>
@@ -2514,7 +2514,7 @@
           <a:p>
             <a:fld id="{2D9985BB-865C-428D-AC2C-ED149ADFC824}" type="datetimeFigureOut">
               <a:rPr lang="en-US" smtClean="0"/>
-              <a:t>6/4/2018</a:t>
+              <a:t>27-Jun-18</a:t>
             </a:fld>
             <a:endParaRPr lang="en-US"/>
           </a:p>
@@ -2525,7 +2525,7 @@
           <p:cNvPr id="3" name="Footer Placeholder 2">
             <a:extLst>
               <a:ext uri="{FF2B5EF4-FFF2-40B4-BE49-F238E27FC236}">
-                <a16:creationId xmlns:a16="http://schemas.microsoft.com/office/drawing/2014/main" xmlns="" id="{C743C568-15A9-405D-BDBB-21003B406BC7}"/>
+                <a16:creationId xmlns:a16="http://schemas.microsoft.com/office/drawing/2014/main" id="{C743C568-15A9-405D-BDBB-21003B406BC7}"/>
               </a:ext>
             </a:extLst>
           </p:cNvPr>
@@ -2550,7 +2550,7 @@
           <p:cNvPr id="4" name="Slide Number Placeholder 3">
             <a:extLst>
               <a:ext uri="{FF2B5EF4-FFF2-40B4-BE49-F238E27FC236}">
-                <a16:creationId xmlns:a16="http://schemas.microsoft.com/office/drawing/2014/main" xmlns="" id="{677E277D-32BB-4A6A-B290-523ED1E2FCDB}"/>
+                <a16:creationId xmlns:a16="http://schemas.microsoft.com/office/drawing/2014/main" id="{677E277D-32BB-4A6A-B290-523ED1E2FCDB}"/>
               </a:ext>
             </a:extLst>
           </p:cNvPr>
@@ -2609,7 +2609,7 @@
           <p:cNvPr id="2" name="Title 1">
             <a:extLst>
               <a:ext uri="{FF2B5EF4-FFF2-40B4-BE49-F238E27FC236}">
-                <a16:creationId xmlns:a16="http://schemas.microsoft.com/office/drawing/2014/main" xmlns="" id="{010C9589-D379-4729-8CD2-B25735F088DB}"/>
+                <a16:creationId xmlns:a16="http://schemas.microsoft.com/office/drawing/2014/main" id="{010C9589-D379-4729-8CD2-B25735F088DB}"/>
               </a:ext>
             </a:extLst>
           </p:cNvPr>
@@ -2646,7 +2646,7 @@
           <p:cNvPr id="3" name="Content Placeholder 2">
             <a:extLst>
               <a:ext uri="{FF2B5EF4-FFF2-40B4-BE49-F238E27FC236}">
-                <a16:creationId xmlns:a16="http://schemas.microsoft.com/office/drawing/2014/main" xmlns="" id="{BFC94597-5FEC-4C3C-9DC6-588D09E9AF0D}"/>
+                <a16:creationId xmlns:a16="http://schemas.microsoft.com/office/drawing/2014/main" id="{BFC94597-5FEC-4C3C-9DC6-588D09E9AF0D}"/>
               </a:ext>
             </a:extLst>
           </p:cNvPr>
@@ -2736,7 +2736,7 @@
           <p:cNvPr id="4" name="Text Placeholder 3">
             <a:extLst>
               <a:ext uri="{FF2B5EF4-FFF2-40B4-BE49-F238E27FC236}">
-                <a16:creationId xmlns:a16="http://schemas.microsoft.com/office/drawing/2014/main" xmlns="" id="{FEBA001D-5C54-4B21-9D5D-2F34B95A4E86}"/>
+                <a16:creationId xmlns:a16="http://schemas.microsoft.com/office/drawing/2014/main" id="{FEBA001D-5C54-4B21-9D5D-2F34B95A4E86}"/>
               </a:ext>
             </a:extLst>
           </p:cNvPr>
@@ -2807,7 +2807,7 @@
           <p:cNvPr id="5" name="Date Placeholder 4">
             <a:extLst>
               <a:ext uri="{FF2B5EF4-FFF2-40B4-BE49-F238E27FC236}">
-                <a16:creationId xmlns:a16="http://schemas.microsoft.com/office/drawing/2014/main" xmlns="" id="{BE058D0D-E44C-408A-91CA-92188D7AA6DB}"/>
+                <a16:creationId xmlns:a16="http://schemas.microsoft.com/office/drawing/2014/main" id="{BE058D0D-E44C-408A-91CA-92188D7AA6DB}"/>
               </a:ext>
             </a:extLst>
           </p:cNvPr>
@@ -2825,7 +2825,7 @@
           <a:p>
             <a:fld id="{2D9985BB-865C-428D-AC2C-ED149ADFC824}" type="datetimeFigureOut">
               <a:rPr lang="en-US" smtClean="0"/>
-              <a:t>6/4/2018</a:t>
+              <a:t>27-Jun-18</a:t>
             </a:fld>
             <a:endParaRPr lang="en-US"/>
           </a:p>
@@ -2836,7 +2836,7 @@
           <p:cNvPr id="6" name="Footer Placeholder 5">
             <a:extLst>
               <a:ext uri="{FF2B5EF4-FFF2-40B4-BE49-F238E27FC236}">
-                <a16:creationId xmlns:a16="http://schemas.microsoft.com/office/drawing/2014/main" xmlns="" id="{8698C8AC-2D56-4688-920D-B3F0FAAB2DFA}"/>
+                <a16:creationId xmlns:a16="http://schemas.microsoft.com/office/drawing/2014/main" id="{8698C8AC-2D56-4688-920D-B3F0FAAB2DFA}"/>
               </a:ext>
             </a:extLst>
           </p:cNvPr>
@@ -2861,7 +2861,7 @@
           <p:cNvPr id="7" name="Slide Number Placeholder 6">
             <a:extLst>
               <a:ext uri="{FF2B5EF4-FFF2-40B4-BE49-F238E27FC236}">
-                <a16:creationId xmlns:a16="http://schemas.microsoft.com/office/drawing/2014/main" xmlns="" id="{666FC25B-9DF9-4279-8AD6-548CB1730638}"/>
+                <a16:creationId xmlns:a16="http://schemas.microsoft.com/office/drawing/2014/main" id="{666FC25B-9DF9-4279-8AD6-548CB1730638}"/>
               </a:ext>
             </a:extLst>
           </p:cNvPr>
@@ -2920,7 +2920,7 @@
           <p:cNvPr id="2" name="Title 1">
             <a:extLst>
               <a:ext uri="{FF2B5EF4-FFF2-40B4-BE49-F238E27FC236}">
-                <a16:creationId xmlns:a16="http://schemas.microsoft.com/office/drawing/2014/main" xmlns="" id="{DB03C0A5-AD22-43F2-A42F-7E1A5D63FF62}"/>
+                <a16:creationId xmlns:a16="http://schemas.microsoft.com/office/drawing/2014/main" id="{DB03C0A5-AD22-43F2-A42F-7E1A5D63FF62}"/>
               </a:ext>
             </a:extLst>
           </p:cNvPr>
@@ -2957,7 +2957,7 @@
           <p:cNvPr id="3" name="Picture Placeholder 2">
             <a:extLst>
               <a:ext uri="{FF2B5EF4-FFF2-40B4-BE49-F238E27FC236}">
-                <a16:creationId xmlns:a16="http://schemas.microsoft.com/office/drawing/2014/main" xmlns="" id="{FF0FE790-3F26-462E-ABA7-1DD7460880CE}"/>
+                <a16:creationId xmlns:a16="http://schemas.microsoft.com/office/drawing/2014/main" id="{FF0FE790-3F26-462E-ABA7-1DD7460880CE}"/>
               </a:ext>
             </a:extLst>
           </p:cNvPr>
@@ -3024,7 +3024,7 @@
           <p:cNvPr id="4" name="Text Placeholder 3">
             <a:extLst>
               <a:ext uri="{FF2B5EF4-FFF2-40B4-BE49-F238E27FC236}">
-                <a16:creationId xmlns:a16="http://schemas.microsoft.com/office/drawing/2014/main" xmlns="" id="{E81CAB21-6059-4D81-B27E-F65445C244F0}"/>
+                <a16:creationId xmlns:a16="http://schemas.microsoft.com/office/drawing/2014/main" id="{E81CAB21-6059-4D81-B27E-F65445C244F0}"/>
               </a:ext>
             </a:extLst>
           </p:cNvPr>
@@ -3095,7 +3095,7 @@
           <p:cNvPr id="5" name="Date Placeholder 4">
             <a:extLst>
               <a:ext uri="{FF2B5EF4-FFF2-40B4-BE49-F238E27FC236}">
-                <a16:creationId xmlns:a16="http://schemas.microsoft.com/office/drawing/2014/main" xmlns="" id="{8DFDB4DF-94C4-4ACF-9891-FF9EAD993D81}"/>
+                <a16:creationId xmlns:a16="http://schemas.microsoft.com/office/drawing/2014/main" id="{8DFDB4DF-94C4-4ACF-9891-FF9EAD993D81}"/>
               </a:ext>
             </a:extLst>
           </p:cNvPr>
@@ -3113,7 +3113,7 @@
           <a:p>
             <a:fld id="{2D9985BB-865C-428D-AC2C-ED149ADFC824}" type="datetimeFigureOut">
               <a:rPr lang="en-US" smtClean="0"/>
-              <a:t>6/4/2018</a:t>
+              <a:t>27-Jun-18</a:t>
             </a:fld>
             <a:endParaRPr lang="en-US"/>
           </a:p>
@@ -3124,7 +3124,7 @@
           <p:cNvPr id="6" name="Footer Placeholder 5">
             <a:extLst>
               <a:ext uri="{FF2B5EF4-FFF2-40B4-BE49-F238E27FC236}">
-                <a16:creationId xmlns:a16="http://schemas.microsoft.com/office/drawing/2014/main" xmlns="" id="{91387971-604E-49D2-BE91-25C3E959A25F}"/>
+                <a16:creationId xmlns:a16="http://schemas.microsoft.com/office/drawing/2014/main" id="{91387971-604E-49D2-BE91-25C3E959A25F}"/>
               </a:ext>
             </a:extLst>
           </p:cNvPr>
@@ -3149,7 +3149,7 @@
           <p:cNvPr id="7" name="Slide Number Placeholder 6">
             <a:extLst>
               <a:ext uri="{FF2B5EF4-FFF2-40B4-BE49-F238E27FC236}">
-                <a16:creationId xmlns:a16="http://schemas.microsoft.com/office/drawing/2014/main" xmlns="" id="{334EF627-4981-4231-A14C-B6B091D1ABB1}"/>
+                <a16:creationId xmlns:a16="http://schemas.microsoft.com/office/drawing/2014/main" id="{334EF627-4981-4231-A14C-B6B091D1ABB1}"/>
               </a:ext>
             </a:extLst>
           </p:cNvPr>
@@ -3213,7 +3213,7 @@
           <p:cNvPr id="2" name="Title Placeholder 1">
             <a:extLst>
               <a:ext uri="{FF2B5EF4-FFF2-40B4-BE49-F238E27FC236}">
-                <a16:creationId xmlns:a16="http://schemas.microsoft.com/office/drawing/2014/main" xmlns="" id="{F6731566-E576-4590-AE92-987E5AAD9234}"/>
+                <a16:creationId xmlns:a16="http://schemas.microsoft.com/office/drawing/2014/main" id="{F6731566-E576-4590-AE92-987E5AAD9234}"/>
               </a:ext>
             </a:extLst>
           </p:cNvPr>
@@ -3251,7 +3251,7 @@
           <p:cNvPr id="3" name="Text Placeholder 2">
             <a:extLst>
               <a:ext uri="{FF2B5EF4-FFF2-40B4-BE49-F238E27FC236}">
-                <a16:creationId xmlns:a16="http://schemas.microsoft.com/office/drawing/2014/main" xmlns="" id="{A7768471-E6C6-49D1-B5C6-864430CE0630}"/>
+                <a16:creationId xmlns:a16="http://schemas.microsoft.com/office/drawing/2014/main" id="{A7768471-E6C6-49D1-B5C6-864430CE0630}"/>
               </a:ext>
             </a:extLst>
           </p:cNvPr>
@@ -3318,7 +3318,7 @@
           <p:cNvPr id="4" name="Date Placeholder 3">
             <a:extLst>
               <a:ext uri="{FF2B5EF4-FFF2-40B4-BE49-F238E27FC236}">
-                <a16:creationId xmlns:a16="http://schemas.microsoft.com/office/drawing/2014/main" xmlns="" id="{C7763578-26CE-4A37-9105-66DDA61778ED}"/>
+                <a16:creationId xmlns:a16="http://schemas.microsoft.com/office/drawing/2014/main" id="{C7763578-26CE-4A37-9105-66DDA61778ED}"/>
               </a:ext>
             </a:extLst>
           </p:cNvPr>
@@ -3354,7 +3354,7 @@
           <a:p>
             <a:fld id="{2D9985BB-865C-428D-AC2C-ED149ADFC824}" type="datetimeFigureOut">
               <a:rPr lang="en-US" smtClean="0"/>
-              <a:t>6/4/2018</a:t>
+              <a:t>27-Jun-18</a:t>
             </a:fld>
             <a:endParaRPr lang="en-US"/>
           </a:p>
@@ -3365,7 +3365,7 @@
           <p:cNvPr id="5" name="Footer Placeholder 4">
             <a:extLst>
               <a:ext uri="{FF2B5EF4-FFF2-40B4-BE49-F238E27FC236}">
-                <a16:creationId xmlns:a16="http://schemas.microsoft.com/office/drawing/2014/main" xmlns="" id="{47827330-83AE-4783-806B-960675688F72}"/>
+                <a16:creationId xmlns:a16="http://schemas.microsoft.com/office/drawing/2014/main" id="{47827330-83AE-4783-806B-960675688F72}"/>
               </a:ext>
             </a:extLst>
           </p:cNvPr>
@@ -3408,7 +3408,7 @@
           <p:cNvPr id="6" name="Slide Number Placeholder 5">
             <a:extLst>
               <a:ext uri="{FF2B5EF4-FFF2-40B4-BE49-F238E27FC236}">
-                <a16:creationId xmlns:a16="http://schemas.microsoft.com/office/drawing/2014/main" xmlns="" id="{B1E9B625-54F4-4DCD-B497-CEDF364844C8}"/>
+                <a16:creationId xmlns:a16="http://schemas.microsoft.com/office/drawing/2014/main" id="{B1E9B625-54F4-4DCD-B497-CEDF364844C8}"/>
               </a:ext>
             </a:extLst>
           </p:cNvPr>
@@ -3776,7 +3776,7 @@
           <p:cNvPr id="2" name="Title 1">
             <a:extLst>
               <a:ext uri="{FF2B5EF4-FFF2-40B4-BE49-F238E27FC236}">
-                <a16:creationId xmlns:a16="http://schemas.microsoft.com/office/drawing/2014/main" xmlns="" id="{D2D71C8F-26BB-47EC-A5CD-2AE1673AD0C4}"/>
+                <a16:creationId xmlns:a16="http://schemas.microsoft.com/office/drawing/2014/main" id="{D2D71C8F-26BB-47EC-A5CD-2AE1673AD0C4}"/>
               </a:ext>
             </a:extLst>
           </p:cNvPr>
@@ -3806,7 +3806,7 @@
           <p:cNvPr id="3" name="Subtitle 2">
             <a:extLst>
               <a:ext uri="{FF2B5EF4-FFF2-40B4-BE49-F238E27FC236}">
-                <a16:creationId xmlns:a16="http://schemas.microsoft.com/office/drawing/2014/main" xmlns="" id="{6CCC05E4-CF72-445C-94F0-F2C3DA72DBB6}"/>
+                <a16:creationId xmlns:a16="http://schemas.microsoft.com/office/drawing/2014/main" id="{6CCC05E4-CF72-445C-94F0-F2C3DA72DBB6}"/>
               </a:ext>
             </a:extLst>
           </p:cNvPr>
@@ -3904,7 +3904,7 @@
           <a:p>
             <a:pPr algn="ctr"/>
             <a:r>
-              <a:rPr lang="en-US" sz="1000" smtClean="0">
+              <a:rPr lang="en-US" sz="1000">
                 <a:solidFill>
                   <a:srgbClr val="000000"/>
                 </a:solidFill>
@@ -3912,12 +3912,6 @@
               </a:rPr>
               <a:t>Unrestricted</a:t>
             </a:r>
-            <a:endParaRPr lang="en-US" sz="1000">
-              <a:solidFill>
-                <a:srgbClr val="000000"/>
-              </a:solidFill>
-              <a:latin typeface="Arial" panose="020B0604020202020204" pitchFamily="34" charset="0"/>
-            </a:endParaRPr>
           </a:p>
         </p:txBody>
       </p:sp>
@@ -3956,7 +3950,7 @@
           <p:cNvPr id="7" name="Title 6">
             <a:extLst>
               <a:ext uri="{FF2B5EF4-FFF2-40B4-BE49-F238E27FC236}">
-                <a16:creationId xmlns:a16="http://schemas.microsoft.com/office/drawing/2014/main" xmlns="" id="{8AB8EB34-892F-4494-9C40-44F74E78102D}"/>
+                <a16:creationId xmlns:a16="http://schemas.microsoft.com/office/drawing/2014/main" id="{8AB8EB34-892F-4494-9C40-44F74E78102D}"/>
               </a:ext>
             </a:extLst>
           </p:cNvPr>
@@ -4023,7 +4017,7 @@
           <p:cNvPr id="2" name="Title 1">
             <a:extLst>
               <a:ext uri="{FF2B5EF4-FFF2-40B4-BE49-F238E27FC236}">
-                <a16:creationId xmlns:a16="http://schemas.microsoft.com/office/drawing/2014/main" xmlns="" id="{4218D101-9A28-4A3C-BBBD-A3A267944343}"/>
+                <a16:creationId xmlns:a16="http://schemas.microsoft.com/office/drawing/2014/main" id="{4218D101-9A28-4A3C-BBBD-A3A267944343}"/>
               </a:ext>
             </a:extLst>
           </p:cNvPr>
@@ -4053,7 +4047,7 @@
           <p:cNvPr id="3" name="Content Placeholder 2">
             <a:extLst>
               <a:ext uri="{FF2B5EF4-FFF2-40B4-BE49-F238E27FC236}">
-                <a16:creationId xmlns:a16="http://schemas.microsoft.com/office/drawing/2014/main" xmlns="" id="{45AA5678-B709-4B52-A572-87A50960B4D8}"/>
+                <a16:creationId xmlns:a16="http://schemas.microsoft.com/office/drawing/2014/main" id="{45AA5678-B709-4B52-A572-87A50960B4D8}"/>
               </a:ext>
             </a:extLst>
           </p:cNvPr>
@@ -4709,7 +4703,7 @@
           <p:cNvPr id="2" name="Title 1">
             <a:extLst>
               <a:ext uri="{FF2B5EF4-FFF2-40B4-BE49-F238E27FC236}">
-                <a16:creationId xmlns:a16="http://schemas.microsoft.com/office/drawing/2014/main" xmlns="" id="{9A3EBE02-2A9E-45FB-9C7F-139245947AD5}"/>
+                <a16:creationId xmlns:a16="http://schemas.microsoft.com/office/drawing/2014/main" id="{9A3EBE02-2A9E-45FB-9C7F-139245947AD5}"/>
               </a:ext>
             </a:extLst>
           </p:cNvPr>
@@ -4742,14 +4736,14 @@
           </a:p>
         </p:txBody>
       </p:sp>
-      <mc:AlternateContent xmlns:mc="http://schemas.openxmlformats.org/markup-compatibility/2006">
-        <mc:Choice xmlns:a14="http://schemas.microsoft.com/office/drawing/2010/main" Requires="a14">
+      <mc:AlternateContent xmlns:mc="http://schemas.openxmlformats.org/markup-compatibility/2006" xmlns:a14="http://schemas.microsoft.com/office/drawing/2010/main">
+        <mc:Choice Requires="a14">
           <p:sp>
             <p:nvSpPr>
               <p:cNvPr id="3" name="Content Placeholder 2">
                 <a:extLst>
                   <a:ext uri="{FF2B5EF4-FFF2-40B4-BE49-F238E27FC236}">
-                    <a16:creationId xmlns:a16="http://schemas.microsoft.com/office/drawing/2014/main" xmlns="" id="{DB9CB086-E71F-48E6-8A74-666A5EA06B18}"/>
+                    <a16:creationId xmlns:a16="http://schemas.microsoft.com/office/drawing/2014/main" id="{DB9CB086-E71F-48E6-8A74-666A5EA06B18}"/>
                   </a:ext>
                 </a:extLst>
               </p:cNvPr>
@@ -4773,7 +4767,7 @@
               <a:lstStyle/>
               <a:p>
                 <a:r>
-                  <a:rPr lang="en-US" dirty="0" smtClean="0"/>
+                  <a:rPr lang="en-US" dirty="0"/>
                   <a:t>Acestea sunt </a:t>
                 </a:r>
                 <a:r>
@@ -4974,15 +4968,15 @@
                   </m:oMath>
                 </a14:m>
                 <a:r>
-                  <a:rPr lang="en-US" dirty="0" smtClean="0"/>
-                  <a:t> </a:t>
-                </a:r>
-                <a:r>
-                  <a:rPr lang="en-US" dirty="0" err="1" smtClean="0"/>
+                  <a:rPr lang="en-US" dirty="0"/>
+                  <a:t> </a:t>
+                </a:r>
+                <a:r>
+                  <a:rPr lang="en-US" dirty="0" err="1"/>
                   <a:t>sau</a:t>
                 </a:r>
                 <a:r>
-                  <a:rPr lang="en-US" dirty="0" smtClean="0"/>
+                  <a:rPr lang="en-US" dirty="0"/>
                   <a:t>:</a:t>
                 </a:r>
               </a:p>
@@ -5195,11 +5189,11 @@
                   </m:oMath>
                 </a14:m>
                 <a:r>
-                  <a:rPr lang="en-US" dirty="0" err="1" smtClean="0"/>
+                  <a:rPr lang="en-US" dirty="0" err="1"/>
                   <a:t>unde</a:t>
                 </a:r>
                 <a:r>
-                  <a:rPr lang="en-US" dirty="0" smtClean="0"/>
+                  <a:rPr lang="en-US" dirty="0"/>
                   <a:t> </a:t>
                 </a:r>
                 <a14:m>
@@ -5232,11 +5226,11 @@
                   </m:oMath>
                 </a14:m>
                 <a:r>
-                  <a:rPr lang="en-US" dirty="0" smtClean="0"/>
-                  <a:t> </a:t>
-                </a:r>
-                <a:r>
-                  <a:rPr lang="en-US" dirty="0" err="1" smtClean="0"/>
+                  <a:rPr lang="en-US" dirty="0"/>
+                  <a:t> </a:t>
+                </a:r>
+                <a:r>
+                  <a:rPr lang="en-US" dirty="0" err="1"/>
                   <a:t>reprezinta</a:t>
                 </a:r>
                 <a:r>
@@ -5244,11 +5238,11 @@
                   <a:t> </a:t>
                 </a:r>
                 <a:r>
-                  <a:rPr lang="en-US" dirty="0" err="1" smtClean="0"/>
+                  <a:rPr lang="en-US" dirty="0" err="1"/>
                   <a:t>coloana</a:t>
                 </a:r>
                 <a:r>
-                  <a:rPr lang="en-US" dirty="0" smtClean="0"/>
+                  <a:rPr lang="en-US" dirty="0"/>
                   <a:t> </a:t>
                 </a:r>
                 <a14:m>
@@ -5262,7 +5256,7 @@
                   </m:oMath>
                 </a14:m>
                 <a:r>
-                  <a:rPr lang="en-US" dirty="0" smtClean="0"/>
+                  <a:rPr lang="en-US" dirty="0"/>
                   <a:t> din </a:t>
                 </a:r>
                 <a14:m>
@@ -5334,7 +5328,7 @@
             </p:txBody>
           </p:sp>
         </mc:Choice>
-        <mc:Fallback>
+        <mc:Fallback xmlns="">
           <p:sp>
             <p:nvSpPr>
               <p:cNvPr id="3" name="Content Placeholder 2">
@@ -5413,7 +5407,7 @@
           <p:cNvPr id="4" name="Picture 2" descr="Imagini pentru blind source separation">
             <a:extLst>
               <a:ext uri="{FF2B5EF4-FFF2-40B4-BE49-F238E27FC236}">
-                <a16:creationId xmlns:a16="http://schemas.microsoft.com/office/drawing/2014/main" xmlns="" id="{84C9511A-4C45-4F4D-8450-FA89A1631508}"/>
+                <a16:creationId xmlns:a16="http://schemas.microsoft.com/office/drawing/2014/main" id="{84C9511A-4C45-4F4D-8450-FA89A1631508}"/>
               </a:ext>
             </a:extLst>
           </p:cNvPr>
@@ -5490,7 +5484,7 @@
           <p:cNvPr id="2" name="Title 1">
             <a:extLst>
               <a:ext uri="{FF2B5EF4-FFF2-40B4-BE49-F238E27FC236}">
-                <a16:creationId xmlns:a16="http://schemas.microsoft.com/office/drawing/2014/main" xmlns="" id="{B50378C8-E977-480A-B4B5-7A03D6C8E30F}"/>
+                <a16:creationId xmlns:a16="http://schemas.microsoft.com/office/drawing/2014/main" id="{B50378C8-E977-480A-B4B5-7A03D6C8E30F}"/>
               </a:ext>
             </a:extLst>
           </p:cNvPr>
@@ -5523,14 +5517,14 @@
           </a:p>
         </p:txBody>
       </p:sp>
-      <mc:AlternateContent xmlns:mc="http://schemas.openxmlformats.org/markup-compatibility/2006">
-        <mc:Choice xmlns:a14="http://schemas.microsoft.com/office/drawing/2010/main" Requires="a14">
+      <mc:AlternateContent xmlns:mc="http://schemas.openxmlformats.org/markup-compatibility/2006" xmlns:a14="http://schemas.microsoft.com/office/drawing/2010/main">
+        <mc:Choice Requires="a14">
           <p:sp>
             <p:nvSpPr>
               <p:cNvPr id="3" name="Content Placeholder 2">
                 <a:extLst>
                   <a:ext uri="{FF2B5EF4-FFF2-40B4-BE49-F238E27FC236}">
-                    <a16:creationId xmlns:a16="http://schemas.microsoft.com/office/drawing/2014/main" xmlns="" id="{4C67C857-2ED0-43D9-82D0-DA8ABAE80332}"/>
+                    <a16:creationId xmlns:a16="http://schemas.microsoft.com/office/drawing/2014/main" id="{4C67C857-2ED0-43D9-82D0-DA8ABAE80332}"/>
                   </a:ext>
                 </a:extLst>
               </p:cNvPr>
@@ -5604,12 +5598,8 @@
                   </m:oMath>
                 </a14:m>
                 <a:r>
-                  <a:rPr lang="en-US" sz="2100" dirty="0" smtClean="0"/>
-                  <a:t>,</a:t>
-                </a:r>
-                <a:r>
                   <a:rPr lang="en-US" sz="2100" dirty="0"/>
-                  <a:t> </a:t>
+                  <a:t>, </a:t>
                 </a:r>
                 <a:r>
                   <a:rPr lang="en-US" sz="2100" dirty="0" err="1"/>
@@ -6218,13 +6208,8 @@
                 </a:r>
                 <a:r>
                   <a:rPr lang="en-US" sz="2100" dirty="0"/>
-                  <a:t> forma</a:t>
-                </a:r>
-                <a:r>
-                  <a:rPr lang="en-US" sz="2100" dirty="0" smtClean="0"/>
-                  <a:t>:</a:t>
-                </a:r>
-                <a:endParaRPr lang="en-US" sz="2100" dirty="0"/>
+                  <a:t> forma:</a:t>
+                </a:r>
               </a:p>
               <a:p>
                 <a:pPr marL="0" indent="0" algn="ctr">
@@ -7243,7 +7228,7 @@
             </p:txBody>
           </p:sp>
         </mc:Choice>
-        <mc:Fallback>
+        <mc:Fallback xmlns="">
           <p:sp>
             <p:nvSpPr>
               <p:cNvPr id="3" name="Content Placeholder 2">
@@ -7339,23 +7324,23 @@
           <a:p>
             <a:pPr algn="ctr"/>
             <a:r>
-              <a:rPr lang="en-US" b="1" dirty="0" err="1" smtClean="0"/>
+              <a:rPr lang="en-US" b="1" dirty="0" err="1"/>
               <a:t>Independenta</a:t>
             </a:r>
             <a:r>
-              <a:rPr lang="en-US" b="1" dirty="0" smtClean="0"/>
+              <a:rPr lang="en-US" b="1" dirty="0"/>
               <a:t> </a:t>
             </a:r>
             <a:r>
-              <a:rPr lang="en-US" b="1" dirty="0" err="1" smtClean="0"/>
+              <a:rPr lang="en-US" b="1" dirty="0" err="1"/>
               <a:t>si</a:t>
             </a:r>
             <a:r>
-              <a:rPr lang="en-US" b="1" dirty="0" smtClean="0"/>
+              <a:rPr lang="en-US" b="1" dirty="0"/>
               <a:t> non-</a:t>
             </a:r>
             <a:r>
-              <a:rPr lang="en-US" b="1" dirty="0" err="1" smtClean="0"/>
+              <a:rPr lang="en-US" b="1" dirty="0" err="1"/>
               <a:t>gaussianitate</a:t>
             </a:r>
             <a:endParaRPr lang="en-US" b="1" dirty="0"/>
@@ -7383,617 +7368,617 @@
           <a:lstStyle/>
           <a:p>
             <a:r>
-              <a:rPr lang="en-US" dirty="0" err="1" smtClean="0"/>
+              <a:rPr lang="en-US" dirty="0" err="1"/>
               <a:t>Dupa</a:t>
             </a:r>
             <a:r>
-              <a:rPr lang="en-US" dirty="0" smtClean="0"/>
+              <a:rPr lang="en-US" dirty="0"/>
               <a:t> cum am </a:t>
             </a:r>
             <a:r>
-              <a:rPr lang="en-US" dirty="0" err="1" smtClean="0"/>
+              <a:rPr lang="en-US" dirty="0" err="1"/>
               <a:t>mentionat</a:t>
             </a:r>
             <a:r>
-              <a:rPr lang="en-US" dirty="0" smtClean="0"/>
+              <a:rPr lang="en-US" dirty="0"/>
               <a:t> </a:t>
             </a:r>
             <a:r>
-              <a:rPr lang="en-US" dirty="0" err="1" smtClean="0"/>
+              <a:rPr lang="en-US" dirty="0" err="1"/>
               <a:t>mai</a:t>
             </a:r>
             <a:r>
-              <a:rPr lang="en-US" dirty="0" smtClean="0"/>
+              <a:rPr lang="en-US" dirty="0"/>
               <a:t> </a:t>
             </a:r>
             <a:r>
-              <a:rPr lang="en-US" dirty="0" err="1" smtClean="0"/>
+              <a:rPr lang="en-US" dirty="0" err="1"/>
               <a:t>devreme</a:t>
             </a:r>
             <a:r>
-              <a:rPr lang="en-US" dirty="0" smtClean="0"/>
+              <a:rPr lang="en-US" dirty="0"/>
               <a:t>, </a:t>
             </a:r>
             <a:r>
-              <a:rPr lang="en-US" dirty="0" err="1" smtClean="0"/>
+              <a:rPr lang="en-US" dirty="0" err="1"/>
               <a:t>sursele</a:t>
             </a:r>
             <a:r>
-              <a:rPr lang="en-US" dirty="0" smtClean="0"/>
+              <a:rPr lang="en-US" dirty="0"/>
               <a:t> </a:t>
             </a:r>
             <a:r>
-              <a:rPr lang="en-US" dirty="0" err="1" smtClean="0"/>
+              <a:rPr lang="en-US" dirty="0" err="1"/>
               <a:t>initiale</a:t>
             </a:r>
             <a:r>
-              <a:rPr lang="en-US" dirty="0" smtClean="0"/>
+              <a:rPr lang="en-US" dirty="0"/>
               <a:t> </a:t>
             </a:r>
             <a:r>
-              <a:rPr lang="en-US" dirty="0" err="1" smtClean="0"/>
+              <a:rPr lang="en-US" dirty="0" err="1"/>
               <a:t>trebuie</a:t>
             </a:r>
             <a:r>
-              <a:rPr lang="en-US" dirty="0" smtClean="0"/>
+              <a:rPr lang="en-US" dirty="0"/>
               <a:t> </a:t>
             </a:r>
             <a:r>
-              <a:rPr lang="en-US" dirty="0" err="1" smtClean="0"/>
+              <a:rPr lang="en-US" dirty="0" err="1"/>
               <a:t>sa</a:t>
             </a:r>
             <a:r>
-              <a:rPr lang="en-US" dirty="0" smtClean="0"/>
+              <a:rPr lang="en-US" dirty="0"/>
               <a:t> fie </a:t>
             </a:r>
             <a:r>
-              <a:rPr lang="en-US" dirty="0" err="1" smtClean="0"/>
+              <a:rPr lang="en-US" dirty="0" err="1"/>
               <a:t>independente</a:t>
             </a:r>
             <a:r>
-              <a:rPr lang="en-US" dirty="0" smtClean="0"/>
+              <a:rPr lang="en-US" dirty="0"/>
               <a:t>, </a:t>
             </a:r>
             <a:r>
-              <a:rPr lang="en-US" dirty="0" err="1" smtClean="0"/>
+              <a:rPr lang="en-US" dirty="0" err="1"/>
               <a:t>asta</a:t>
             </a:r>
             <a:r>
-              <a:rPr lang="en-US" dirty="0" smtClean="0"/>
+              <a:rPr lang="en-US" dirty="0"/>
               <a:t> </a:t>
             </a:r>
             <a:r>
-              <a:rPr lang="en-US" dirty="0" err="1" smtClean="0"/>
+              <a:rPr lang="en-US" dirty="0" err="1"/>
               <a:t>deoarece</a:t>
             </a:r>
             <a:r>
-              <a:rPr lang="en-US" dirty="0" smtClean="0"/>
+              <a:rPr lang="en-US" dirty="0"/>
               <a:t>, </a:t>
             </a:r>
             <a:r>
-              <a:rPr lang="en-US" dirty="0" err="1" smtClean="0"/>
+              <a:rPr lang="en-US" dirty="0" err="1"/>
               <a:t>daca</a:t>
             </a:r>
             <a:r>
-              <a:rPr lang="en-US" dirty="0" smtClean="0"/>
+              <a:rPr lang="en-US" dirty="0"/>
               <a:t> </a:t>
             </a:r>
             <a:r>
-              <a:rPr lang="en-US" dirty="0" err="1" smtClean="0"/>
+              <a:rPr lang="en-US" dirty="0" err="1"/>
               <a:t>presupunem</a:t>
             </a:r>
             <a:r>
-              <a:rPr lang="en-US" dirty="0" smtClean="0"/>
+              <a:rPr lang="en-US" dirty="0"/>
               <a:t> ca </a:t>
             </a:r>
             <a:r>
-              <a:rPr lang="en-US" dirty="0" err="1" smtClean="0"/>
+              <a:rPr lang="en-US" dirty="0" err="1"/>
               <a:t>vrem</a:t>
             </a:r>
             <a:r>
-              <a:rPr lang="en-US" dirty="0" smtClean="0"/>
+              <a:rPr lang="en-US" dirty="0"/>
               <a:t> </a:t>
             </a:r>
             <a:r>
-              <a:rPr lang="en-US" dirty="0" err="1" smtClean="0"/>
+              <a:rPr lang="en-US" dirty="0" err="1"/>
               <a:t>sa</a:t>
             </a:r>
             <a:r>
-              <a:rPr lang="en-US" dirty="0" smtClean="0"/>
+              <a:rPr lang="en-US" dirty="0"/>
               <a:t> </a:t>
             </a:r>
             <a:r>
-              <a:rPr lang="en-US" dirty="0" err="1" smtClean="0"/>
+              <a:rPr lang="en-US" dirty="0" err="1"/>
               <a:t>calculam</a:t>
             </a:r>
             <a:r>
-              <a:rPr lang="en-US" dirty="0" smtClean="0"/>
+              <a:rPr lang="en-US" dirty="0"/>
               <a:t> 2 </a:t>
             </a:r>
             <a:r>
-              <a:rPr lang="en-US" dirty="0" err="1" smtClean="0"/>
+              <a:rPr lang="en-US" dirty="0" err="1"/>
               <a:t>componente</a:t>
             </a:r>
             <a:r>
-              <a:rPr lang="en-US" dirty="0" smtClean="0"/>
+              <a:rPr lang="en-US" dirty="0"/>
               <a:t> </a:t>
             </a:r>
             <a:r>
-              <a:rPr lang="en-US" dirty="0" err="1" smtClean="0"/>
+              <a:rPr lang="en-US" dirty="0" err="1"/>
               <a:t>independente</a:t>
             </a:r>
             <a:r>
-              <a:rPr lang="en-US" dirty="0" smtClean="0"/>
+              <a:rPr lang="en-US" dirty="0"/>
               <a:t>, </a:t>
             </a:r>
             <a:r>
-              <a:rPr lang="en-US" dirty="0" err="1" smtClean="0"/>
+              <a:rPr lang="en-US" dirty="0" err="1"/>
               <a:t>daca</a:t>
             </a:r>
             <a:r>
-              <a:rPr lang="en-US" dirty="0" smtClean="0"/>
+              <a:rPr lang="en-US" dirty="0"/>
               <a:t> o </a:t>
             </a:r>
             <a:r>
-              <a:rPr lang="en-US" dirty="0" err="1" smtClean="0"/>
+              <a:rPr lang="en-US" dirty="0" err="1"/>
               <a:t>sursa</a:t>
             </a:r>
             <a:r>
-              <a:rPr lang="en-US" dirty="0" smtClean="0"/>
+              <a:rPr lang="en-US" dirty="0"/>
               <a:t> </a:t>
             </a:r>
             <a:r>
-              <a:rPr lang="en-US" dirty="0" err="1" smtClean="0"/>
+              <a:rPr lang="en-US" dirty="0" err="1"/>
               <a:t>depinde</a:t>
             </a:r>
             <a:r>
-              <a:rPr lang="en-US" dirty="0" smtClean="0"/>
+              <a:rPr lang="en-US" dirty="0"/>
               <a:t> de </a:t>
             </a:r>
             <a:r>
-              <a:rPr lang="en-US" dirty="0" err="1" smtClean="0"/>
+              <a:rPr lang="en-US" dirty="0" err="1"/>
               <a:t>cealalta</a:t>
             </a:r>
             <a:r>
-              <a:rPr lang="en-US" dirty="0" smtClean="0"/>
+              <a:rPr lang="en-US" dirty="0"/>
               <a:t>, </a:t>
             </a:r>
             <a:r>
-              <a:rPr lang="en-US" dirty="0" err="1" smtClean="0"/>
+              <a:rPr lang="en-US" dirty="0" err="1"/>
               <a:t>inseamna</a:t>
             </a:r>
             <a:r>
-              <a:rPr lang="en-US" dirty="0" smtClean="0"/>
+              <a:rPr lang="en-US" dirty="0"/>
               <a:t> ca </a:t>
             </a:r>
             <a:r>
-              <a:rPr lang="en-US" dirty="0" err="1" smtClean="0"/>
+              <a:rPr lang="en-US" dirty="0" err="1"/>
               <a:t>sursa</a:t>
             </a:r>
             <a:r>
-              <a:rPr lang="en-US" dirty="0" smtClean="0"/>
+              <a:rPr lang="en-US" dirty="0"/>
               <a:t> </a:t>
             </a:r>
             <a:r>
-              <a:rPr lang="en-US" dirty="0" err="1" smtClean="0"/>
+              <a:rPr lang="en-US" dirty="0" err="1"/>
               <a:t>respectiva</a:t>
             </a:r>
             <a:r>
-              <a:rPr lang="en-US" dirty="0" smtClean="0"/>
+              <a:rPr lang="en-US" dirty="0"/>
               <a:t> </a:t>
             </a:r>
             <a:r>
-              <a:rPr lang="en-US" dirty="0" err="1" smtClean="0"/>
+              <a:rPr lang="en-US" dirty="0" err="1"/>
               <a:t>poate</a:t>
             </a:r>
             <a:r>
-              <a:rPr lang="en-US" dirty="0" smtClean="0"/>
+              <a:rPr lang="en-US" dirty="0"/>
               <a:t> fi </a:t>
             </a:r>
             <a:r>
-              <a:rPr lang="en-US" dirty="0" err="1" smtClean="0"/>
+              <a:rPr lang="en-US" dirty="0" err="1"/>
               <a:t>determinata</a:t>
             </a:r>
             <a:r>
-              <a:rPr lang="en-US" dirty="0" smtClean="0"/>
+              <a:rPr lang="en-US" dirty="0"/>
               <a:t> </a:t>
             </a:r>
             <a:r>
-              <a:rPr lang="en-US" dirty="0" err="1" smtClean="0"/>
+              <a:rPr lang="en-US" dirty="0" err="1"/>
               <a:t>prin</a:t>
             </a:r>
             <a:r>
-              <a:rPr lang="en-US" dirty="0" smtClean="0"/>
+              <a:rPr lang="en-US" dirty="0"/>
               <a:t> </a:t>
             </a:r>
             <a:r>
-              <a:rPr lang="en-US" dirty="0" err="1" smtClean="0"/>
+              <a:rPr lang="en-US" dirty="0" err="1"/>
               <a:t>operatii</a:t>
             </a:r>
             <a:r>
-              <a:rPr lang="en-US" dirty="0" smtClean="0"/>
+              <a:rPr lang="en-US" dirty="0"/>
               <a:t> </a:t>
             </a:r>
             <a:r>
-              <a:rPr lang="en-US" dirty="0" err="1" smtClean="0"/>
+              <a:rPr lang="en-US" dirty="0" err="1"/>
               <a:t>liniare</a:t>
             </a:r>
             <a:r>
-              <a:rPr lang="en-US" dirty="0" smtClean="0"/>
+              <a:rPr lang="en-US" dirty="0"/>
               <a:t> </a:t>
             </a:r>
             <a:r>
-              <a:rPr lang="en-US" dirty="0" err="1" smtClean="0"/>
+              <a:rPr lang="en-US" dirty="0" err="1"/>
               <a:t>efectuate</a:t>
             </a:r>
             <a:r>
-              <a:rPr lang="en-US" dirty="0" smtClean="0"/>
+              <a:rPr lang="en-US" dirty="0"/>
               <a:t> </a:t>
             </a:r>
             <a:r>
-              <a:rPr lang="en-US" dirty="0" err="1" smtClean="0"/>
+              <a:rPr lang="en-US" dirty="0" err="1"/>
               <a:t>asupra</a:t>
             </a:r>
             <a:r>
-              <a:rPr lang="en-US" dirty="0" smtClean="0"/>
+              <a:rPr lang="en-US" dirty="0"/>
               <a:t> </a:t>
             </a:r>
             <a:r>
-              <a:rPr lang="en-US" dirty="0" err="1" smtClean="0"/>
+              <a:rPr lang="en-US" dirty="0" err="1"/>
               <a:t>celeilalte</a:t>
             </a:r>
             <a:r>
-              <a:rPr lang="en-US" dirty="0" smtClean="0"/>
+              <a:rPr lang="en-US" dirty="0"/>
               <a:t> </a:t>
             </a:r>
             <a:r>
-              <a:rPr lang="en-US" dirty="0" err="1" smtClean="0"/>
+              <a:rPr lang="en-US" dirty="0" err="1"/>
               <a:t>surse</a:t>
             </a:r>
             <a:r>
-              <a:rPr lang="en-US" dirty="0" smtClean="0"/>
+              <a:rPr lang="en-US" dirty="0"/>
               <a:t>, </a:t>
             </a:r>
             <a:r>
-              <a:rPr lang="en-US" dirty="0" err="1" smtClean="0"/>
+              <a:rPr lang="en-US" dirty="0" err="1"/>
               <a:t>ceea</a:t>
             </a:r>
             <a:r>
-              <a:rPr lang="en-US" dirty="0" smtClean="0"/>
+              <a:rPr lang="en-US" dirty="0"/>
               <a:t> </a:t>
             </a:r>
             <a:r>
-              <a:rPr lang="en-US" dirty="0" err="1" smtClean="0"/>
+              <a:rPr lang="en-US" dirty="0" err="1"/>
               <a:t>ce</a:t>
             </a:r>
             <a:r>
-              <a:rPr lang="en-US" dirty="0" smtClean="0"/>
+              <a:rPr lang="en-US" dirty="0"/>
               <a:t> in final </a:t>
             </a:r>
             <a:r>
-              <a:rPr lang="en-US" dirty="0" err="1" smtClean="0"/>
+              <a:rPr lang="en-US" dirty="0" err="1"/>
               <a:t>inseamna</a:t>
             </a:r>
             <a:r>
-              <a:rPr lang="en-US" dirty="0" smtClean="0"/>
+              <a:rPr lang="en-US" dirty="0"/>
               <a:t> ca </a:t>
             </a:r>
             <a:r>
-              <a:rPr lang="en-US" dirty="0" err="1" smtClean="0"/>
+              <a:rPr lang="en-US" dirty="0" err="1"/>
               <a:t>cele</a:t>
             </a:r>
             <a:r>
-              <a:rPr lang="en-US" dirty="0" smtClean="0"/>
+              <a:rPr lang="en-US" dirty="0"/>
               <a:t> 2 </a:t>
             </a:r>
             <a:r>
-              <a:rPr lang="en-US" dirty="0" err="1" smtClean="0"/>
+              <a:rPr lang="en-US" dirty="0" err="1"/>
               <a:t>surse</a:t>
             </a:r>
             <a:r>
-              <a:rPr lang="en-US" dirty="0" smtClean="0"/>
+              <a:rPr lang="en-US" dirty="0"/>
               <a:t> </a:t>
             </a:r>
             <a:r>
-              <a:rPr lang="en-US" dirty="0" err="1" smtClean="0"/>
+              <a:rPr lang="en-US" dirty="0" err="1"/>
               <a:t>sunt</a:t>
             </a:r>
             <a:r>
-              <a:rPr lang="en-US" dirty="0" smtClean="0"/>
+              <a:rPr lang="en-US" dirty="0"/>
               <a:t> </a:t>
             </a:r>
             <a:r>
-              <a:rPr lang="en-US" dirty="0" err="1" smtClean="0"/>
+              <a:rPr lang="en-US" dirty="0" err="1"/>
               <a:t>defapt</a:t>
             </a:r>
             <a:r>
-              <a:rPr lang="en-US" dirty="0" smtClean="0"/>
+              <a:rPr lang="en-US" dirty="0"/>
               <a:t> </a:t>
             </a:r>
             <a:r>
-              <a:rPr lang="en-US" dirty="0" err="1" smtClean="0"/>
+              <a:rPr lang="en-US" dirty="0" err="1"/>
               <a:t>una</a:t>
             </a:r>
             <a:r>
-              <a:rPr lang="en-US" dirty="0" smtClean="0"/>
+              <a:rPr lang="en-US" dirty="0"/>
               <a:t> </a:t>
             </a:r>
             <a:r>
-              <a:rPr lang="en-US" dirty="0" err="1" smtClean="0"/>
+              <a:rPr lang="en-US" dirty="0" err="1"/>
               <a:t>si</a:t>
             </a:r>
             <a:r>
-              <a:rPr lang="en-US" dirty="0" smtClean="0"/>
+              <a:rPr lang="en-US" dirty="0"/>
               <a:t> </a:t>
             </a:r>
             <a:r>
-              <a:rPr lang="en-US" dirty="0" err="1" smtClean="0"/>
+              <a:rPr lang="en-US" dirty="0" err="1"/>
               <a:t>aceeasi</a:t>
             </a:r>
             <a:r>
-              <a:rPr lang="en-US" dirty="0" smtClean="0"/>
+              <a:rPr lang="en-US" dirty="0"/>
               <a:t>.</a:t>
             </a:r>
           </a:p>
           <a:p>
             <a:r>
-              <a:rPr lang="en-US" dirty="0" smtClean="0"/>
+              <a:rPr lang="en-US" dirty="0"/>
               <a:t>Ca </a:t>
             </a:r>
             <a:r>
-              <a:rPr lang="en-US" dirty="0" err="1" smtClean="0"/>
+              <a:rPr lang="en-US" dirty="0" err="1"/>
               <a:t>sa</a:t>
             </a:r>
             <a:r>
-              <a:rPr lang="en-US" dirty="0" smtClean="0"/>
+              <a:rPr lang="en-US" dirty="0"/>
               <a:t> </a:t>
             </a:r>
             <a:r>
-              <a:rPr lang="en-US" dirty="0" err="1" smtClean="0"/>
+              <a:rPr lang="en-US" dirty="0" err="1"/>
               <a:t>vedem</a:t>
             </a:r>
             <a:r>
-              <a:rPr lang="en-US" dirty="0" smtClean="0"/>
+              <a:rPr lang="en-US" dirty="0"/>
               <a:t> de </a:t>
             </a:r>
             <a:r>
-              <a:rPr lang="en-US" dirty="0" err="1" smtClean="0"/>
+              <a:rPr lang="en-US" dirty="0" err="1"/>
               <a:t>ce</a:t>
             </a:r>
             <a:r>
-              <a:rPr lang="en-US" dirty="0" smtClean="0"/>
+              <a:rPr lang="en-US" dirty="0"/>
               <a:t> </a:t>
             </a:r>
             <a:r>
-              <a:rPr lang="en-US" dirty="0" err="1" smtClean="0"/>
+              <a:rPr lang="en-US" dirty="0" err="1"/>
               <a:t>surse</a:t>
             </a:r>
             <a:r>
-              <a:rPr lang="en-US" dirty="0" smtClean="0"/>
+              <a:rPr lang="en-US" dirty="0"/>
               <a:t> cu </a:t>
             </a:r>
             <a:r>
-              <a:rPr lang="en-US" dirty="0" err="1" smtClean="0"/>
+              <a:rPr lang="en-US" dirty="0" err="1"/>
               <a:t>distributii</a:t>
             </a:r>
             <a:r>
-              <a:rPr lang="en-US" dirty="0" smtClean="0"/>
+              <a:rPr lang="en-US" dirty="0"/>
               <a:t> </a:t>
             </a:r>
             <a:r>
-              <a:rPr lang="en-US" dirty="0" err="1" smtClean="0"/>
+              <a:rPr lang="en-US" dirty="0" err="1"/>
               <a:t>gaussiene</a:t>
             </a:r>
             <a:r>
-              <a:rPr lang="en-US" dirty="0" smtClean="0"/>
+              <a:rPr lang="en-US" dirty="0"/>
               <a:t> </a:t>
             </a:r>
             <a:r>
-              <a:rPr lang="en-US" dirty="0" err="1" smtClean="0"/>
+              <a:rPr lang="en-US" dirty="0" err="1"/>
               <a:t>sunt</a:t>
             </a:r>
             <a:r>
-              <a:rPr lang="en-US" dirty="0" smtClean="0"/>
+              <a:rPr lang="en-US" dirty="0"/>
               <a:t> </a:t>
             </a:r>
             <a:r>
-              <a:rPr lang="en-US" dirty="0" err="1" smtClean="0"/>
+              <a:rPr lang="en-US" dirty="0" err="1"/>
               <a:t>interzise</a:t>
             </a:r>
             <a:r>
-              <a:rPr lang="en-US" dirty="0" smtClean="0"/>
+              <a:rPr lang="en-US" dirty="0"/>
               <a:t>, </a:t>
             </a:r>
             <a:r>
-              <a:rPr lang="en-US" dirty="0" err="1" smtClean="0"/>
+              <a:rPr lang="en-US" dirty="0" err="1"/>
               <a:t>sa</a:t>
             </a:r>
             <a:r>
-              <a:rPr lang="en-US" dirty="0" smtClean="0"/>
+              <a:rPr lang="en-US" dirty="0"/>
               <a:t> </a:t>
             </a:r>
             <a:r>
-              <a:rPr lang="en-US" dirty="0" err="1" smtClean="0"/>
+              <a:rPr lang="en-US" dirty="0" err="1"/>
               <a:t>presupunem</a:t>
             </a:r>
             <a:r>
-              <a:rPr lang="en-US" dirty="0" smtClean="0"/>
+              <a:rPr lang="en-US" dirty="0"/>
               <a:t> ca </a:t>
             </a:r>
             <a:r>
-              <a:rPr lang="en-US" dirty="0" err="1" smtClean="0"/>
+              <a:rPr lang="en-US" dirty="0" err="1"/>
               <a:t>avem</a:t>
             </a:r>
             <a:r>
-              <a:rPr lang="en-US" dirty="0" smtClean="0"/>
+              <a:rPr lang="en-US" dirty="0"/>
               <a:t> 2 </a:t>
             </a:r>
             <a:r>
-              <a:rPr lang="en-US" dirty="0" err="1" smtClean="0"/>
+              <a:rPr lang="en-US" dirty="0" err="1"/>
               <a:t>surse</a:t>
             </a:r>
             <a:r>
-              <a:rPr lang="en-US" dirty="0" smtClean="0"/>
+              <a:rPr lang="en-US" dirty="0"/>
               <a:t> de </a:t>
             </a:r>
             <a:r>
-              <a:rPr lang="en-US" dirty="0" err="1" smtClean="0"/>
+              <a:rPr lang="en-US" dirty="0" err="1"/>
               <a:t>genul</a:t>
             </a:r>
             <a:r>
-              <a:rPr lang="en-US" dirty="0" smtClean="0"/>
+              <a:rPr lang="en-US" dirty="0"/>
               <a:t>, </a:t>
             </a:r>
             <a:r>
-              <a:rPr lang="en-US" dirty="0" err="1" smtClean="0"/>
+              <a:rPr lang="en-US" dirty="0" err="1"/>
               <a:t>iar</a:t>
             </a:r>
             <a:r>
-              <a:rPr lang="en-US" dirty="0" smtClean="0"/>
+              <a:rPr lang="en-US" dirty="0"/>
               <a:t> </a:t>
             </a:r>
             <a:r>
-              <a:rPr lang="en-US" dirty="0" err="1" smtClean="0"/>
+              <a:rPr lang="en-US" dirty="0" err="1"/>
               <a:t>operatorul</a:t>
             </a:r>
             <a:r>
-              <a:rPr lang="en-US" dirty="0" smtClean="0"/>
+              <a:rPr lang="en-US" dirty="0"/>
               <a:t> </a:t>
             </a:r>
             <a:r>
-              <a:rPr lang="en-US" dirty="0" err="1" smtClean="0"/>
+              <a:rPr lang="en-US" dirty="0" err="1"/>
               <a:t>lor</a:t>
             </a:r>
             <a:r>
-              <a:rPr lang="en-US" dirty="0" smtClean="0"/>
+              <a:rPr lang="en-US" dirty="0"/>
               <a:t> de </a:t>
             </a:r>
             <a:r>
-              <a:rPr lang="en-US" dirty="0" err="1" smtClean="0"/>
+              <a:rPr lang="en-US" dirty="0" err="1"/>
               <a:t>multiplicare</a:t>
             </a:r>
             <a:r>
-              <a:rPr lang="en-US" dirty="0" smtClean="0"/>
+              <a:rPr lang="en-US" dirty="0"/>
               <a:t> </a:t>
             </a:r>
             <a:r>
-              <a:rPr lang="en-US" dirty="0" err="1" smtClean="0"/>
+              <a:rPr lang="en-US" dirty="0" err="1"/>
               <a:t>este</a:t>
             </a:r>
             <a:r>
-              <a:rPr lang="en-US" dirty="0" smtClean="0"/>
+              <a:rPr lang="en-US" dirty="0"/>
               <a:t> o </a:t>
             </a:r>
             <a:r>
-              <a:rPr lang="en-US" dirty="0" err="1" smtClean="0"/>
+              <a:rPr lang="en-US" dirty="0" err="1"/>
               <a:t>matrice</a:t>
             </a:r>
             <a:r>
-              <a:rPr lang="en-US" dirty="0" smtClean="0"/>
+              <a:rPr lang="en-US" dirty="0"/>
               <a:t> </a:t>
             </a:r>
             <a:r>
-              <a:rPr lang="en-US" dirty="0" err="1" smtClean="0"/>
+              <a:rPr lang="en-US" dirty="0" err="1"/>
               <a:t>ortogonala</a:t>
             </a:r>
             <a:r>
-              <a:rPr lang="en-US" dirty="0" smtClean="0"/>
+              <a:rPr lang="en-US" dirty="0"/>
               <a:t>. </a:t>
             </a:r>
             <a:r>
-              <a:rPr lang="en-US" dirty="0" err="1" smtClean="0"/>
+              <a:rPr lang="en-US" dirty="0" err="1"/>
               <a:t>Densitatea</a:t>
             </a:r>
             <a:r>
-              <a:rPr lang="en-US" dirty="0" smtClean="0"/>
+              <a:rPr lang="en-US" dirty="0"/>
               <a:t> </a:t>
             </a:r>
             <a:r>
-              <a:rPr lang="en-US" dirty="0" err="1" smtClean="0"/>
+              <a:rPr lang="en-US" dirty="0" err="1"/>
               <a:t>semnalelor</a:t>
             </a:r>
             <a:r>
-              <a:rPr lang="en-US" dirty="0" smtClean="0"/>
+              <a:rPr lang="en-US" dirty="0"/>
               <a:t> </a:t>
             </a:r>
             <a:r>
-              <a:rPr lang="en-US" dirty="0" err="1" smtClean="0"/>
+              <a:rPr lang="en-US" dirty="0" err="1"/>
               <a:t>amestecate</a:t>
             </a:r>
             <a:r>
-              <a:rPr lang="en-US" dirty="0" smtClean="0"/>
+              <a:rPr lang="en-US" dirty="0"/>
               <a:t> </a:t>
             </a:r>
             <a:r>
-              <a:rPr lang="en-US" dirty="0" err="1" smtClean="0"/>
+              <a:rPr lang="en-US" dirty="0" err="1"/>
               <a:t>va</a:t>
             </a:r>
             <a:r>
-              <a:rPr lang="en-US" dirty="0" smtClean="0"/>
+              <a:rPr lang="en-US" dirty="0"/>
               <a:t> fi la </a:t>
             </a:r>
             <a:r>
-              <a:rPr lang="en-US" dirty="0" err="1" smtClean="0"/>
+              <a:rPr lang="en-US" dirty="0" err="1"/>
               <a:t>randul</a:t>
             </a:r>
             <a:r>
-              <a:rPr lang="en-US" dirty="0" smtClean="0"/>
+              <a:rPr lang="en-US" dirty="0"/>
               <a:t> </a:t>
             </a:r>
             <a:r>
-              <a:rPr lang="en-US" dirty="0" err="1" smtClean="0"/>
+              <a:rPr lang="en-US" dirty="0" err="1"/>
               <a:t>ei</a:t>
             </a:r>
             <a:r>
-              <a:rPr lang="en-US" dirty="0" smtClean="0"/>
+              <a:rPr lang="en-US" dirty="0"/>
               <a:t> o </a:t>
             </a:r>
             <a:r>
-              <a:rPr lang="en-US" dirty="0" err="1" smtClean="0"/>
+              <a:rPr lang="en-US" dirty="0" err="1"/>
               <a:t>functie</a:t>
             </a:r>
             <a:r>
-              <a:rPr lang="en-US" dirty="0" smtClean="0"/>
+              <a:rPr lang="en-US" dirty="0"/>
               <a:t> cu </a:t>
             </a:r>
             <a:r>
-              <a:rPr lang="en-US" dirty="0" err="1" smtClean="0"/>
+              <a:rPr lang="en-US" dirty="0" err="1"/>
               <a:t>distributie</a:t>
             </a:r>
             <a:r>
-              <a:rPr lang="en-US" dirty="0" smtClean="0"/>
+              <a:rPr lang="en-US" dirty="0"/>
               <a:t> </a:t>
             </a:r>
             <a:r>
-              <a:rPr lang="en-US" dirty="0" err="1" smtClean="0"/>
+              <a:rPr lang="en-US" dirty="0" err="1"/>
               <a:t>gaussiana</a:t>
             </a:r>
             <a:r>
-              <a:rPr lang="en-US" dirty="0" smtClean="0"/>
+              <a:rPr lang="en-US" dirty="0"/>
               <a:t>, </a:t>
             </a:r>
             <a:r>
-              <a:rPr lang="en-US" dirty="0" err="1" smtClean="0"/>
+              <a:rPr lang="en-US" dirty="0" err="1"/>
               <a:t>si</a:t>
             </a:r>
             <a:r>
-              <a:rPr lang="en-US" dirty="0" smtClean="0"/>
+              <a:rPr lang="en-US" dirty="0"/>
               <a:t> </a:t>
             </a:r>
             <a:r>
-              <a:rPr lang="en-US" dirty="0" err="1" smtClean="0"/>
+              <a:rPr lang="en-US" dirty="0" err="1"/>
               <a:t>arata</a:t>
             </a:r>
             <a:r>
-              <a:rPr lang="en-US" dirty="0" smtClean="0"/>
+              <a:rPr lang="en-US" dirty="0"/>
               <a:t> </a:t>
             </a:r>
             <a:r>
-              <a:rPr lang="en-US" dirty="0" err="1" smtClean="0"/>
+              <a:rPr lang="en-US" dirty="0" err="1"/>
               <a:t>astfel</a:t>
             </a:r>
             <a:r>
-              <a:rPr lang="en-US" dirty="0" smtClean="0"/>
+              <a:rPr lang="en-US" dirty="0"/>
               <a:t>:</a:t>
             </a:r>
           </a:p>
@@ -8061,8 +8046,8 @@
           </a:xfrm>
         </p:spPr>
       </p:pic>
-      <mc:AlternateContent xmlns:mc="http://schemas.openxmlformats.org/markup-compatibility/2006">
-        <mc:Choice xmlns:a14="http://schemas.microsoft.com/office/drawing/2010/main" Requires="a14">
+      <mc:AlternateContent xmlns:mc="http://schemas.openxmlformats.org/markup-compatibility/2006" xmlns:a14="http://schemas.microsoft.com/office/drawing/2010/main">
+        <mc:Choice Requires="a14">
           <p:sp>
             <p:nvSpPr>
               <p:cNvPr id="6" name="TextBox 5"/>
@@ -8086,87 +8071,87 @@
               <a:lstStyle/>
               <a:p>
                 <a:r>
-                  <a:rPr lang="en-US" dirty="0" smtClean="0"/>
+                  <a:rPr lang="en-US" dirty="0"/>
                   <a:t>Se </a:t>
                 </a:r>
                 <a:r>
-                  <a:rPr lang="en-US" dirty="0" err="1" smtClean="0"/>
+                  <a:rPr lang="en-US" dirty="0" err="1"/>
                   <a:t>observa</a:t>
                 </a:r>
                 <a:r>
-                  <a:rPr lang="en-US" dirty="0" smtClean="0"/>
+                  <a:rPr lang="en-US" dirty="0"/>
                   <a:t> ca </a:t>
                 </a:r>
                 <a:r>
-                  <a:rPr lang="en-US" dirty="0" err="1" smtClean="0"/>
+                  <a:rPr lang="en-US" dirty="0" err="1"/>
                   <a:t>aceasta</a:t>
                 </a:r>
                 <a:r>
-                  <a:rPr lang="en-US" dirty="0" smtClean="0"/>
-                  <a:t> </a:t>
-                </a:r>
-                <a:r>
-                  <a:rPr lang="en-US" dirty="0" err="1" smtClean="0"/>
+                  <a:rPr lang="en-US" dirty="0"/>
+                  <a:t> </a:t>
+                </a:r>
+                <a:r>
+                  <a:rPr lang="en-US" dirty="0" err="1"/>
                   <a:t>distributie</a:t>
                 </a:r>
                 <a:r>
-                  <a:rPr lang="en-US" dirty="0" smtClean="0"/>
+                  <a:rPr lang="en-US" dirty="0"/>
                   <a:t> nu ne </a:t>
                 </a:r>
                 <a:r>
-                  <a:rPr lang="en-US" dirty="0" err="1" smtClean="0"/>
+                  <a:rPr lang="en-US" dirty="0" err="1"/>
                   <a:t>ofera</a:t>
                 </a:r>
                 <a:r>
-                  <a:rPr lang="en-US" dirty="0" smtClean="0"/>
-                  <a:t> </a:t>
-                </a:r>
-                <a:r>
-                  <a:rPr lang="en-US" dirty="0" err="1" smtClean="0"/>
+                  <a:rPr lang="en-US" dirty="0"/>
+                  <a:t> </a:t>
+                </a:r>
+                <a:r>
+                  <a:rPr lang="en-US" dirty="0" err="1"/>
                   <a:t>nici</a:t>
                 </a:r>
                 <a:r>
-                  <a:rPr lang="en-US" dirty="0" smtClean="0"/>
+                  <a:rPr lang="en-US" dirty="0"/>
                   <a:t> o </a:t>
                 </a:r>
                 <a:r>
-                  <a:rPr lang="en-US" dirty="0" err="1" smtClean="0"/>
+                  <a:rPr lang="en-US" dirty="0" err="1"/>
                   <a:t>informatie</a:t>
                 </a:r>
                 <a:r>
-                  <a:rPr lang="en-US" dirty="0" smtClean="0"/>
-                  <a:t> </a:t>
-                </a:r>
-                <a:r>
-                  <a:rPr lang="en-US" dirty="0" err="1" smtClean="0"/>
+                  <a:rPr lang="en-US" dirty="0"/>
+                  <a:t> </a:t>
+                </a:r>
+                <a:r>
+                  <a:rPr lang="en-US" dirty="0" err="1"/>
                   <a:t>asupra</a:t>
                 </a:r>
                 <a:r>
-                  <a:rPr lang="en-US" dirty="0" smtClean="0"/>
-                  <a:t> </a:t>
-                </a:r>
-                <a:r>
-                  <a:rPr lang="en-US" dirty="0" err="1" smtClean="0"/>
+                  <a:rPr lang="en-US" dirty="0"/>
+                  <a:t> </a:t>
+                </a:r>
+                <a:r>
+                  <a:rPr lang="en-US" dirty="0" err="1"/>
                   <a:t>directiilor</a:t>
                 </a:r>
                 <a:r>
-                  <a:rPr lang="en-US" dirty="0" smtClean="0"/>
-                  <a:t> </a:t>
-                </a:r>
-                <a:r>
-                  <a:rPr lang="en-US" dirty="0" err="1" smtClean="0"/>
+                  <a:rPr lang="en-US" dirty="0"/>
+                  <a:t> </a:t>
+                </a:r>
+                <a:r>
+                  <a:rPr lang="en-US" dirty="0" err="1"/>
                   <a:t>coloanelor</a:t>
                 </a:r>
                 <a:r>
-                  <a:rPr lang="en-US" dirty="0" smtClean="0"/>
-                  <a:t> </a:t>
-                </a:r>
-                <a:r>
-                  <a:rPr lang="en-US" dirty="0" err="1" smtClean="0"/>
+                  <a:rPr lang="en-US" dirty="0"/>
+                  <a:t> </a:t>
+                </a:r>
+                <a:r>
+                  <a:rPr lang="en-US" dirty="0" err="1"/>
                   <a:t>lui</a:t>
                 </a:r>
                 <a:r>
-                  <a:rPr lang="en-US" dirty="0" smtClean="0"/>
+                  <a:rPr lang="en-US" dirty="0"/>
                   <a:t> </a:t>
                 </a:r>
                 <a14:m>
@@ -8180,55 +8165,55 @@
                   </m:oMath>
                 </a14:m>
                 <a:r>
-                  <a:rPr lang="en-US" dirty="0" smtClean="0"/>
+                  <a:rPr lang="en-US" dirty="0"/>
                   <a:t>, </a:t>
                 </a:r>
                 <a:r>
-                  <a:rPr lang="en-US" dirty="0" err="1" smtClean="0"/>
+                  <a:rPr lang="en-US" dirty="0" err="1"/>
                   <a:t>deoarece</a:t>
                 </a:r>
                 <a:r>
-                  <a:rPr lang="en-US" dirty="0" smtClean="0"/>
-                  <a:t> </a:t>
-                </a:r>
-                <a:r>
-                  <a:rPr lang="en-US" dirty="0" err="1" smtClean="0"/>
+                  <a:rPr lang="en-US" dirty="0"/>
+                  <a:t> </a:t>
+                </a:r>
+                <a:r>
+                  <a:rPr lang="en-US" dirty="0" err="1"/>
                   <a:t>densitatea</a:t>
                 </a:r>
                 <a:r>
-                  <a:rPr lang="en-US" dirty="0" smtClean="0"/>
-                  <a:t> </a:t>
-                </a:r>
-                <a:r>
-                  <a:rPr lang="en-US" dirty="0" err="1" smtClean="0"/>
+                  <a:rPr lang="en-US" dirty="0"/>
+                  <a:t> </a:t>
+                </a:r>
+                <a:r>
+                  <a:rPr lang="en-US" dirty="0" err="1"/>
                   <a:t>este</a:t>
                 </a:r>
                 <a:r>
-                  <a:rPr lang="en-US" dirty="0" smtClean="0"/>
-                  <a:t> </a:t>
-                </a:r>
-                <a:r>
-                  <a:rPr lang="en-US" dirty="0" err="1" smtClean="0"/>
+                  <a:rPr lang="en-US" dirty="0"/>
+                  <a:t> </a:t>
+                </a:r>
+                <a:r>
+                  <a:rPr lang="en-US" dirty="0" err="1"/>
                   <a:t>complet</a:t>
                 </a:r>
                 <a:r>
-                  <a:rPr lang="en-US" dirty="0" smtClean="0"/>
-                  <a:t> </a:t>
-                </a:r>
-                <a:r>
-                  <a:rPr lang="en-US" dirty="0" err="1" smtClean="0"/>
+                  <a:rPr lang="en-US" dirty="0"/>
+                  <a:t> </a:t>
+                </a:r>
+                <a:r>
+                  <a:rPr lang="en-US" dirty="0" err="1"/>
                   <a:t>simetrica</a:t>
                 </a:r>
                 <a:r>
-                  <a:rPr lang="en-US" dirty="0" smtClean="0"/>
+                  <a:rPr lang="en-US" dirty="0"/>
                   <a:t>, </a:t>
                 </a:r>
                 <a:r>
-                  <a:rPr lang="en-US" dirty="0" err="1" smtClean="0"/>
+                  <a:rPr lang="en-US" dirty="0" err="1"/>
                   <a:t>iar</a:t>
                 </a:r>
                 <a:r>
-                  <a:rPr lang="en-US" dirty="0" smtClean="0"/>
+                  <a:rPr lang="en-US" dirty="0"/>
                   <a:t> </a:t>
                 </a:r>
                 <a14:m>
@@ -8242,23 +8227,23 @@
                   </m:oMath>
                 </a14:m>
                 <a:r>
-                  <a:rPr lang="en-US" dirty="0" smtClean="0"/>
+                  <a:rPr lang="en-US" dirty="0"/>
                   <a:t>, </a:t>
                 </a:r>
                 <a:r>
-                  <a:rPr lang="en-US" dirty="0" err="1" smtClean="0"/>
+                  <a:rPr lang="en-US" dirty="0" err="1"/>
                   <a:t>si</a:t>
                 </a:r>
                 <a:r>
-                  <a:rPr lang="en-US" dirty="0" smtClean="0"/>
-                  <a:t> </a:t>
-                </a:r>
-                <a:r>
-                  <a:rPr lang="en-US" dirty="0" err="1" smtClean="0"/>
+                  <a:rPr lang="en-US" dirty="0"/>
+                  <a:t> </a:t>
+                </a:r>
+                <a:r>
+                  <a:rPr lang="en-US" dirty="0" err="1"/>
                   <a:t>respectiv</a:t>
                 </a:r>
                 <a:r>
-                  <a:rPr lang="en-US" dirty="0" smtClean="0"/>
+                  <a:rPr lang="en-US" dirty="0"/>
                   <a:t> </a:t>
                 </a:r>
                 <a14:m>
@@ -8291,61 +8276,61 @@
                   </m:oMath>
                 </a14:m>
                 <a:r>
-                  <a:rPr lang="en-US" dirty="0" smtClean="0"/>
+                  <a:rPr lang="en-US" dirty="0"/>
                   <a:t> nu </a:t>
                 </a:r>
                 <a:r>
-                  <a:rPr lang="en-US" dirty="0" err="1" smtClean="0"/>
+                  <a:rPr lang="en-US" dirty="0" err="1"/>
                   <a:t>poate</a:t>
                 </a:r>
                 <a:r>
-                  <a:rPr lang="en-US" dirty="0" smtClean="0"/>
+                  <a:rPr lang="en-US" dirty="0"/>
                   <a:t> fi </a:t>
                 </a:r>
                 <a:r>
-                  <a:rPr lang="en-US" dirty="0" err="1" smtClean="0"/>
+                  <a:rPr lang="en-US" dirty="0" err="1"/>
                   <a:t>determinat</a:t>
                 </a:r>
                 <a:r>
-                  <a:rPr lang="en-US" dirty="0" smtClean="0"/>
+                  <a:rPr lang="en-US" dirty="0"/>
                   <a:t>. </a:t>
                 </a:r>
               </a:p>
               <a:p>
                 <a:r>
-                  <a:rPr lang="en-US" dirty="0" smtClean="0"/>
+                  <a:rPr lang="en-US" dirty="0"/>
                   <a:t>Si </a:t>
                 </a:r>
                 <a:r>
-                  <a:rPr lang="en-US" dirty="0" err="1" smtClean="0"/>
+                  <a:rPr lang="en-US" dirty="0" err="1"/>
                   <a:t>daca</a:t>
                 </a:r>
                 <a:r>
-                  <a:rPr lang="en-US" dirty="0" smtClean="0"/>
+                  <a:rPr lang="en-US" dirty="0"/>
                   <a:t> nu am </a:t>
                 </a:r>
                 <a:r>
-                  <a:rPr lang="en-US" dirty="0" err="1" smtClean="0"/>
+                  <a:rPr lang="en-US" dirty="0" err="1"/>
                   <a:t>avea</a:t>
                 </a:r>
                 <a:r>
-                  <a:rPr lang="en-US" dirty="0" smtClean="0"/>
+                  <a:rPr lang="en-US" dirty="0"/>
                   <a:t> o </a:t>
                 </a:r>
                 <a:r>
-                  <a:rPr lang="en-US" dirty="0" err="1" smtClean="0"/>
+                  <a:rPr lang="en-US" dirty="0" err="1"/>
                   <a:t>matrice</a:t>
                 </a:r>
                 <a:r>
-                  <a:rPr lang="en-US" dirty="0" smtClean="0"/>
+                  <a:rPr lang="en-US" dirty="0"/>
                   <a:t> de </a:t>
                 </a:r>
                 <a:r>
-                  <a:rPr lang="en-US" dirty="0" err="1" smtClean="0"/>
+                  <a:rPr lang="en-US" dirty="0" err="1"/>
                   <a:t>multiplicare</a:t>
                 </a:r>
                 <a:r>
-                  <a:rPr lang="en-US" dirty="0" smtClean="0"/>
+                  <a:rPr lang="en-US" dirty="0"/>
                   <a:t> </a:t>
                 </a:r>
                 <a14:m>
@@ -8359,23 +8344,23 @@
                   </m:oMath>
                 </a14:m>
                 <a:r>
-                  <a:rPr lang="en-US" dirty="0" smtClean="0"/>
-                  <a:t> </a:t>
-                </a:r>
-                <a:r>
-                  <a:rPr lang="en-US" dirty="0" err="1" smtClean="0"/>
+                  <a:rPr lang="en-US" dirty="0"/>
+                  <a:t> </a:t>
+                </a:r>
+                <a:r>
+                  <a:rPr lang="en-US" dirty="0" err="1"/>
                   <a:t>ortonormala</a:t>
                 </a:r>
                 <a:r>
-                  <a:rPr lang="en-US" dirty="0" smtClean="0"/>
+                  <a:rPr lang="en-US" dirty="0"/>
                   <a:t>, </a:t>
                 </a:r>
                 <a:r>
-                  <a:rPr lang="en-US" dirty="0" err="1" smtClean="0"/>
+                  <a:rPr lang="en-US" dirty="0" err="1"/>
                   <a:t>dar</a:t>
                 </a:r>
                 <a:r>
-                  <a:rPr lang="en-US" dirty="0" smtClean="0"/>
+                  <a:rPr lang="en-US" dirty="0"/>
                   <a:t> </a:t>
                 </a:r>
                 <a14:m>
@@ -8408,55 +8393,55 @@
                   </m:oMath>
                 </a14:m>
                 <a:r>
-                  <a:rPr lang="en-US" dirty="0" smtClean="0"/>
+                  <a:rPr lang="en-US" dirty="0"/>
                   <a:t> au </a:t>
                 </a:r>
                 <a:r>
-                  <a:rPr lang="en-US" dirty="0" err="1" smtClean="0"/>
+                  <a:rPr lang="en-US" dirty="0" err="1"/>
                   <a:t>distributii</a:t>
                 </a:r>
                 <a:r>
-                  <a:rPr lang="en-US" dirty="0" smtClean="0"/>
-                  <a:t> </a:t>
-                </a:r>
-                <a:r>
-                  <a:rPr lang="en-US" dirty="0" err="1" smtClean="0"/>
+                  <a:rPr lang="en-US" dirty="0"/>
+                  <a:t> </a:t>
+                </a:r>
+                <a:r>
+                  <a:rPr lang="en-US" dirty="0" err="1"/>
                   <a:t>gaussiene</a:t>
                 </a:r>
                 <a:r>
-                  <a:rPr lang="en-US" dirty="0" smtClean="0"/>
+                  <a:rPr lang="en-US" dirty="0"/>
                   <a:t>, </a:t>
                 </a:r>
                 <a:r>
-                  <a:rPr lang="en-US" dirty="0" err="1" smtClean="0"/>
+                  <a:rPr lang="en-US" dirty="0" err="1"/>
                   <a:t>vom</a:t>
                 </a:r>
                 <a:r>
-                  <a:rPr lang="en-US" dirty="0" smtClean="0"/>
-                  <a:t> </a:t>
-                </a:r>
-                <a:r>
-                  <a:rPr lang="en-US" dirty="0" err="1" smtClean="0"/>
+                  <a:rPr lang="en-US" dirty="0"/>
+                  <a:t> </a:t>
+                </a:r>
+                <a:r>
+                  <a:rPr lang="en-US" dirty="0" err="1"/>
                   <a:t>putea</a:t>
                 </a:r>
                 <a:r>
-                  <a:rPr lang="en-US" dirty="0" smtClean="0"/>
-                  <a:t> </a:t>
-                </a:r>
-                <a:r>
-                  <a:rPr lang="en-US" dirty="0" err="1" smtClean="0"/>
+                  <a:rPr lang="en-US" dirty="0"/>
+                  <a:t> </a:t>
+                </a:r>
+                <a:r>
+                  <a:rPr lang="en-US" dirty="0" err="1"/>
                   <a:t>estima</a:t>
                 </a:r>
                 <a:r>
-                  <a:rPr lang="en-US" dirty="0" smtClean="0"/>
-                  <a:t> </a:t>
-                </a:r>
-                <a:r>
-                  <a:rPr lang="en-US" dirty="0" err="1" smtClean="0"/>
+                  <a:rPr lang="en-US" dirty="0"/>
+                  <a:t> </a:t>
+                </a:r>
+                <a:r>
+                  <a:rPr lang="en-US" dirty="0" err="1"/>
                   <a:t>matricea</a:t>
                 </a:r>
                 <a:r>
-                  <a:rPr lang="en-US" dirty="0" smtClean="0"/>
+                  <a:rPr lang="en-US" dirty="0"/>
                   <a:t> </a:t>
                 </a:r>
                 <a14:m>
@@ -8470,135 +8455,135 @@
                   </m:oMath>
                 </a14:m>
                 <a:r>
-                  <a:rPr lang="en-US" dirty="0" smtClean="0"/>
-                  <a:t> </a:t>
-                </a:r>
-                <a:r>
-                  <a:rPr lang="en-US" dirty="0" err="1" smtClean="0"/>
+                  <a:rPr lang="en-US" dirty="0"/>
+                  <a:t> </a:t>
+                </a:r>
+                <a:r>
+                  <a:rPr lang="en-US" dirty="0" err="1"/>
                   <a:t>doar</a:t>
                 </a:r>
                 <a:r>
-                  <a:rPr lang="en-US" dirty="0" smtClean="0"/>
-                  <a:t> </a:t>
-                </a:r>
-                <a:r>
-                  <a:rPr lang="en-US" dirty="0" err="1" smtClean="0"/>
+                  <a:rPr lang="en-US" dirty="0"/>
+                  <a:t> </a:t>
+                </a:r>
+                <a:r>
+                  <a:rPr lang="en-US" dirty="0" err="1"/>
                   <a:t>pana</a:t>
                 </a:r>
                 <a:r>
-                  <a:rPr lang="en-US" dirty="0" smtClean="0"/>
+                  <a:rPr lang="en-US" dirty="0"/>
                   <a:t> la o </a:t>
                 </a:r>
                 <a:r>
-                  <a:rPr lang="en-US" dirty="0" err="1" smtClean="0"/>
+                  <a:rPr lang="en-US" dirty="0" err="1"/>
                   <a:t>transformare</a:t>
                 </a:r>
                 <a:r>
-                  <a:rPr lang="en-US" dirty="0" smtClean="0"/>
-                  <a:t> </a:t>
-                </a:r>
-                <a:r>
-                  <a:rPr lang="en-US" dirty="0" err="1" smtClean="0"/>
+                  <a:rPr lang="en-US" dirty="0"/>
+                  <a:t> </a:t>
+                </a:r>
+                <a:r>
+                  <a:rPr lang="en-US" dirty="0" err="1"/>
                   <a:t>ortonormala</a:t>
                 </a:r>
                 <a:r>
-                  <a:rPr lang="en-US" dirty="0" smtClean="0"/>
+                  <a:rPr lang="en-US" dirty="0"/>
                   <a:t>, </a:t>
                 </a:r>
                 <a:r>
-                  <a:rPr lang="en-US" dirty="0" err="1" smtClean="0"/>
+                  <a:rPr lang="en-US" dirty="0" err="1"/>
                   <a:t>iar</a:t>
                 </a:r>
                 <a:r>
-                  <a:rPr lang="en-US" dirty="0" smtClean="0"/>
-                  <a:t> </a:t>
-                </a:r>
-                <a:r>
-                  <a:rPr lang="en-US" dirty="0" err="1" smtClean="0"/>
+                  <a:rPr lang="en-US" dirty="0"/>
+                  <a:t> </a:t>
+                </a:r>
+                <a:r>
+                  <a:rPr lang="en-US" dirty="0" err="1"/>
                   <a:t>apoi</a:t>
                 </a:r>
                 <a:r>
-                  <a:rPr lang="en-US" dirty="0" smtClean="0"/>
+                  <a:rPr lang="en-US" dirty="0"/>
                   <a:t>, ca </a:t>
                 </a:r>
                 <a:r>
-                  <a:rPr lang="en-US" dirty="0" err="1" smtClean="0"/>
+                  <a:rPr lang="en-US" dirty="0" err="1"/>
                   <a:t>mai</a:t>
                 </a:r>
                 <a:r>
-                  <a:rPr lang="en-US" dirty="0" smtClean="0"/>
-                  <a:t> </a:t>
-                </a:r>
-                <a:r>
-                  <a:rPr lang="en-US" dirty="0" err="1" smtClean="0"/>
+                  <a:rPr lang="en-US" dirty="0"/>
+                  <a:t> </a:t>
+                </a:r>
+                <a:r>
+                  <a:rPr lang="en-US" dirty="0" err="1"/>
                   <a:t>inainte</a:t>
                 </a:r>
                 <a:r>
-                  <a:rPr lang="en-US" dirty="0" smtClean="0"/>
+                  <a:rPr lang="en-US" dirty="0"/>
                   <a:t>, </a:t>
                 </a:r>
                 <a:r>
-                  <a:rPr lang="en-US" dirty="0" err="1" smtClean="0"/>
+                  <a:rPr lang="en-US" dirty="0" err="1"/>
                   <a:t>distributia</a:t>
                 </a:r>
                 <a:r>
-                  <a:rPr lang="en-US" dirty="0" smtClean="0"/>
-                  <a:t> </a:t>
-                </a:r>
-                <a:r>
-                  <a:rPr lang="en-US" dirty="0" err="1" smtClean="0"/>
+                  <a:rPr lang="en-US" dirty="0"/>
+                  <a:t> </a:t>
+                </a:r>
+                <a:r>
+                  <a:rPr lang="en-US" dirty="0" err="1"/>
                   <a:t>fiind</a:t>
                 </a:r>
                 <a:r>
-                  <a:rPr lang="en-US" dirty="0" smtClean="0"/>
-                  <a:t> </a:t>
-                </a:r>
-                <a:r>
-                  <a:rPr lang="en-US" dirty="0" err="1" smtClean="0"/>
+                  <a:rPr lang="en-US" dirty="0"/>
+                  <a:t> </a:t>
+                </a:r>
+                <a:r>
+                  <a:rPr lang="en-US" dirty="0" err="1"/>
                   <a:t>gaussiana</a:t>
                 </a:r>
                 <a:r>
-                  <a:rPr lang="en-US" dirty="0" smtClean="0"/>
+                  <a:rPr lang="en-US" dirty="0"/>
                   <a:t>, nu </a:t>
                 </a:r>
                 <a:r>
-                  <a:rPr lang="en-US" dirty="0" err="1" smtClean="0"/>
+                  <a:rPr lang="en-US" dirty="0" err="1"/>
                   <a:t>putem</a:t>
                 </a:r>
                 <a:r>
-                  <a:rPr lang="en-US" dirty="0" smtClean="0"/>
-                  <a:t> </a:t>
-                </a:r>
-                <a:r>
-                  <a:rPr lang="en-US" dirty="0" err="1" smtClean="0"/>
+                  <a:rPr lang="en-US" dirty="0"/>
+                  <a:t> </a:t>
+                </a:r>
+                <a:r>
+                  <a:rPr lang="en-US" dirty="0" err="1"/>
                   <a:t>aproxima</a:t>
                 </a:r>
                 <a:r>
-                  <a:rPr lang="en-US" dirty="0" smtClean="0"/>
-                  <a:t> </a:t>
-                </a:r>
-                <a:r>
-                  <a:rPr lang="en-US" dirty="0" err="1" smtClean="0"/>
+                  <a:rPr lang="en-US" dirty="0"/>
+                  <a:t> </a:t>
+                </a:r>
+                <a:r>
+                  <a:rPr lang="en-US" dirty="0" err="1"/>
                   <a:t>directiile</a:t>
                 </a:r>
                 <a:r>
-                  <a:rPr lang="en-US" dirty="0" smtClean="0"/>
-                  <a:t> </a:t>
-                </a:r>
-                <a:r>
-                  <a:rPr lang="en-US" dirty="0" err="1" smtClean="0"/>
+                  <a:rPr lang="en-US" dirty="0"/>
+                  <a:t> </a:t>
+                </a:r>
+                <a:r>
+                  <a:rPr lang="en-US" dirty="0" err="1"/>
                   <a:t>coloanelor</a:t>
                 </a:r>
                 <a:r>
-                  <a:rPr lang="en-US" dirty="0" smtClean="0"/>
-                  <a:t> </a:t>
-                </a:r>
-                <a:r>
-                  <a:rPr lang="en-US" dirty="0" err="1" smtClean="0"/>
+                  <a:rPr lang="en-US" dirty="0"/>
+                  <a:t> </a:t>
+                </a:r>
+                <a:r>
+                  <a:rPr lang="en-US" dirty="0" err="1"/>
                   <a:t>lui</a:t>
                 </a:r>
                 <a:r>
-                  <a:rPr lang="en-US" dirty="0" smtClean="0"/>
+                  <a:rPr lang="en-US" dirty="0"/>
                   <a:t> </a:t>
                 </a:r>
                 <a14:m>
@@ -8612,15 +8597,14 @@
                   </m:oMath>
                 </a14:m>
                 <a:r>
-                  <a:rPr lang="en-US" dirty="0" smtClean="0"/>
+                  <a:rPr lang="en-US" dirty="0"/>
                   <a:t>.</a:t>
                 </a:r>
-                <a:endParaRPr lang="en-US" dirty="0"/>
               </a:p>
             </p:txBody>
           </p:sp>
         </mc:Choice>
-        <mc:Fallback>
+        <mc:Fallback xmlns="">
           <p:sp>
             <p:nvSpPr>
               <p:cNvPr id="6" name="TextBox 5"/>
@@ -8706,19 +8690,18 @@
           <a:p>
             <a:pPr algn="ctr"/>
             <a:r>
-              <a:rPr lang="en-US" b="1" dirty="0" err="1" smtClean="0"/>
+              <a:rPr lang="en-US" b="1" dirty="0" err="1"/>
               <a:t>Limitari</a:t>
             </a:r>
             <a:r>
-              <a:rPr lang="en-US" b="1" dirty="0" smtClean="0"/>
+              <a:rPr lang="en-US" b="1" dirty="0"/>
               <a:t> ale ICA</a:t>
             </a:r>
-            <a:endParaRPr lang="en-US" b="1" dirty="0"/>
           </a:p>
         </p:txBody>
       </p:sp>
-      <mc:AlternateContent xmlns:mc="http://schemas.openxmlformats.org/markup-compatibility/2006">
-        <mc:Choice xmlns:a14="http://schemas.microsoft.com/office/drawing/2010/main" Requires="a14">
+      <mc:AlternateContent xmlns:mc="http://schemas.openxmlformats.org/markup-compatibility/2006" xmlns:a14="http://schemas.microsoft.com/office/drawing/2010/main">
+        <mc:Choice Requires="a14">
           <p:sp>
             <p:nvSpPr>
               <p:cNvPr id="3" name="Content Placeholder 2"/>
@@ -8739,79 +8722,79 @@
                   <a:buAutoNum type="arabicPeriod"/>
                 </a:pPr>
                 <a:r>
-                  <a:rPr lang="en-US" dirty="0" smtClean="0"/>
+                  <a:rPr lang="en-US" dirty="0"/>
                   <a:t>Avem </a:t>
                 </a:r>
                 <a:r>
-                  <a:rPr lang="en-US" dirty="0" err="1" smtClean="0"/>
+                  <a:rPr lang="en-US" dirty="0" err="1"/>
                   <a:t>nevoie</a:t>
                 </a:r>
                 <a:r>
-                  <a:rPr lang="en-US" dirty="0" smtClean="0"/>
+                  <a:rPr lang="en-US" dirty="0"/>
                   <a:t> de </a:t>
                 </a:r>
                 <a:r>
-                  <a:rPr lang="en-US" dirty="0" err="1" smtClean="0"/>
+                  <a:rPr lang="en-US" dirty="0" err="1"/>
                   <a:t>atatea</a:t>
                 </a:r>
                 <a:r>
-                  <a:rPr lang="en-US" dirty="0" smtClean="0"/>
-                  <a:t> </a:t>
-                </a:r>
-                <a:r>
-                  <a:rPr lang="en-US" dirty="0" err="1" smtClean="0"/>
+                  <a:rPr lang="en-US" dirty="0"/>
+                  <a:t> </a:t>
+                </a:r>
+                <a:r>
+                  <a:rPr lang="en-US" dirty="0" err="1"/>
                   <a:t>semnale</a:t>
                 </a:r>
                 <a:r>
-                  <a:rPr lang="en-US" dirty="0" smtClean="0"/>
-                  <a:t> </a:t>
-                </a:r>
-                <a:r>
-                  <a:rPr lang="en-US" dirty="0" err="1" smtClean="0"/>
+                  <a:rPr lang="en-US" dirty="0"/>
+                  <a:t> </a:t>
+                </a:r>
+                <a:r>
+                  <a:rPr lang="en-US" dirty="0" err="1"/>
                   <a:t>inregristrate</a:t>
                 </a:r>
                 <a:r>
-                  <a:rPr lang="en-US" dirty="0" smtClean="0"/>
-                  <a:t> </a:t>
-                </a:r>
-                <a:r>
-                  <a:rPr lang="en-US" dirty="0" err="1" smtClean="0"/>
+                  <a:rPr lang="en-US" dirty="0"/>
+                  <a:t> </a:t>
+                </a:r>
+                <a:r>
+                  <a:rPr lang="en-US" dirty="0" err="1"/>
                   <a:t>pe</a:t>
                 </a:r>
                 <a:r>
-                  <a:rPr lang="en-US" dirty="0" smtClean="0"/>
+                  <a:rPr lang="en-US" dirty="0"/>
                   <a:t> cate </a:t>
                 </a:r>
                 <a:r>
-                  <a:rPr lang="en-US" dirty="0" err="1" smtClean="0"/>
+                  <a:rPr lang="en-US" dirty="0" err="1"/>
                   <a:t>semnale</a:t>
                 </a:r>
                 <a:r>
-                  <a:rPr lang="en-US" dirty="0" smtClean="0"/>
-                  <a:t> </a:t>
-                </a:r>
-                <a:r>
-                  <a:rPr lang="en-US" dirty="0" err="1" smtClean="0"/>
+                  <a:rPr lang="en-US" dirty="0"/>
+                  <a:t> </a:t>
+                </a:r>
+                <a:r>
+                  <a:rPr lang="en-US" dirty="0" err="1"/>
                   <a:t>vrem</a:t>
                 </a:r>
                 <a:r>
-                  <a:rPr lang="en-US" dirty="0" smtClean="0"/>
-                  <a:t> </a:t>
-                </a:r>
-                <a:r>
-                  <a:rPr lang="en-US" dirty="0" err="1" smtClean="0"/>
+                  <a:rPr lang="en-US" dirty="0"/>
+                  <a:t> </a:t>
+                </a:r>
+                <a:r>
+                  <a:rPr lang="en-US" dirty="0" err="1"/>
                   <a:t>sa</a:t>
                 </a:r>
                 <a:r>
-                  <a:rPr lang="en-US" dirty="0" smtClean="0"/>
-                  <a:t> </a:t>
-                </a:r>
-                <a:r>
-                  <a:rPr lang="en-US" dirty="0" err="1" smtClean="0"/>
+                  <a:rPr lang="en-US" dirty="0"/>
+                  <a:t> </a:t>
+                </a:r>
+                <a:r>
+                  <a:rPr lang="en-US" dirty="0" err="1"/>
                   <a:t>recuperam</a:t>
                 </a:r>
                 <a:r>
-                  <a:rPr lang="en-US" dirty="0" smtClean="0"/>
+                  <a:rPr lang="en-US" dirty="0"/>
                   <a:t>.</a:t>
                 </a:r>
               </a:p>
@@ -8821,87 +8804,87 @@
                   <a:buAutoNum type="arabicPeriod"/>
                 </a:pPr>
                 <a:r>
-                  <a:rPr lang="en-US" dirty="0" smtClean="0"/>
+                  <a:rPr lang="en-US" dirty="0"/>
                   <a:t>Nu </a:t>
                 </a:r>
                 <a:r>
-                  <a:rPr lang="en-US" dirty="0" err="1" smtClean="0"/>
+                  <a:rPr lang="en-US" dirty="0" err="1"/>
                   <a:t>putem</a:t>
                 </a:r>
                 <a:r>
-                  <a:rPr lang="en-US" dirty="0" smtClean="0"/>
-                  <a:t> </a:t>
-                </a:r>
-                <a:r>
-                  <a:rPr lang="en-US" dirty="0" err="1" smtClean="0"/>
+                  <a:rPr lang="en-US" dirty="0"/>
+                  <a:t> </a:t>
+                </a:r>
+                <a:r>
+                  <a:rPr lang="en-US" dirty="0" err="1"/>
                   <a:t>determina</a:t>
                 </a:r>
                 <a:r>
-                  <a:rPr lang="en-US" dirty="0" smtClean="0"/>
-                  <a:t> </a:t>
-                </a:r>
-                <a:r>
-                  <a:rPr lang="en-US" dirty="0" err="1" smtClean="0"/>
+                  <a:rPr lang="en-US" dirty="0"/>
+                  <a:t> </a:t>
+                </a:r>
+                <a:r>
+                  <a:rPr lang="en-US" dirty="0" err="1"/>
                   <a:t>magnitudinile</a:t>
                 </a:r>
                 <a:r>
-                  <a:rPr lang="en-US" dirty="0" smtClean="0"/>
-                  <a:t> </a:t>
-                </a:r>
-                <a:r>
-                  <a:rPr lang="en-US" dirty="0" err="1" smtClean="0"/>
+                  <a:rPr lang="en-US" dirty="0"/>
+                  <a:t> </a:t>
+                </a:r>
+                <a:r>
+                  <a:rPr lang="en-US" dirty="0" err="1"/>
                   <a:t>componentelor</a:t>
                 </a:r>
                 <a:r>
-                  <a:rPr lang="en-US" dirty="0" smtClean="0"/>
-                  <a:t> </a:t>
-                </a:r>
-                <a:r>
-                  <a:rPr lang="en-US" dirty="0" err="1" smtClean="0"/>
+                  <a:rPr lang="en-US" dirty="0"/>
+                  <a:t> </a:t>
+                </a:r>
+                <a:r>
+                  <a:rPr lang="en-US" dirty="0" err="1"/>
                   <a:t>independente</a:t>
                 </a:r>
                 <a:r>
-                  <a:rPr lang="en-US" dirty="0" smtClean="0"/>
+                  <a:rPr lang="en-US" dirty="0"/>
                   <a:t>: </a:t>
                 </a:r>
                 <a:r>
-                  <a:rPr lang="en-US" dirty="0" err="1" smtClean="0"/>
+                  <a:rPr lang="en-US" dirty="0" err="1"/>
                   <a:t>acest</a:t>
                 </a:r>
                 <a:r>
-                  <a:rPr lang="en-US" dirty="0" smtClean="0"/>
-                  <a:t> </a:t>
-                </a:r>
-                <a:r>
-                  <a:rPr lang="en-US" dirty="0" err="1" smtClean="0"/>
+                  <a:rPr lang="en-US" dirty="0"/>
+                  <a:t> </a:t>
+                </a:r>
+                <a:r>
+                  <a:rPr lang="en-US" dirty="0" err="1"/>
                   <a:t>lucru</a:t>
                 </a:r>
                 <a:r>
-                  <a:rPr lang="en-US" dirty="0" smtClean="0"/>
+                  <a:rPr lang="en-US" dirty="0"/>
                   <a:t> se </a:t>
                 </a:r>
                 <a:r>
-                  <a:rPr lang="en-US" dirty="0" err="1" smtClean="0"/>
+                  <a:rPr lang="en-US" dirty="0" err="1"/>
                   <a:t>datoreaza</a:t>
                 </a:r>
                 <a:r>
-                  <a:rPr lang="en-US" dirty="0" smtClean="0"/>
-                  <a:t> </a:t>
-                </a:r>
-                <a:r>
-                  <a:rPr lang="en-US" dirty="0" err="1" smtClean="0"/>
+                  <a:rPr lang="en-US" dirty="0"/>
+                  <a:t> </a:t>
+                </a:r>
+                <a:r>
+                  <a:rPr lang="en-US" dirty="0" err="1"/>
                   <a:t>faptului</a:t>
                 </a:r>
                 <a:r>
-                  <a:rPr lang="en-US" dirty="0" smtClean="0"/>
+                  <a:rPr lang="en-US" dirty="0"/>
                   <a:t> ca, </a:t>
                 </a:r>
                 <a:r>
-                  <a:rPr lang="en-US" dirty="0" err="1" smtClean="0"/>
+                  <a:rPr lang="en-US" dirty="0" err="1"/>
                   <a:t>atat</a:t>
                 </a:r>
                 <a:r>
-                  <a:rPr lang="en-US" dirty="0" smtClean="0"/>
+                  <a:rPr lang="en-US" dirty="0"/>
                   <a:t> </a:t>
                 </a:r>
                 <a14:m>
@@ -8915,15 +8898,15 @@
                   </m:oMath>
                 </a14:m>
                 <a:r>
-                  <a:rPr lang="en-US" dirty="0" smtClean="0"/>
+                  <a:rPr lang="en-US" dirty="0"/>
                   <a:t> cat </a:t>
                 </a:r>
                 <a:r>
-                  <a:rPr lang="en-US" dirty="0" err="1" smtClean="0"/>
+                  <a:rPr lang="en-US" dirty="0" err="1"/>
                   <a:t>si</a:t>
                 </a:r>
                 <a:r>
-                  <a:rPr lang="en-US" dirty="0" smtClean="0"/>
+                  <a:rPr lang="en-US" dirty="0"/>
                   <a:t> </a:t>
                 </a:r>
                 <a14:m>
@@ -8937,47 +8920,47 @@
                   </m:oMath>
                 </a14:m>
                 <a:r>
-                  <a:rPr lang="en-US" dirty="0" smtClean="0"/>
-                  <a:t> </a:t>
-                </a:r>
-                <a:r>
-                  <a:rPr lang="en-US" dirty="0" err="1" smtClean="0"/>
+                  <a:rPr lang="en-US" dirty="0"/>
+                  <a:t> </a:t>
+                </a:r>
+                <a:r>
+                  <a:rPr lang="en-US" dirty="0" err="1"/>
                   <a:t>sunt</a:t>
                 </a:r>
                 <a:r>
-                  <a:rPr lang="en-US" dirty="0" smtClean="0"/>
-                  <a:t> </a:t>
-                </a:r>
-                <a:r>
-                  <a:rPr lang="en-US" dirty="0" err="1" smtClean="0"/>
+                  <a:rPr lang="en-US" dirty="0"/>
+                  <a:t> </a:t>
+                </a:r>
+                <a:r>
+                  <a:rPr lang="en-US" dirty="0" err="1"/>
                   <a:t>necunoscute</a:t>
                 </a:r>
                 <a:r>
-                  <a:rPr lang="en-US" dirty="0" smtClean="0"/>
+                  <a:rPr lang="en-US" dirty="0"/>
                   <a:t>, </a:t>
                 </a:r>
                 <a:r>
-                  <a:rPr lang="en-US" dirty="0" err="1" smtClean="0"/>
+                  <a:rPr lang="en-US" dirty="0" err="1"/>
                   <a:t>orice</a:t>
                 </a:r>
                 <a:r>
-                  <a:rPr lang="en-US" dirty="0" smtClean="0"/>
-                  <a:t> </a:t>
-                </a:r>
-                <a:r>
-                  <a:rPr lang="en-US" dirty="0" err="1" smtClean="0"/>
+                  <a:rPr lang="en-US" dirty="0"/>
+                  <a:t> </a:t>
+                </a:r>
+                <a:r>
+                  <a:rPr lang="en-US" dirty="0" err="1"/>
                   <a:t>multiplicator</a:t>
                 </a:r>
                 <a:r>
-                  <a:rPr lang="en-US" dirty="0" smtClean="0"/>
+                  <a:rPr lang="en-US" dirty="0"/>
                   <a:t> al </a:t>
                 </a:r>
                 <a:r>
-                  <a:rPr lang="en-US" dirty="0" err="1" smtClean="0"/>
+                  <a:rPr lang="en-US" dirty="0" err="1"/>
                   <a:t>surselor</a:t>
                 </a:r>
                 <a:r>
-                  <a:rPr lang="en-US" dirty="0" smtClean="0"/>
+                  <a:rPr lang="en-US" dirty="0"/>
                   <a:t> </a:t>
                 </a:r>
                 <a14:m>
@@ -9010,71 +8993,71 @@
                   </m:oMath>
                 </a14:m>
                 <a:r>
-                  <a:rPr lang="en-US" dirty="0" smtClean="0"/>
-                  <a:t> </a:t>
-                </a:r>
-                <a:r>
-                  <a:rPr lang="en-US" dirty="0" err="1" smtClean="0"/>
+                  <a:rPr lang="en-US" dirty="0"/>
+                  <a:t> </a:t>
+                </a:r>
+                <a:r>
+                  <a:rPr lang="en-US" dirty="0" err="1"/>
                   <a:t>ar</a:t>
                 </a:r>
                 <a:r>
-                  <a:rPr lang="en-US" dirty="0" smtClean="0"/>
-                  <a:t> </a:t>
-                </a:r>
-                <a:r>
-                  <a:rPr lang="en-US" dirty="0" err="1" smtClean="0"/>
+                  <a:rPr lang="en-US" dirty="0"/>
+                  <a:t> </a:t>
+                </a:r>
+                <a:r>
+                  <a:rPr lang="en-US" dirty="0" err="1"/>
                   <a:t>putea</a:t>
                 </a:r>
                 <a:r>
-                  <a:rPr lang="en-US" dirty="0" smtClean="0"/>
+                  <a:rPr lang="en-US" dirty="0"/>
                   <a:t> fi </a:t>
                 </a:r>
                 <a:r>
-                  <a:rPr lang="en-US" dirty="0" err="1" smtClean="0"/>
+                  <a:rPr lang="en-US" dirty="0" err="1"/>
                   <a:t>negat</a:t>
                 </a:r>
                 <a:r>
-                  <a:rPr lang="en-US" dirty="0" smtClean="0"/>
-                  <a:t> </a:t>
-                </a:r>
-                <a:r>
-                  <a:rPr lang="en-US" dirty="0" err="1" smtClean="0"/>
+                  <a:rPr lang="en-US" dirty="0"/>
+                  <a:t> </a:t>
+                </a:r>
+                <a:r>
+                  <a:rPr lang="en-US" dirty="0" err="1"/>
                   <a:t>prin</a:t>
                 </a:r>
                 <a:r>
-                  <a:rPr lang="en-US" dirty="0" smtClean="0"/>
-                  <a:t> </a:t>
-                </a:r>
-                <a:r>
-                  <a:rPr lang="en-US" dirty="0" err="1" smtClean="0"/>
+                  <a:rPr lang="en-US" dirty="0"/>
+                  <a:t> </a:t>
+                </a:r>
+                <a:r>
+                  <a:rPr lang="en-US" dirty="0" err="1"/>
                   <a:t>impartirea</a:t>
                 </a:r>
                 <a:r>
-                  <a:rPr lang="en-US" dirty="0" smtClean="0"/>
-                  <a:t> </a:t>
-                </a:r>
-                <a:r>
-                  <a:rPr lang="en-US" dirty="0" err="1" smtClean="0"/>
+                  <a:rPr lang="en-US" dirty="0"/>
+                  <a:t> </a:t>
+                </a:r>
+                <a:r>
+                  <a:rPr lang="en-US" dirty="0" err="1"/>
                   <a:t>coloanei</a:t>
                 </a:r>
                 <a:r>
-                  <a:rPr lang="en-US" dirty="0" smtClean="0"/>
-                  <a:t> </a:t>
-                </a:r>
-                <a:r>
-                  <a:rPr lang="en-US" dirty="0" err="1" smtClean="0"/>
+                  <a:rPr lang="en-US" dirty="0"/>
+                  <a:t> </a:t>
+                </a:r>
+                <a:r>
+                  <a:rPr lang="en-US" dirty="0" err="1"/>
                   <a:t>corespunzatoare</a:t>
                 </a:r>
                 <a:r>
-                  <a:rPr lang="en-US" dirty="0" smtClean="0"/>
-                  <a:t> </a:t>
-                </a:r>
-                <a:r>
-                  <a:rPr lang="en-US" dirty="0" err="1" smtClean="0"/>
+                  <a:rPr lang="en-US" dirty="0"/>
+                  <a:t> </a:t>
+                </a:r>
+                <a:r>
+                  <a:rPr lang="en-US" dirty="0" err="1"/>
                   <a:t>sursei</a:t>
                 </a:r>
                 <a:r>
-                  <a:rPr lang="en-US" dirty="0" smtClean="0"/>
+                  <a:rPr lang="en-US" dirty="0"/>
                   <a:t>  </a:t>
                 </a:r>
                 <a14:m>
@@ -9107,23 +9090,23 @@
                   </m:oMath>
                 </a14:m>
                 <a:r>
-                  <a:rPr lang="en-US" dirty="0" smtClean="0"/>
+                  <a:rPr lang="en-US" dirty="0"/>
                   <a:t> la </a:t>
                 </a:r>
                 <a:r>
-                  <a:rPr lang="en-US" dirty="0" err="1" smtClean="0"/>
+                  <a:rPr lang="en-US" dirty="0" err="1"/>
                   <a:t>acest</a:t>
                 </a:r>
                 <a:r>
-                  <a:rPr lang="en-US" dirty="0" smtClean="0"/>
-                  <a:t> </a:t>
-                </a:r>
-                <a:r>
-                  <a:rPr lang="en-US" dirty="0" err="1" smtClean="0"/>
+                  <a:rPr lang="en-US" dirty="0"/>
+                  <a:t> </a:t>
+                </a:r>
+                <a:r>
+                  <a:rPr lang="en-US" dirty="0" err="1"/>
                   <a:t>multiplicator</a:t>
                 </a:r>
                 <a:r>
-                  <a:rPr lang="en-US" dirty="0" smtClean="0"/>
+                  <a:rPr lang="en-US" dirty="0"/>
                   <a:t>.</a:t>
                 </a:r>
               </a:p>
@@ -9133,79 +9116,79 @@
                   <a:buAutoNum type="arabicPeriod"/>
                 </a:pPr>
                 <a:r>
-                  <a:rPr lang="en-US" dirty="0" smtClean="0"/>
+                  <a:rPr lang="en-US" dirty="0"/>
                   <a:t>Nu </a:t>
                 </a:r>
                 <a:r>
-                  <a:rPr lang="en-US" dirty="0" err="1" smtClean="0"/>
+                  <a:rPr lang="en-US" dirty="0" err="1"/>
                   <a:t>putem</a:t>
                 </a:r>
                 <a:r>
-                  <a:rPr lang="en-US" dirty="0" smtClean="0"/>
-                  <a:t> </a:t>
-                </a:r>
-                <a:r>
-                  <a:rPr lang="en-US" dirty="0" err="1" smtClean="0"/>
+                  <a:rPr lang="en-US" dirty="0"/>
+                  <a:t> </a:t>
+                </a:r>
+                <a:r>
+                  <a:rPr lang="en-US" dirty="0" err="1"/>
                   <a:t>determina</a:t>
                 </a:r>
                 <a:r>
-                  <a:rPr lang="en-US" dirty="0" smtClean="0"/>
-                  <a:t> </a:t>
-                </a:r>
-                <a:r>
-                  <a:rPr lang="en-US" dirty="0" err="1" smtClean="0"/>
+                  <a:rPr lang="en-US" dirty="0"/>
+                  <a:t> </a:t>
+                </a:r>
+                <a:r>
+                  <a:rPr lang="en-US" dirty="0" err="1"/>
                   <a:t>ordinea</a:t>
                 </a:r>
                 <a:r>
-                  <a:rPr lang="en-US" dirty="0" smtClean="0"/>
-                  <a:t> </a:t>
-                </a:r>
-                <a:r>
-                  <a:rPr lang="en-US" dirty="0" err="1" smtClean="0"/>
+                  <a:rPr lang="en-US" dirty="0"/>
+                  <a:t> </a:t>
+                </a:r>
+                <a:r>
+                  <a:rPr lang="en-US" dirty="0" err="1"/>
                   <a:t>componentelor</a:t>
                 </a:r>
                 <a:r>
-                  <a:rPr lang="en-US" dirty="0" smtClean="0"/>
-                  <a:t> </a:t>
-                </a:r>
-                <a:r>
-                  <a:rPr lang="en-US" dirty="0" err="1" smtClean="0"/>
+                  <a:rPr lang="en-US" dirty="0"/>
+                  <a:t> </a:t>
+                </a:r>
+                <a:r>
+                  <a:rPr lang="en-US" dirty="0" err="1"/>
                   <a:t>independente</a:t>
                 </a:r>
                 <a:r>
-                  <a:rPr lang="en-US" dirty="0" smtClean="0"/>
+                  <a:rPr lang="en-US" dirty="0"/>
                   <a:t>: la </a:t>
                 </a:r>
                 <a:r>
-                  <a:rPr lang="en-US" dirty="0" err="1" smtClean="0"/>
+                  <a:rPr lang="en-US" dirty="0" err="1"/>
                   <a:t>fel</a:t>
                 </a:r>
                 <a:r>
-                  <a:rPr lang="en-US" dirty="0" smtClean="0"/>
+                  <a:rPr lang="en-US" dirty="0"/>
                   <a:t> ca </a:t>
                 </a:r>
                 <a:r>
-                  <a:rPr lang="en-US" dirty="0" err="1" smtClean="0"/>
+                  <a:rPr lang="en-US" dirty="0" err="1"/>
                   <a:t>mai</a:t>
                 </a:r>
                 <a:r>
-                  <a:rPr lang="en-US" dirty="0" smtClean="0"/>
-                  <a:t> </a:t>
-                </a:r>
-                <a:r>
-                  <a:rPr lang="en-US" dirty="0" err="1" smtClean="0"/>
+                  <a:rPr lang="en-US" dirty="0"/>
+                  <a:t> </a:t>
+                </a:r>
+                <a:r>
+                  <a:rPr lang="en-US" dirty="0" err="1"/>
                   <a:t>sus</a:t>
                 </a:r>
                 <a:r>
-                  <a:rPr lang="en-US" dirty="0" smtClean="0"/>
+                  <a:rPr lang="en-US" dirty="0"/>
                   <a:t>, </a:t>
                 </a:r>
                 <a:r>
-                  <a:rPr lang="en-US" dirty="0" err="1" smtClean="0"/>
+                  <a:rPr lang="en-US" dirty="0" err="1"/>
                   <a:t>nestiind</a:t>
                 </a:r>
                 <a:r>
-                  <a:rPr lang="en-US" dirty="0" smtClean="0"/>
+                  <a:rPr lang="en-US" dirty="0"/>
                   <a:t> </a:t>
                 </a:r>
                 <a14:m>
@@ -9219,15 +9202,15 @@
                   </m:oMath>
                 </a14:m>
                 <a:r>
-                  <a:rPr lang="en-US" dirty="0" smtClean="0"/>
-                  <a:t> </a:t>
-                </a:r>
-                <a:r>
-                  <a:rPr lang="en-US" dirty="0" err="1" smtClean="0"/>
+                  <a:rPr lang="en-US" dirty="0"/>
+                  <a:t> </a:t>
+                </a:r>
+                <a:r>
+                  <a:rPr lang="en-US" dirty="0" err="1"/>
                   <a:t>si</a:t>
                 </a:r>
                 <a:r>
-                  <a:rPr lang="en-US" dirty="0" smtClean="0"/>
+                  <a:rPr lang="en-US" dirty="0"/>
                   <a:t> </a:t>
                 </a:r>
                 <a14:m>
@@ -9241,87 +9224,86 @@
                   </m:oMath>
                 </a14:m>
                 <a:r>
-                  <a:rPr lang="en-US" dirty="0" smtClean="0"/>
+                  <a:rPr lang="en-US" dirty="0"/>
                   <a:t>, </a:t>
                 </a:r>
                 <a:r>
-                  <a:rPr lang="en-US" dirty="0" err="1" smtClean="0"/>
+                  <a:rPr lang="en-US" dirty="0" err="1"/>
                   <a:t>putem</a:t>
                 </a:r>
                 <a:r>
-                  <a:rPr lang="en-US" dirty="0" smtClean="0"/>
-                  <a:t> </a:t>
-                </a:r>
-                <a:r>
-                  <a:rPr lang="en-US" dirty="0" err="1" smtClean="0"/>
+                  <a:rPr lang="en-US" dirty="0"/>
+                  <a:t> </a:t>
+                </a:r>
+                <a:r>
+                  <a:rPr lang="en-US" dirty="0" err="1"/>
                   <a:t>schimba</a:t>
                 </a:r>
                 <a:r>
-                  <a:rPr lang="en-US" dirty="0" smtClean="0"/>
-                  <a:t> </a:t>
-                </a:r>
-                <a:r>
-                  <a:rPr lang="en-US" dirty="0" err="1" smtClean="0"/>
+                  <a:rPr lang="en-US" dirty="0"/>
+                  <a:t> </a:t>
+                </a:r>
+                <a:r>
+                  <a:rPr lang="en-US" dirty="0" err="1"/>
                   <a:t>ordinea</a:t>
                 </a:r>
                 <a:r>
-                  <a:rPr lang="en-US" dirty="0" smtClean="0"/>
-                  <a:t> </a:t>
-                </a:r>
-                <a:r>
-                  <a:rPr lang="en-US" dirty="0" err="1" smtClean="0"/>
+                  <a:rPr lang="en-US" dirty="0"/>
+                  <a:t> </a:t>
+                </a:r>
+                <a:r>
+                  <a:rPr lang="en-US" dirty="0" err="1"/>
                   <a:t>componentelor</a:t>
                 </a:r>
                 <a:r>
-                  <a:rPr lang="en-US" dirty="0" smtClean="0"/>
-                  <a:t> </a:t>
-                </a:r>
-                <a:r>
-                  <a:rPr lang="en-US" dirty="0" err="1" smtClean="0"/>
+                  <a:rPr lang="en-US" dirty="0"/>
+                  <a:t> </a:t>
+                </a:r>
+                <a:r>
+                  <a:rPr lang="en-US" dirty="0" err="1"/>
                   <a:t>observate</a:t>
                 </a:r>
                 <a:r>
-                  <a:rPr lang="en-US" dirty="0" smtClean="0"/>
+                  <a:rPr lang="en-US" dirty="0"/>
                   <a:t>, </a:t>
                 </a:r>
                 <a:r>
-                  <a:rPr lang="en-US" dirty="0" err="1" smtClean="0"/>
+                  <a:rPr lang="en-US" dirty="0" err="1"/>
                   <a:t>fara</a:t>
                 </a:r>
                 <a:r>
-                  <a:rPr lang="en-US" dirty="0" smtClean="0"/>
+                  <a:rPr lang="en-US" dirty="0"/>
                   <a:t> a </a:t>
                 </a:r>
                 <a:r>
-                  <a:rPr lang="en-US" dirty="0" err="1" smtClean="0"/>
+                  <a:rPr lang="en-US" dirty="0" err="1"/>
                   <a:t>afecta</a:t>
                 </a:r>
                 <a:r>
-                  <a:rPr lang="en-US" dirty="0" smtClean="0"/>
-                  <a:t> </a:t>
-                </a:r>
-                <a:r>
-                  <a:rPr lang="en-US" dirty="0" err="1" smtClean="0"/>
+                  <a:rPr lang="en-US" dirty="0"/>
+                  <a:t> </a:t>
+                </a:r>
+                <a:r>
+                  <a:rPr lang="en-US" dirty="0" err="1"/>
                   <a:t>rezultatul</a:t>
                 </a:r>
                 <a:r>
-                  <a:rPr lang="en-US" dirty="0" smtClean="0"/>
-                  <a:t> </a:t>
-                </a:r>
-                <a:r>
-                  <a:rPr lang="en-US" dirty="0" err="1" smtClean="0"/>
+                  <a:rPr lang="en-US" dirty="0"/>
+                  <a:t> </a:t>
+                </a:r>
+                <a:r>
+                  <a:rPr lang="en-US" dirty="0" err="1"/>
                   <a:t>algoritmului</a:t>
                 </a:r>
                 <a:r>
-                  <a:rPr lang="en-US" dirty="0" smtClean="0"/>
+                  <a:rPr lang="en-US" dirty="0"/>
                   <a:t>.</a:t>
                 </a:r>
-                <a:endParaRPr lang="en-US" dirty="0"/>
               </a:p>
             </p:txBody>
           </p:sp>
         </mc:Choice>
-        <mc:Fallback>
+        <mc:Fallback xmlns="">
           <p:sp>
             <p:nvSpPr>
               <p:cNvPr id="3" name="Content Placeholder 2"/>
@@ -9392,7 +9374,7 @@
               <p:cNvPr id="3" name="Content Placeholder 2">
                 <a:extLst>
                   <a:ext uri="{FF2B5EF4-FFF2-40B4-BE49-F238E27FC236}">
-                    <a16:creationId xmlns:a16="http://schemas.microsoft.com/office/drawing/2014/main" xmlns="" id="{49BE45D4-37CF-4C13-88C8-A2C49ECA0EE3}"/>
+                    <a16:creationId xmlns:a16="http://schemas.microsoft.com/office/drawing/2014/main" id="{49BE45D4-37CF-4C13-88C8-A2C49ECA0EE3}"/>
                   </a:ext>
                 </a:extLst>
               </p:cNvPr>
@@ -9416,23 +9398,23 @@
               <a:lstStyle/>
               <a:p>
                 <a:r>
-                  <a:rPr lang="en-US" dirty="0" smtClean="0"/>
+                  <a:rPr lang="en-US" dirty="0"/>
                   <a:t>Avand </a:t>
                 </a:r>
                 <a:r>
-                  <a:rPr lang="en-US" dirty="0" err="1" smtClean="0"/>
+                  <a:rPr lang="en-US" dirty="0" err="1"/>
                   <a:t>semnalele</a:t>
                 </a:r>
                 <a:r>
-                  <a:rPr lang="en-US" dirty="0" smtClean="0"/>
-                  <a:t> </a:t>
-                </a:r>
-                <a:r>
-                  <a:rPr lang="en-US" dirty="0" err="1" smtClean="0"/>
+                  <a:rPr lang="en-US" dirty="0"/>
+                  <a:t> </a:t>
+                </a:r>
+                <a:r>
+                  <a:rPr lang="en-US" dirty="0" err="1"/>
                   <a:t>amestecate</a:t>
                 </a:r>
                 <a:r>
-                  <a:rPr lang="en-US" dirty="0" smtClean="0"/>
+                  <a:rPr lang="en-US" dirty="0"/>
                   <a:t> </a:t>
                 </a:r>
                 <a14:m>
@@ -9465,31 +9447,31 @@
                   </m:oMath>
                 </a14:m>
                 <a:r>
-                  <a:rPr lang="en-US" dirty="0" smtClean="0"/>
+                  <a:rPr lang="en-US" dirty="0"/>
                   <a:t>, se </a:t>
                 </a:r>
                 <a:r>
-                  <a:rPr lang="en-US" dirty="0" err="1" smtClean="0"/>
+                  <a:rPr lang="en-US" dirty="0" err="1"/>
                   <a:t>incepe</a:t>
                 </a:r>
                 <a:r>
-                  <a:rPr lang="en-US" dirty="0" smtClean="0"/>
+                  <a:rPr lang="en-US" dirty="0"/>
                   <a:t> de la o </a:t>
                 </a:r>
                 <a:r>
-                  <a:rPr lang="en-US" dirty="0" err="1" smtClean="0"/>
+                  <a:rPr lang="en-US" dirty="0" err="1"/>
                   <a:t>matrice</a:t>
                 </a:r>
                 <a:r>
-                  <a:rPr lang="en-US" dirty="0" smtClean="0"/>
-                  <a:t> </a:t>
-                </a:r>
-                <a:r>
-                  <a:rPr lang="en-US" dirty="0" err="1" smtClean="0"/>
+                  <a:rPr lang="en-US" dirty="0"/>
+                  <a:t> </a:t>
+                </a:r>
+                <a:r>
+                  <a:rPr lang="en-US" dirty="0" err="1"/>
                   <a:t>patrata</a:t>
                 </a:r>
                 <a:r>
-                  <a:rPr lang="en-US" dirty="0" smtClean="0"/>
+                  <a:rPr lang="en-US" dirty="0"/>
                   <a:t> </a:t>
                 </a:r>
                 <a14:m>
@@ -9503,70 +9485,66 @@
                   </m:oMath>
                 </a14:m>
                 <a:r>
-                  <a:rPr lang="en-US" dirty="0" smtClean="0"/>
+                  <a:rPr lang="en-US" dirty="0"/>
                   <a:t>, </a:t>
                 </a:r>
                 <a:r>
-                  <a:rPr lang="en-US" dirty="0" err="1" smtClean="0"/>
+                  <a:rPr lang="en-US" dirty="0" err="1"/>
                   <a:t>elementele</a:t>
                 </a:r>
                 <a:r>
-                  <a:rPr lang="en-US" dirty="0" smtClean="0"/>
-                  <a:t> </a:t>
-                </a:r>
-                <a:r>
-                  <a:rPr lang="en-US" dirty="0" err="1" smtClean="0"/>
+                  <a:rPr lang="en-US" dirty="0"/>
+                  <a:t> </a:t>
+                </a:r>
+                <a:r>
+                  <a:rPr lang="en-US" dirty="0" err="1"/>
                   <a:t>ei</a:t>
                 </a:r>
                 <a:r>
-                  <a:rPr lang="en-US" dirty="0" smtClean="0"/>
+                  <a:rPr lang="en-US" dirty="0"/>
                   <a:t> au </a:t>
                 </a:r>
                 <a:r>
-                  <a:rPr lang="en-US" dirty="0" err="1" smtClean="0"/>
+                  <a:rPr lang="en-US" dirty="0" err="1"/>
                   <a:t>distributie</a:t>
                 </a:r>
                 <a:r>
-                  <a:rPr lang="en-US" dirty="0" smtClean="0"/>
-                  <a:t> </a:t>
-                </a:r>
-                <a:r>
-                  <a:rPr lang="en-US" dirty="0" err="1" smtClean="0"/>
+                  <a:rPr lang="en-US" dirty="0"/>
+                  <a:t> </a:t>
+                </a:r>
+                <a:r>
+                  <a:rPr lang="en-US" dirty="0" err="1"/>
                   <a:t>uniforma</a:t>
                 </a:r>
                 <a:r>
-                  <a:rPr lang="en-US" dirty="0" smtClean="0"/>
-                  <a:t> </a:t>
-                </a:r>
-                <a:r>
-                  <a:rPr lang="en-US" dirty="0" err="1" smtClean="0"/>
+                  <a:rPr lang="en-US" dirty="0"/>
+                  <a:t> </a:t>
+                </a:r>
+                <a:r>
+                  <a:rPr lang="en-US" dirty="0" err="1"/>
                   <a:t>intre</a:t>
                 </a:r>
                 <a:r>
-                  <a:rPr lang="en-US" dirty="0" smtClean="0"/>
+                  <a:rPr lang="en-US" dirty="0"/>
                   <a:t> 0.01 </a:t>
                 </a:r>
                 <a:r>
-                  <a:rPr lang="en-US" dirty="0" err="1" smtClean="0"/>
+                  <a:rPr lang="en-US" dirty="0" err="1"/>
                   <a:t>si</a:t>
                 </a:r>
                 <a:r>
-                  <a:rPr lang="en-US" dirty="0" smtClean="0"/>
+                  <a:rPr lang="en-US" dirty="0"/>
                   <a:t> 0.1.</a:t>
                 </a:r>
               </a:p>
               <a:p>
                 <a:r>
-                  <a:rPr lang="en-US" dirty="0" err="1" smtClean="0"/>
+                  <a:rPr lang="en-US" dirty="0" err="1"/>
                   <a:t>Urmatorul</a:t>
                 </a:r>
                 <a:r>
-                  <a:rPr lang="en-US" dirty="0" smtClean="0"/>
-                  <a:t> </a:t>
-                </a:r>
-                <a:r>
-                  <a:rPr lang="en-US" dirty="0"/>
-                  <a:t>pas </a:t>
+                  <a:rPr lang="en-US" dirty="0"/>
+                  <a:t> pas </a:t>
                 </a:r>
                 <a:r>
                   <a:rPr lang="en-US" dirty="0" err="1"/>
@@ -10051,7 +10029,7 @@
                   </m:oMath>
                 </a14:m>
                 <a:r>
-                  <a:rPr lang="en-US" dirty="0" smtClean="0"/>
+                  <a:rPr lang="en-US" dirty="0"/>
                   <a:t>, unde </a:t>
                 </a:r>
                 <a14:m>
@@ -10073,11 +10051,11 @@
                   </m:oMath>
                 </a14:m>
                 <a:r>
-                  <a:rPr lang="en-US" dirty="0" smtClean="0"/>
+                  <a:rPr lang="en-US" dirty="0"/>
                   <a:t>rata de </a:t>
                 </a:r>
                 <a:r>
-                  <a:rPr lang="en-US" dirty="0" err="1" smtClean="0"/>
+                  <a:rPr lang="en-US" dirty="0" err="1"/>
                   <a:t>invatare</a:t>
                 </a:r>
                 <a:endParaRPr lang="en-US" dirty="0"/>
@@ -10129,25 +10107,40 @@
                 <a14:m>
                   <m:oMath xmlns:m="http://schemas.openxmlformats.org/officeDocument/2006/math">
                     <m:r>
-                      <m:rPr>
-                        <m:sty m:val="p"/>
-                      </m:rPr>
-                      <a:rPr lang="en-US">
+                      <a:rPr lang="en-US" b="0" i="1" smtClean="0">
                         <a:latin typeface="Cambria Math" panose="02040503050406030204" pitchFamily="18" charset="0"/>
                       </a:rPr>
-                      <m:t>log</m:t>
+                      <m:t>𝑔</m:t>
+                    </m:r>
+                    <m:r>
+                      <a:rPr lang="en-US" b="0" i="1" smtClean="0">
+                        <a:latin typeface="Cambria Math" panose="02040503050406030204" pitchFamily="18" charset="0"/>
+                      </a:rPr>
+                      <m:t>′(</m:t>
+                    </m:r>
+                    <m:r>
+                      <a:rPr lang="en-US" b="0" i="1" smtClean="0">
+                        <a:latin typeface="Cambria Math" panose="02040503050406030204" pitchFamily="18" charset="0"/>
+                      </a:rPr>
+                      <m:t>𝑥</m:t>
+                    </m:r>
+                    <m:r>
+                      <a:rPr lang="en-US" b="0" i="1" smtClean="0">
+                        <a:latin typeface="Cambria Math" panose="02040503050406030204" pitchFamily="18" charset="0"/>
+                      </a:rPr>
+                      <m:t>)=</m:t>
                     </m:r>
                     <m:r>
                       <a:rPr lang="en-US" i="1">
                         <a:latin typeface="Cambria Math" panose="02040503050406030204" pitchFamily="18" charset="0"/>
                       </a:rPr>
-                      <m:t>⁡</m:t>
+                      <m:t>𝑙𝑜𝑔</m:t>
                     </m:r>
                     <m:r>
-                      <a:rPr lang="en-US" b="0" i="1" smtClean="0">
+                      <a:rPr lang="en-US" i="1">
                         <a:latin typeface="Cambria Math" panose="02040503050406030204" pitchFamily="18" charset="0"/>
                       </a:rPr>
-                      <m:t>(</m:t>
+                      <m:t>⁡(</m:t>
                     </m:r>
                     <m:r>
                       <a:rPr lang="en-US" i="1">
@@ -10518,7 +10511,7 @@
               <p:cNvPr id="3" name="Content Placeholder 2">
                 <a:extLst>
                   <a:ext uri="{FF2B5EF4-FFF2-40B4-BE49-F238E27FC236}">
-                    <a16:creationId xmlns:a16="http://schemas.microsoft.com/office/drawing/2014/main" xmlns:a14="http://schemas.microsoft.com/office/drawing/2010/main" xmlns="" id="{49BE45D4-37CF-4C13-88C8-A2C49ECA0EE3}"/>
+                    <a16:creationId xmlns:a16="http://schemas.microsoft.com/office/drawing/2014/main" id="{49BE45D4-37CF-4C13-88C8-A2C49ECA0EE3}"/>
                   </a:ext>
                 </a:extLst>
               </p:cNvPr>
@@ -10534,7 +10527,7 @@
                 <a:off x="838200" y="1325563"/>
                 <a:ext cx="10515600" cy="5368200"/>
               </a:xfrm>
-              <a:blipFill rotWithShape="0">
+              <a:blipFill>
                 <a:blip r:embed="rId2"/>
                 <a:stretch>
                   <a:fillRect l="-928" t="-2270"/>
@@ -10561,7 +10554,7 @@
           <p:cNvPr id="4" name="Title 1">
             <a:extLst>
               <a:ext uri="{FF2B5EF4-FFF2-40B4-BE49-F238E27FC236}">
-                <a16:creationId xmlns:a16="http://schemas.microsoft.com/office/drawing/2014/main" xmlns="" id="{F86EE058-A6FE-4DFF-BF11-F5B66581D73E}"/>
+                <a16:creationId xmlns:a16="http://schemas.microsoft.com/office/drawing/2014/main" id="{F86EE058-A6FE-4DFF-BF11-F5B66581D73E}"/>
               </a:ext>
             </a:extLst>
           </p:cNvPr>
@@ -10605,7 +10598,7 @@
           <a:p>
             <a:pPr algn="ctr"/>
             <a:r>
-              <a:rPr lang="en-US" b="1" dirty="0" err="1" smtClean="0"/>
+              <a:rPr lang="en-US" b="1" dirty="0" err="1"/>
               <a:t>Algoritmul</a:t>
             </a:r>
             <a:endParaRPr lang="en-US" b="1" dirty="0"/>
